--- a/권우진 학생 자료.pptx
+++ b/권우진 학생 자료.pptx
@@ -6,10 +6,10 @@
     <p:sldMasterId id="2147483668" r:id="rId2"/>
   </p:sldMasterIdLst>
   <p:notesMasterIdLst>
-    <p:notesMasterId r:id="rId21"/>
+    <p:notesMasterId r:id="rId22"/>
   </p:notesMasterIdLst>
   <p:handoutMasterIdLst>
-    <p:handoutMasterId r:id="rId22"/>
+    <p:handoutMasterId r:id="rId23"/>
   </p:handoutMasterIdLst>
   <p:sldIdLst>
     <p:sldId id="256" r:id="rId3"/>
@@ -25,11 +25,12 @@
     <p:sldId id="313" r:id="rId13"/>
     <p:sldId id="314" r:id="rId14"/>
     <p:sldId id="315" r:id="rId15"/>
-    <p:sldId id="318" r:id="rId16"/>
-    <p:sldId id="319" r:id="rId17"/>
-    <p:sldId id="320" r:id="rId18"/>
-    <p:sldId id="321" r:id="rId19"/>
-    <p:sldId id="316" r:id="rId20"/>
+    <p:sldId id="316" r:id="rId16"/>
+    <p:sldId id="318" r:id="rId17"/>
+    <p:sldId id="319" r:id="rId18"/>
+    <p:sldId id="320" r:id="rId19"/>
+    <p:sldId id="321" r:id="rId20"/>
+    <p:sldId id="322" r:id="rId21"/>
   </p:sldIdLst>
   <p:sldSz cx="12190413" cy="6858000"/>
   <p:notesSz cx="7104063" cy="10234613"/>
@@ -130,7 +131,7 @@
   </p:defaultTextStyle>
   <p:extLst>
     <p:ext uri="{EFAFB233-063F-42B5-8137-9DF3F51BA10A}">
-      <p15:sldGuideLst xmlns="" xmlns:p15="http://schemas.microsoft.com/office/powerpoint/2012/main">
+      <p15:sldGuideLst xmlns:p15="http://schemas.microsoft.com/office/powerpoint/2012/main" xmlns="">
         <p15:guide id="1" orient="horz" pos="2160">
           <p15:clr>
             <a:srgbClr val="A4A3A4"/>
@@ -229,7 +230,7 @@
           <a:p>
             <a:fld id="{116EA778-A631-434F-BFF3-F7E06EDCB603}" type="datetime1">
               <a:rPr lang="ko-KR" altLang="en-US" smtClean="0"/>
-              <a:t>2019-12-26</a:t>
+              <a:t>2019-12-27</a:t>
             </a:fld>
             <a:endParaRPr lang="ko-KR" altLang="en-US"/>
           </a:p>
@@ -395,7 +396,7 @@
           <a:p>
             <a:fld id="{5CAF9CA4-C74C-45E7-B152-A78D49EA7F5B}" type="datetime1">
               <a:rPr lang="ko-KR" altLang="en-US" smtClean="0"/>
-              <a:t>2019-12-26</a:t>
+              <a:t>2019-12-27</a:t>
             </a:fld>
             <a:endParaRPr lang="ko-KR" altLang="en-US"/>
           </a:p>
@@ -1262,6 +1263,94 @@
             <a:fld id="{4E025991-99C1-45BD-9B9C-EE77FBC27CD0}" type="slidenum">
               <a:rPr lang="ko-KR" altLang="en-US" smtClean="0"/>
               <a:t>17</a:t>
+            </a:fld>
+            <a:endParaRPr lang="ko-KR" altLang="en-US"/>
+          </a:p>
+        </p:txBody>
+      </p:sp>
+    </p:spTree>
+    <p:extLst>
+      <p:ext uri="{BB962C8B-B14F-4D97-AF65-F5344CB8AC3E}">
+        <p14:creationId xmlns:p14="http://schemas.microsoft.com/office/powerpoint/2010/main" val="1938258863"/>
+      </p:ext>
+    </p:extLst>
+  </p:cSld>
+  <p:clrMapOvr>
+    <a:masterClrMapping/>
+  </p:clrMapOvr>
+</p:notes>
+</file>
+
+<file path=ppt/notesSlides/notesSlide16.xml><?xml version="1.0" encoding="utf-8"?>
+<p:notes xmlns:a="http://schemas.openxmlformats.org/drawingml/2006/main" xmlns:r="http://schemas.openxmlformats.org/officeDocument/2006/relationships" xmlns:p="http://schemas.openxmlformats.org/presentationml/2006/main">
+  <p:cSld>
+    <p:spTree>
+      <p:nvGrpSpPr>
+        <p:cNvPr id="1" name=""/>
+        <p:cNvGrpSpPr/>
+        <p:nvPr/>
+      </p:nvGrpSpPr>
+      <p:grpSpPr>
+        <a:xfrm>
+          <a:off x="0" y="0"/>
+          <a:ext cx="0" cy="0"/>
+          <a:chOff x="0" y="0"/>
+          <a:chExt cx="0" cy="0"/>
+        </a:xfrm>
+      </p:grpSpPr>
+      <p:sp>
+        <p:nvSpPr>
+          <p:cNvPr id="2" name="슬라이드 이미지 개체 틀 1"/>
+          <p:cNvSpPr>
+            <a:spLocks noGrp="1" noRot="1" noChangeAspect="1"/>
+          </p:cNvSpPr>
+          <p:nvPr>
+            <p:ph type="sldImg"/>
+          </p:nvPr>
+        </p:nvSpPr>
+        <p:spPr/>
+      </p:sp>
+      <p:sp>
+        <p:nvSpPr>
+          <p:cNvPr id="3" name="슬라이드 노트 개체 틀 2"/>
+          <p:cNvSpPr>
+            <a:spLocks noGrp="1"/>
+          </p:cNvSpPr>
+          <p:nvPr>
+            <p:ph type="body" idx="1"/>
+          </p:nvPr>
+        </p:nvSpPr>
+        <p:spPr/>
+        <p:txBody>
+          <a:bodyPr/>
+          <a:lstStyle/>
+          <a:p>
+            <a:r>
+              <a:rPr lang="ko-KR" altLang="en-US" dirty="0" smtClean="0"/>
+              <a:t>강의 링크</a:t>
+            </a:r>
+            <a:endParaRPr lang="ko-KR" altLang="en-US" dirty="0"/>
+          </a:p>
+        </p:txBody>
+      </p:sp>
+      <p:sp>
+        <p:nvSpPr>
+          <p:cNvPr id="4" name="슬라이드 번호 개체 틀 3"/>
+          <p:cNvSpPr>
+            <a:spLocks noGrp="1"/>
+          </p:cNvSpPr>
+          <p:nvPr>
+            <p:ph type="sldNum" sz="quarter" idx="10"/>
+          </p:nvPr>
+        </p:nvSpPr>
+        <p:spPr/>
+        <p:txBody>
+          <a:bodyPr/>
+          <a:lstStyle/>
+          <a:p>
+            <a:fld id="{4E025991-99C1-45BD-9B9C-EE77FBC27CD0}" type="slidenum">
+              <a:rPr lang="ko-KR" altLang="en-US" smtClean="0"/>
+              <a:t>18</a:t>
             </a:fld>
             <a:endParaRPr lang="ko-KR" altLang="en-US"/>
           </a:p>
@@ -10550,11 +10639,7 @@
             <a:pPr lvl="1"/>
             <a:r>
               <a:rPr lang="en-US" altLang="ko-KR" dirty="0" err="1" smtClean="0"/>
-              <a:t>gi</a:t>
-            </a:r>
-            <a:r>
-              <a:rPr lang="en-US" altLang="ko-KR" dirty="0" err="1" smtClean="0"/>
-              <a:t>t</a:t>
+              <a:t>git</a:t>
             </a:r>
             <a:r>
               <a:rPr lang="en-US" altLang="ko-KR" dirty="0" smtClean="0"/>
@@ -11761,17 +11846,12 @@
             </a:r>
             <a:r>
               <a:rPr lang="ko-KR" altLang="en-US" dirty="0" smtClean="0"/>
-              <a:t>버전 </a:t>
-            </a:r>
-            <a:r>
-              <a:rPr lang="ko-KR" altLang="en-US" dirty="0" smtClean="0"/>
-              <a:t>되돌리</a:t>
+              <a:t>버전 되돌리</a:t>
             </a:r>
             <a:r>
               <a:rPr lang="ko-KR" altLang="en-US" dirty="0"/>
               <a:t>기</a:t>
             </a:r>
-            <a:endParaRPr lang="ko-KR" altLang="en-US" dirty="0"/>
           </a:p>
         </p:txBody>
       </p:sp>
@@ -12000,100 +12080,119 @@
           <a:lstStyle/>
           <a:p>
             <a:r>
-              <a:rPr lang="ko-KR" altLang="en-US" dirty="0" smtClean="0"/>
-              <a:t>강의자료주소 </a:t>
-            </a:r>
-            <a:r>
-              <a:rPr lang="en-US" altLang="ko-KR" dirty="0" smtClean="0"/>
-              <a:t>: https</a:t>
-            </a:r>
-            <a:r>
-              <a:rPr lang="en-US" altLang="ko-KR" dirty="0"/>
-              <a:t>://</a:t>
-            </a:r>
-            <a:r>
-              <a:rPr lang="en-US" altLang="ko-KR" dirty="0" smtClean="0"/>
-              <a:t>opentutorials.org/course/3840/23677</a:t>
-            </a:r>
-          </a:p>
-          <a:p>
-            <a:r>
-              <a:rPr lang="en-US" altLang="ko-KR" dirty="0" err="1" smtClean="0"/>
-              <a:t>git</a:t>
-            </a:r>
-            <a:r>
-              <a:rPr lang="en-US" altLang="ko-KR" dirty="0" smtClean="0"/>
-              <a:t> branch</a:t>
-            </a:r>
+              <a:rPr lang="en-US" altLang="ko-KR" dirty="0" smtClean="0"/>
+              <a:t>Revert </a:t>
+            </a:r>
+            <a:r>
+              <a:rPr lang="ko-KR" altLang="en-US" dirty="0" smtClean="0"/>
+              <a:t>유의사항</a:t>
+            </a:r>
+            <a:endParaRPr lang="en-US" altLang="ko-KR" dirty="0" smtClean="0"/>
           </a:p>
           <a:p>
             <a:pPr lvl="1"/>
             <a:r>
-              <a:rPr lang="en-US" altLang="ko-KR" dirty="0" smtClean="0"/>
-              <a:t>Branch </a:t>
-            </a:r>
-            <a:r>
-              <a:rPr lang="ko-KR" altLang="en-US" dirty="0" smtClean="0"/>
-              <a:t>생성</a:t>
-            </a:r>
-            <a:endParaRPr lang="en-US" altLang="ko-KR" dirty="0" smtClean="0"/>
-          </a:p>
-          <a:p>
-            <a:r>
-              <a:rPr lang="en-US" altLang="ko-KR" dirty="0" err="1"/>
-              <a:t>g</a:t>
-            </a:r>
-            <a:r>
-              <a:rPr lang="en-US" altLang="ko-KR" dirty="0" err="1" smtClean="0"/>
-              <a:t>it</a:t>
-            </a:r>
-            <a:r>
-              <a:rPr lang="en-US" altLang="ko-KR" dirty="0" smtClean="0"/>
-              <a:t> switch</a:t>
+              <a:rPr lang="ko-KR" altLang="en-US" dirty="0" smtClean="0"/>
+              <a:t>직전의 버전이 아닌 몇 단계 전의 버전으로 되돌아 가고자 할 때는 원하는 버전의 부모 </a:t>
+            </a:r>
+            <a:r>
+              <a:rPr lang="en-US" altLang="ko-KR" dirty="0" smtClean="0"/>
+              <a:t>commit id</a:t>
+            </a:r>
+            <a:r>
+              <a:rPr lang="ko-KR" altLang="en-US" dirty="0" smtClean="0"/>
+              <a:t>를 </a:t>
+            </a:r>
+            <a:r>
+              <a:rPr lang="en-US" altLang="ko-KR" dirty="0" smtClean="0"/>
+              <a:t>revert</a:t>
+            </a:r>
+            <a:r>
+              <a:rPr lang="ko-KR" altLang="en-US" dirty="0" smtClean="0"/>
+              <a:t>수행하면</a:t>
+            </a:r>
+            <a:r>
+              <a:rPr lang="en-US" altLang="ko-KR" dirty="0" smtClean="0"/>
+              <a:t/>
+            </a:r>
+            <a:br>
+              <a:rPr lang="en-US" altLang="ko-KR" dirty="0" smtClean="0"/>
+            </a:br>
+            <a:r>
+              <a:rPr lang="ko-KR" altLang="en-US" dirty="0" smtClean="0"/>
+              <a:t>충돌이 일어날 수 있다</a:t>
+            </a:r>
+            <a:r>
+              <a:rPr lang="en-US" altLang="ko-KR" dirty="0" smtClean="0"/>
+              <a:t>. </a:t>
+            </a:r>
+            <a:r>
+              <a:rPr lang="ko-KR" altLang="en-US" dirty="0" smtClean="0"/>
+              <a:t>그래서 몇 단계 전의 버전으로 되돌아 가기 위해선 역순으로 한번씩 </a:t>
+            </a:r>
+            <a:r>
+              <a:rPr lang="en-US" altLang="ko-KR" dirty="0" smtClean="0"/>
+              <a:t>revert</a:t>
+            </a:r>
+            <a:r>
+              <a:rPr lang="ko-KR" altLang="en-US" dirty="0" err="1" smtClean="0"/>
+              <a:t>시켜야한다</a:t>
+            </a:r>
+            <a:r>
+              <a:rPr lang="en-US" altLang="ko-KR" dirty="0" smtClean="0"/>
+              <a:t>.</a:t>
             </a:r>
           </a:p>
           <a:p>
             <a:pPr lvl="1"/>
             <a:r>
               <a:rPr lang="ko-KR" altLang="en-US" dirty="0" smtClean="0"/>
-              <a:t>원하는 </a:t>
-            </a:r>
-            <a:r>
-              <a:rPr lang="en-US" altLang="ko-KR" dirty="0" smtClean="0"/>
-              <a:t>branch</a:t>
-            </a:r>
-            <a:r>
-              <a:rPr lang="ko-KR" altLang="en-US" dirty="0" smtClean="0"/>
-              <a:t>로 이동</a:t>
-            </a:r>
-            <a:endParaRPr lang="en-US" altLang="ko-KR" dirty="0" smtClean="0"/>
-          </a:p>
-          <a:p>
-            <a:pPr lvl="1"/>
-            <a:r>
-              <a:rPr lang="en-US" altLang="ko-KR" dirty="0"/>
-              <a:t>Head</a:t>
-            </a:r>
-            <a:r>
-              <a:rPr lang="ko-KR" altLang="en-US" dirty="0"/>
-              <a:t>가 해당 </a:t>
-            </a:r>
-            <a:r>
-              <a:rPr lang="en-US" altLang="ko-KR" dirty="0"/>
-              <a:t>branch</a:t>
-            </a:r>
-            <a:r>
-              <a:rPr lang="ko-KR" altLang="en-US" dirty="0"/>
-              <a:t>를 가리킴</a:t>
-            </a:r>
-            <a:endParaRPr lang="en-US" altLang="ko-KR" dirty="0"/>
-          </a:p>
-          <a:p>
-            <a:pPr lvl="1"/>
-            <a:endParaRPr lang="en-US" altLang="ko-KR" dirty="0"/>
-          </a:p>
-          <a:p>
-            <a:pPr lvl="1"/>
+              <a:t>예를 들어</a:t>
+            </a:r>
+            <a:r>
+              <a:rPr lang="en-US" altLang="ko-KR" dirty="0" smtClean="0"/>
+              <a:t>, R1-&gt;R2-&gt;R3-&gt;R4 </a:t>
+            </a:r>
+            <a:r>
+              <a:rPr lang="ko-KR" altLang="en-US" dirty="0" smtClean="0"/>
+              <a:t>순으로 </a:t>
+            </a:r>
+            <a:r>
+              <a:rPr lang="ko-KR" altLang="en-US" dirty="0" err="1" smtClean="0"/>
+              <a:t>커밋되었고</a:t>
+            </a:r>
+            <a:r>
+              <a:rPr lang="ko-KR" altLang="en-US" dirty="0" smtClean="0"/>
+              <a:t> </a:t>
+            </a:r>
+            <a:r>
+              <a:rPr lang="en-US" altLang="ko-KR" dirty="0" smtClean="0"/>
+              <a:t>R1</a:t>
+            </a:r>
+            <a:r>
+              <a:rPr lang="ko-KR" altLang="en-US" dirty="0" smtClean="0"/>
+              <a:t>으로 되돌아 가기 위해선</a:t>
+            </a:r>
+            <a:r>
+              <a:rPr lang="en-US" altLang="ko-KR" dirty="0" smtClean="0"/>
+              <a:t>, revert R4, revert R3, revert R2</a:t>
+            </a:r>
+            <a:r>
+              <a:rPr lang="ko-KR" altLang="en-US" dirty="0" smtClean="0"/>
+              <a:t>로 역순으로 </a:t>
+            </a:r>
+            <a:r>
+              <a:rPr lang="en-US" altLang="ko-KR" dirty="0" smtClean="0"/>
+              <a:t>revert </a:t>
+            </a:r>
+            <a:r>
+              <a:rPr lang="ko-KR" altLang="en-US" dirty="0" smtClean="0"/>
+              <a:t>해야 한다</a:t>
+            </a:r>
+            <a:r>
+              <a:rPr lang="en-US" altLang="ko-KR" dirty="0" smtClean="0"/>
+              <a:t>.</a:t>
+            </a:r>
             <a:endParaRPr lang="en-US" altLang="ko-KR" dirty="0"/>
           </a:p>
         </p:txBody>
@@ -12115,82 +12214,31 @@
           <a:p>
             <a:r>
               <a:rPr lang="en-US" altLang="ko-KR" dirty="0"/>
-              <a:t>GIT </a:t>
-            </a:r>
-            <a:r>
-              <a:rPr lang="en-US" altLang="ko-KR" dirty="0" smtClean="0"/>
-              <a:t>CLI Branch &amp; Conflict </a:t>
-            </a:r>
-            <a:r>
-              <a:rPr lang="en-US" altLang="ko-KR" dirty="0" smtClean="0"/>
-              <a:t>–branch</a:t>
-            </a:r>
-            <a:r>
-              <a:rPr lang="ko-KR" altLang="en-US" dirty="0" smtClean="0"/>
-              <a:t>사용법</a:t>
-            </a:r>
-            <a:endParaRPr lang="ko-KR" altLang="en-US" dirty="0"/>
+              <a:t>GIT CLI </a:t>
+            </a:r>
+            <a:r>
+              <a:rPr lang="ko-KR" altLang="en-US" dirty="0"/>
+              <a:t>버전관리</a:t>
+            </a:r>
+            <a:r>
+              <a:rPr lang="en-US" altLang="ko-KR" dirty="0" smtClean="0"/>
+              <a:t>–</a:t>
+            </a:r>
+            <a:r>
+              <a:rPr lang="ko-KR" altLang="en-US" dirty="0" smtClean="0"/>
+              <a:t>버전 되돌리</a:t>
+            </a:r>
+            <a:r>
+              <a:rPr lang="ko-KR" altLang="en-US" dirty="0"/>
+              <a:t>기</a:t>
+            </a:r>
           </a:p>
         </p:txBody>
       </p:sp>
-      <p:pic>
-        <p:nvPicPr>
-          <p:cNvPr id="7170" name="Picture 2"/>
-          <p:cNvPicPr>
-            <a:picLocks noChangeAspect="1" noChangeArrowheads="1"/>
-          </p:cNvPicPr>
-          <p:nvPr/>
-        </p:nvPicPr>
-        <p:blipFill>
-          <a:blip r:embed="rId3">
-            <a:extLst>
-              <a:ext uri="{28A0092B-C50C-407E-A947-70E740481C1C}">
-                <a14:useLocalDpi xmlns:a14="http://schemas.microsoft.com/office/drawing/2010/main" val="0"/>
-              </a:ext>
-            </a:extLst>
-          </a:blip>
-          <a:srcRect/>
-          <a:stretch>
-            <a:fillRect/>
-          </a:stretch>
-        </p:blipFill>
-        <p:spPr bwMode="auto">
-          <a:xfrm>
-            <a:off x="539107" y="3717032"/>
-            <a:ext cx="3444707" cy="864096"/>
-          </a:xfrm>
-          <a:prstGeom prst="rect">
-            <a:avLst/>
-          </a:prstGeom>
-          <a:noFill/>
-          <a:ln>
-            <a:noFill/>
-          </a:ln>
-          <a:extLst>
-            <a:ext uri="{909E8E84-426E-40DD-AFC4-6F175D3DCCD1}">
-              <a14:hiddenFill xmlns:a14="http://schemas.microsoft.com/office/drawing/2010/main">
-                <a:solidFill>
-                  <a:schemeClr val="accent1"/>
-                </a:solidFill>
-              </a14:hiddenFill>
-            </a:ext>
-            <a:ext uri="{91240B29-F687-4F45-9708-019B960494DF}">
-              <a14:hiddenLine xmlns:a14="http://schemas.microsoft.com/office/drawing/2010/main" w="9525">
-                <a:solidFill>
-                  <a:schemeClr val="tx1"/>
-                </a:solidFill>
-                <a:miter lim="800000"/>
-                <a:headEnd/>
-                <a:tailEnd/>
-              </a14:hiddenLine>
-            </a:ext>
-          </a:extLst>
-        </p:spPr>
-      </p:pic>
     </p:spTree>
     <p:extLst>
       <p:ext uri="{BB962C8B-B14F-4D97-AF65-F5344CB8AC3E}">
-        <p14:creationId xmlns:p14="http://schemas.microsoft.com/office/powerpoint/2010/main" val="2321849944"/>
+        <p14:creationId xmlns:p14="http://schemas.microsoft.com/office/powerpoint/2010/main" val="2560662614"/>
       </p:ext>
     </p:extLst>
   </p:cSld>
@@ -12263,35 +12311,50 @@
             </a:r>
             <a:r>
               <a:rPr lang="en-US" altLang="ko-KR" dirty="0" smtClean="0"/>
-              <a:t>opentutorials.org/course/3840/23684</a:t>
-            </a:r>
-          </a:p>
-          <a:p>
-            <a:r>
-              <a:rPr lang="en-US" altLang="ko-KR" dirty="0" smtClean="0"/>
-              <a:t>3 way merge</a:t>
+              <a:t>opentutorials.org/course/3840/23677</a:t>
+            </a:r>
+          </a:p>
+          <a:p>
+            <a:r>
+              <a:rPr lang="en-US" altLang="ko-KR" dirty="0" err="1" smtClean="0"/>
+              <a:t>git</a:t>
+            </a:r>
+            <a:r>
+              <a:rPr lang="en-US" altLang="ko-KR" dirty="0" smtClean="0"/>
+              <a:t> branch</a:t>
             </a:r>
           </a:p>
           <a:p>
             <a:pPr lvl="1"/>
             <a:r>
+              <a:rPr lang="en-US" altLang="ko-KR" dirty="0" smtClean="0"/>
+              <a:t>Branch </a:t>
+            </a:r>
+            <a:r>
+              <a:rPr lang="ko-KR" altLang="en-US" dirty="0" smtClean="0"/>
+              <a:t>생성</a:t>
+            </a:r>
+            <a:endParaRPr lang="en-US" altLang="ko-KR" dirty="0" smtClean="0"/>
+          </a:p>
+          <a:p>
+            <a:r>
+              <a:rPr lang="en-US" altLang="ko-KR" dirty="0" err="1"/>
+              <a:t>g</a:t>
+            </a:r>
+            <a:r>
               <a:rPr lang="en-US" altLang="ko-KR" dirty="0" err="1" smtClean="0"/>
-              <a:t>Git</a:t>
-            </a:r>
-            <a:r>
-              <a:rPr lang="ko-KR" altLang="en-US" dirty="0" smtClean="0"/>
-              <a:t>이 충돌을 처리하는 방법이다</a:t>
-            </a:r>
-            <a:r>
-              <a:rPr lang="en-US" altLang="ko-KR" dirty="0" smtClean="0"/>
-              <a:t>.</a:t>
+              <a:t>it</a:t>
+            </a:r>
+            <a:r>
+              <a:rPr lang="en-US" altLang="ko-KR" dirty="0" smtClean="0"/>
+              <a:t> switch</a:t>
             </a:r>
           </a:p>
           <a:p>
             <a:pPr lvl="1"/>
             <a:r>
               <a:rPr lang="ko-KR" altLang="en-US" dirty="0" smtClean="0"/>
-              <a:t>두 파생 </a:t>
+              <a:t>원하는 </a:t>
             </a:r>
             <a:r>
               <a:rPr lang="en-US" altLang="ko-KR" dirty="0" smtClean="0"/>
@@ -12299,157 +12362,33 @@
             </a:r>
             <a:r>
               <a:rPr lang="ko-KR" altLang="en-US" dirty="0" smtClean="0"/>
-              <a:t>를 </a:t>
-            </a:r>
-            <a:r>
-              <a:rPr lang="en-US" altLang="ko-KR" dirty="0" smtClean="0"/>
-              <a:t>merge</a:t>
-            </a:r>
-            <a:r>
-              <a:rPr lang="ko-KR" altLang="en-US" dirty="0" smtClean="0"/>
-              <a:t>할 때 </a:t>
-            </a:r>
-            <a:r>
-              <a:rPr lang="en-US" altLang="ko-KR" dirty="0" smtClean="0"/>
-              <a:t>base</a:t>
-            </a:r>
-            <a:r>
-              <a:rPr lang="ko-KR" altLang="en-US" dirty="0" smtClean="0"/>
-              <a:t>와 비교하여 파생 </a:t>
-            </a:r>
-            <a:r>
-              <a:rPr lang="en-US" altLang="ko-KR" dirty="0" smtClean="0"/>
+              <a:t>로 </a:t>
+            </a:r>
+            <a:r>
+              <a:rPr lang="ko-KR" altLang="en-US" dirty="0" smtClean="0"/>
+              <a:t>이동</a:t>
+            </a:r>
+            <a:endParaRPr lang="en-US" altLang="ko-KR" dirty="0" smtClean="0"/>
+          </a:p>
+          <a:p>
+            <a:pPr lvl="1"/>
+            <a:r>
+              <a:rPr lang="en-US" altLang="ko-KR" dirty="0"/>
+              <a:t>Head</a:t>
+            </a:r>
+            <a:r>
+              <a:rPr lang="ko-KR" altLang="en-US" dirty="0"/>
+              <a:t>가 해당 </a:t>
+            </a:r>
+            <a:r>
+              <a:rPr lang="en-US" altLang="ko-KR" dirty="0"/>
               <a:t>branch</a:t>
             </a:r>
             <a:r>
-              <a:rPr lang="ko-KR" altLang="en-US" dirty="0" smtClean="0"/>
-              <a:t>간의 비교인 </a:t>
-            </a:r>
-            <a:r>
-              <a:rPr lang="en-US" altLang="ko-KR" dirty="0" smtClean="0"/>
-              <a:t>2 way</a:t>
-            </a:r>
-            <a:r>
-              <a:rPr lang="ko-KR" altLang="en-US" dirty="0" smtClean="0"/>
-              <a:t>보다 훨씬 더 많은 부분을 자동으로 </a:t>
-            </a:r>
-            <a:r>
-              <a:rPr lang="en-US" altLang="ko-KR" dirty="0" smtClean="0"/>
-              <a:t>merge</a:t>
-            </a:r>
-            <a:r>
-              <a:rPr lang="ko-KR" altLang="en-US" dirty="0" smtClean="0"/>
-              <a:t>할 수 있다</a:t>
-            </a:r>
-            <a:r>
-              <a:rPr lang="en-US" altLang="ko-KR" dirty="0" smtClean="0"/>
-              <a:t>.</a:t>
-            </a:r>
-          </a:p>
-          <a:p>
-            <a:pPr lvl="1"/>
-            <a:r>
-              <a:rPr lang="en-US" altLang="ko-KR" dirty="0" smtClean="0"/>
-              <a:t>3 way merge</a:t>
-            </a:r>
-            <a:r>
-              <a:rPr lang="ko-KR" altLang="en-US" dirty="0" smtClean="0"/>
-              <a:t>에서도 서로 다른 두 파생 </a:t>
-            </a:r>
-            <a:r>
-              <a:rPr lang="en-US" altLang="ko-KR" dirty="0" smtClean="0"/>
-              <a:t>branch</a:t>
-            </a:r>
-            <a:r>
-              <a:rPr lang="ko-KR" altLang="en-US" dirty="0" smtClean="0"/>
-              <a:t>가 </a:t>
-            </a:r>
-            <a:r>
-              <a:rPr lang="en-US" altLang="ko-KR" dirty="0" smtClean="0"/>
-              <a:t>master branch</a:t>
-            </a:r>
-            <a:r>
-              <a:rPr lang="ko-KR" altLang="en-US" dirty="0" smtClean="0"/>
-              <a:t>와도 다른 </a:t>
-            </a:r>
-            <a:r>
-              <a:rPr lang="en-US" altLang="ko-KR" dirty="0" smtClean="0"/>
-              <a:t>commit</a:t>
-            </a:r>
-            <a:r>
-              <a:rPr lang="ko-KR" altLang="en-US" dirty="0" smtClean="0"/>
-              <a:t>을 가지면 충돌이 일어난다</a:t>
-            </a:r>
-            <a:r>
-              <a:rPr lang="en-US" altLang="ko-KR" dirty="0" smtClean="0"/>
-              <a:t>.</a:t>
-            </a:r>
-            <a:r>
-              <a:rPr lang="ko-KR" altLang="en-US" dirty="0" smtClean="0"/>
-              <a:t> </a:t>
-            </a:r>
-            <a:endParaRPr lang="en-US" altLang="ko-KR" dirty="0" smtClean="0"/>
-          </a:p>
-          <a:p>
-            <a:pPr lvl="1"/>
-            <a:endParaRPr lang="en-US" altLang="ko-KR" dirty="0" smtClean="0"/>
-          </a:p>
-          <a:p>
-            <a:pPr lvl="1"/>
+              <a:rPr lang="ko-KR" altLang="en-US" dirty="0"/>
+              <a:t>를 가리킴</a:t>
+            </a:r>
             <a:endParaRPr lang="en-US" altLang="ko-KR" dirty="0"/>
-          </a:p>
-          <a:p>
-            <a:pPr lvl="1"/>
-            <a:endParaRPr lang="en-US" altLang="ko-KR" dirty="0" smtClean="0"/>
-          </a:p>
-          <a:p>
-            <a:pPr lvl="1"/>
-            <a:endParaRPr lang="en-US" altLang="ko-KR" dirty="0"/>
-          </a:p>
-          <a:p>
-            <a:r>
-              <a:rPr lang="en-US" altLang="ko-KR" dirty="0" smtClean="0"/>
-              <a:t>Merge commit</a:t>
-            </a:r>
-          </a:p>
-          <a:p>
-            <a:pPr lvl="1"/>
-            <a:r>
-              <a:rPr lang="ko-KR" altLang="en-US" dirty="0" smtClean="0"/>
-              <a:t>두 버전이 병합된 결과를 </a:t>
-            </a:r>
-            <a:r>
-              <a:rPr lang="en-US" altLang="ko-KR" dirty="0" smtClean="0"/>
-              <a:t>merge commit</a:t>
-            </a:r>
-            <a:r>
-              <a:rPr lang="ko-KR" altLang="en-US" dirty="0" smtClean="0"/>
-              <a:t>라 칭한다</a:t>
-            </a:r>
-            <a:r>
-              <a:rPr lang="en-US" altLang="ko-KR" dirty="0" smtClean="0"/>
-              <a:t>.</a:t>
-            </a:r>
-          </a:p>
-          <a:p>
-            <a:pPr lvl="1"/>
-            <a:r>
-              <a:rPr lang="en-US" altLang="ko-KR" dirty="0" smtClean="0"/>
-              <a:t>Head</a:t>
-            </a:r>
-            <a:r>
-              <a:rPr lang="ko-KR" altLang="en-US" dirty="0" smtClean="0"/>
-              <a:t>가 해당 </a:t>
-            </a:r>
-            <a:r>
-              <a:rPr lang="en-US" altLang="ko-KR" dirty="0" smtClean="0"/>
-              <a:t>branch</a:t>
-            </a:r>
-            <a:r>
-              <a:rPr lang="ko-KR" altLang="en-US" dirty="0" smtClean="0"/>
-              <a:t>를 가리킴</a:t>
-            </a:r>
-            <a:endParaRPr lang="en-US" altLang="ko-KR" dirty="0" smtClean="0"/>
           </a:p>
           <a:p>
             <a:pPr lvl="1"/>
@@ -12482,11 +12421,11 @@
             </a:r>
             <a:r>
               <a:rPr lang="en-US" altLang="ko-KR" dirty="0" smtClean="0"/>
-              <a:t>CLI Branch &amp; Conflict </a:t>
-            </a:r>
-            <a:r>
-              <a:rPr lang="en-US" altLang="ko-KR" dirty="0" smtClean="0"/>
-              <a:t>–3 way merge</a:t>
+              <a:t>CLI Branch &amp; Conflict –branch</a:t>
+            </a:r>
+            <a:r>
+              <a:rPr lang="ko-KR" altLang="en-US" dirty="0" smtClean="0"/>
+              <a:t>사용법</a:t>
             </a:r>
             <a:endParaRPr lang="ko-KR" altLang="en-US" dirty="0"/>
           </a:p>
@@ -12494,7 +12433,7 @@
       </p:sp>
       <p:pic>
         <p:nvPicPr>
-          <p:cNvPr id="8194" name="Picture 2"/>
+          <p:cNvPr id="7170" name="Picture 2"/>
           <p:cNvPicPr>
             <a:picLocks noChangeAspect="1" noChangeArrowheads="1"/>
           </p:cNvPicPr>
@@ -12515,8 +12454,8 @@
         </p:blipFill>
         <p:spPr bwMode="auto">
           <a:xfrm>
-            <a:off x="1054646" y="3580335"/>
-            <a:ext cx="6408712" cy="1477438"/>
+            <a:off x="539107" y="3717032"/>
+            <a:ext cx="3444707" cy="864096"/>
           </a:xfrm>
           <a:prstGeom prst="rect">
             <a:avLst/>
@@ -12549,7 +12488,7 @@
     </p:spTree>
     <p:extLst>
       <p:ext uri="{BB962C8B-B14F-4D97-AF65-F5344CB8AC3E}">
-        <p14:creationId xmlns:p14="http://schemas.microsoft.com/office/powerpoint/2010/main" val="1417285847"/>
+        <p14:creationId xmlns:p14="http://schemas.microsoft.com/office/powerpoint/2010/main" val="2321849944"/>
       </p:ext>
     </p:extLst>
   </p:cSld>
@@ -12622,24 +12561,35 @@
             </a:r>
             <a:r>
               <a:rPr lang="en-US" altLang="ko-KR" dirty="0" smtClean="0"/>
-              <a:t>opentutorials.org/course/3840/23693</a:t>
-            </a:r>
-          </a:p>
-          <a:p>
-            <a:r>
-              <a:rPr lang="en-US" altLang="ko-KR" dirty="0" smtClean="0"/>
-              <a:t>Reset vs Checkout</a:t>
+              <a:t>opentutorials.org/course/3840/23684</a:t>
+            </a:r>
+          </a:p>
+          <a:p>
+            <a:r>
+              <a:rPr lang="en-US" altLang="ko-KR" dirty="0" smtClean="0"/>
+              <a:t>3 way merge</a:t>
             </a:r>
           </a:p>
           <a:p>
             <a:pPr lvl="1"/>
             <a:r>
-              <a:rPr lang="en-US" altLang="ko-KR" dirty="0" smtClean="0"/>
-              <a:t>Checkout : head</a:t>
-            </a:r>
-            <a:r>
-              <a:rPr lang="ko-KR" altLang="en-US" dirty="0" smtClean="0"/>
-              <a:t>가 가리키는 </a:t>
+              <a:rPr lang="en-US" altLang="ko-KR" dirty="0" err="1" smtClean="0"/>
+              <a:t>Git</a:t>
+            </a:r>
+            <a:r>
+              <a:rPr lang="ko-KR" altLang="en-US" dirty="0" smtClean="0"/>
+              <a:t>이 충돌을 처리하는 방법이다</a:t>
+            </a:r>
+            <a:r>
+              <a:rPr lang="en-US" altLang="ko-KR" dirty="0" smtClean="0"/>
+              <a:t>.</a:t>
+            </a:r>
+          </a:p>
+          <a:p>
+            <a:pPr lvl="1"/>
+            <a:r>
+              <a:rPr lang="ko-KR" altLang="en-US" dirty="0" smtClean="0"/>
+              <a:t>두 파생 </a:t>
             </a:r>
             <a:r>
               <a:rPr lang="en-US" altLang="ko-KR" dirty="0" smtClean="0"/>
@@ -12647,7 +12597,78 @@
             </a:r>
             <a:r>
               <a:rPr lang="ko-KR" altLang="en-US" dirty="0" smtClean="0"/>
-              <a:t>나 </a:t>
+              <a:t>를 </a:t>
+            </a:r>
+            <a:r>
+              <a:rPr lang="en-US" altLang="ko-KR" dirty="0" smtClean="0"/>
+              <a:t>merge</a:t>
+            </a:r>
+            <a:r>
+              <a:rPr lang="ko-KR" altLang="en-US" dirty="0" smtClean="0"/>
+              <a:t>할 때 </a:t>
+            </a:r>
+            <a:r>
+              <a:rPr lang="en-US" altLang="ko-KR" dirty="0" smtClean="0"/>
+              <a:t>base</a:t>
+            </a:r>
+            <a:r>
+              <a:rPr lang="ko-KR" altLang="en-US" dirty="0" smtClean="0"/>
+              <a:t>와 비교하여 파생 </a:t>
+            </a:r>
+            <a:r>
+              <a:rPr lang="en-US" altLang="ko-KR" dirty="0" smtClean="0"/>
+              <a:t>branch</a:t>
+            </a:r>
+            <a:r>
+              <a:rPr lang="ko-KR" altLang="en-US" dirty="0" smtClean="0"/>
+              <a:t>간의 비교인 </a:t>
+            </a:r>
+            <a:r>
+              <a:rPr lang="en-US" altLang="ko-KR" dirty="0" smtClean="0"/>
+              <a:t>2 way</a:t>
+            </a:r>
+            <a:r>
+              <a:rPr lang="ko-KR" altLang="en-US" dirty="0" smtClean="0"/>
+              <a:t>보다 훨씬 더 많은 부분을 자동으로 </a:t>
+            </a:r>
+            <a:r>
+              <a:rPr lang="en-US" altLang="ko-KR" dirty="0" smtClean="0"/>
+              <a:t>merge</a:t>
+            </a:r>
+            <a:r>
+              <a:rPr lang="ko-KR" altLang="en-US" dirty="0" smtClean="0"/>
+              <a:t>할 수 있다</a:t>
+            </a:r>
+            <a:r>
+              <a:rPr lang="en-US" altLang="ko-KR" dirty="0" smtClean="0"/>
+              <a:t>.</a:t>
+            </a:r>
+          </a:p>
+          <a:p>
+            <a:pPr lvl="1"/>
+            <a:r>
+              <a:rPr lang="en-US" altLang="ko-KR" dirty="0" smtClean="0"/>
+              <a:t>3 way merge</a:t>
+            </a:r>
+            <a:r>
+              <a:rPr lang="ko-KR" altLang="en-US" dirty="0" smtClean="0"/>
+              <a:t>에서도 서로 다른 두 파생 </a:t>
+            </a:r>
+            <a:r>
+              <a:rPr lang="en-US" altLang="ko-KR" dirty="0" smtClean="0"/>
+              <a:t>branch</a:t>
+            </a:r>
+            <a:r>
+              <a:rPr lang="ko-KR" altLang="en-US" dirty="0" smtClean="0"/>
+              <a:t>가 </a:t>
+            </a:r>
+            <a:r>
+              <a:rPr lang="en-US" altLang="ko-KR" dirty="0" smtClean="0"/>
+              <a:t>master branch</a:t>
+            </a:r>
+            <a:r>
+              <a:rPr lang="ko-KR" altLang="en-US" dirty="0" smtClean="0"/>
+              <a:t>와도 다른 </a:t>
             </a:r>
             <a:r>
               <a:rPr lang="en-US" altLang="ko-KR" dirty="0" smtClean="0"/>
@@ -12655,79 +12676,68 @@
             </a:r>
             <a:r>
               <a:rPr lang="ko-KR" altLang="en-US" dirty="0" smtClean="0"/>
-              <a:t>을 변경하는 명령</a:t>
-            </a:r>
-            <a:r>
-              <a:rPr lang="en-US" altLang="ko-KR" dirty="0" smtClean="0"/>
-              <a:t>. </a:t>
-            </a:r>
-            <a:r>
-              <a:rPr lang="ko-KR" altLang="en-US" dirty="0" smtClean="0"/>
-              <a:t>이때 </a:t>
-            </a:r>
-            <a:r>
-              <a:rPr lang="en-US" altLang="ko-KR" dirty="0" smtClean="0"/>
-              <a:t>commit</a:t>
-            </a:r>
-            <a:r>
-              <a:rPr lang="ko-KR" altLang="en-US" dirty="0" smtClean="0"/>
-              <a:t>을 직접 가리키는 것을 </a:t>
-            </a:r>
-            <a:r>
-              <a:rPr lang="en-US" altLang="ko-KR" dirty="0" smtClean="0"/>
-              <a:t>detached head</a:t>
-            </a:r>
-            <a:r>
-              <a:rPr lang="ko-KR" altLang="en-US" dirty="0" smtClean="0"/>
-              <a:t>라고 한다</a:t>
+              <a:t>을 가지면 충돌이 일어난다</a:t>
             </a:r>
             <a:r>
               <a:rPr lang="en-US" altLang="ko-KR" dirty="0" smtClean="0"/>
               <a:t>.</a:t>
             </a:r>
+            <a:r>
+              <a:rPr lang="ko-KR" altLang="en-US" dirty="0" smtClean="0"/>
+              <a:t> </a:t>
+            </a:r>
+            <a:endParaRPr lang="en-US" altLang="ko-KR" dirty="0" smtClean="0"/>
+          </a:p>
+          <a:p>
+            <a:pPr lvl="1"/>
+            <a:endParaRPr lang="en-US" altLang="ko-KR" dirty="0" smtClean="0"/>
+          </a:p>
+          <a:p>
+            <a:pPr lvl="1"/>
             <a:endParaRPr lang="en-US" altLang="ko-KR" dirty="0"/>
           </a:p>
           <a:p>
             <a:pPr lvl="1"/>
-            <a:r>
-              <a:rPr lang="en-US" altLang="ko-KR" dirty="0" smtClean="0"/>
-              <a:t>Reset : branch</a:t>
-            </a:r>
-            <a:r>
-              <a:rPr lang="ko-KR" altLang="en-US" dirty="0" smtClean="0"/>
-              <a:t>가 가리키는 </a:t>
-            </a:r>
-            <a:r>
-              <a:rPr lang="en-US" altLang="ko-KR" dirty="0" smtClean="0"/>
-              <a:t>commit</a:t>
-            </a:r>
-            <a:r>
-              <a:rPr lang="ko-KR" altLang="en-US" dirty="0" smtClean="0"/>
-              <a:t>을 바꾸는 것이다</a:t>
-            </a:r>
-            <a:r>
-              <a:rPr lang="en-US" altLang="ko-KR" dirty="0" smtClean="0"/>
-              <a:t>. </a:t>
-            </a:r>
-            <a:r>
-              <a:rPr lang="ko-KR" altLang="en-US" dirty="0" smtClean="0"/>
-              <a:t>해당 </a:t>
-            </a:r>
-            <a:r>
-              <a:rPr lang="en-US" altLang="ko-KR" dirty="0" smtClean="0"/>
-              <a:t>commit</a:t>
-            </a:r>
-            <a:r>
-              <a:rPr lang="ko-KR" altLang="en-US" dirty="0" smtClean="0"/>
-              <a:t>이후의 </a:t>
-            </a:r>
-            <a:r>
-              <a:rPr lang="en-US" altLang="ko-KR" dirty="0" smtClean="0"/>
-              <a:t>commit</a:t>
-            </a:r>
-            <a:r>
-              <a:rPr lang="ko-KR" altLang="en-US" dirty="0" smtClean="0"/>
-              <a:t>은 더 이상 그 </a:t>
+            <a:endParaRPr lang="en-US" altLang="ko-KR" dirty="0" smtClean="0"/>
+          </a:p>
+          <a:p>
+            <a:pPr lvl="1"/>
+            <a:endParaRPr lang="en-US" altLang="ko-KR" dirty="0"/>
+          </a:p>
+          <a:p>
+            <a:r>
+              <a:rPr lang="en-US" altLang="ko-KR" dirty="0" smtClean="0"/>
+              <a:t>Merge commit</a:t>
+            </a:r>
+          </a:p>
+          <a:p>
+            <a:pPr lvl="1"/>
+            <a:r>
+              <a:rPr lang="ko-KR" altLang="en-US" dirty="0" smtClean="0"/>
+              <a:t>두 버전이 병합된 결과를 </a:t>
+            </a:r>
+            <a:r>
+              <a:rPr lang="en-US" altLang="ko-KR" dirty="0" smtClean="0"/>
+              <a:t>merge commit</a:t>
+            </a:r>
+            <a:r>
+              <a:rPr lang="ko-KR" altLang="en-US" dirty="0" smtClean="0"/>
+              <a:t>라 칭한다</a:t>
+            </a:r>
+            <a:r>
+              <a:rPr lang="en-US" altLang="ko-KR" dirty="0" smtClean="0"/>
+              <a:t>.</a:t>
+            </a:r>
+          </a:p>
+          <a:p>
+            <a:pPr lvl="1"/>
+            <a:r>
+              <a:rPr lang="en-US" altLang="ko-KR" dirty="0" smtClean="0"/>
+              <a:t>Head</a:t>
+            </a:r>
+            <a:r>
+              <a:rPr lang="ko-KR" altLang="en-US" dirty="0" smtClean="0"/>
+              <a:t>가 해당 </a:t>
             </a:r>
             <a:r>
               <a:rPr lang="en-US" altLang="ko-KR" dirty="0" smtClean="0"/>
@@ -12735,23 +12745,12 @@
             </a:r>
             <a:r>
               <a:rPr lang="ko-KR" altLang="en-US" dirty="0" smtClean="0"/>
-              <a:t>에 소속되지 않으므로 삭제가 된다</a:t>
-            </a:r>
-            <a:r>
-              <a:rPr lang="en-US" altLang="ko-KR" dirty="0" smtClean="0"/>
-              <a:t>.</a:t>
-            </a:r>
-          </a:p>
-          <a:p>
-            <a:pPr marL="455612" lvl="1" indent="0">
-              <a:buNone/>
-            </a:pPr>
-            <a:endParaRPr lang="en-US" altLang="ko-KR" dirty="0"/>
-          </a:p>
-          <a:p>
-            <a:pPr marL="455612" lvl="1" indent="0">
-              <a:buNone/>
-            </a:pPr>
+              <a:t>를 가리킴</a:t>
+            </a:r>
+            <a:endParaRPr lang="en-US" altLang="ko-KR" dirty="0" smtClean="0"/>
+          </a:p>
+          <a:p>
+            <a:pPr lvl="1"/>
             <a:endParaRPr lang="en-US" altLang="ko-KR" dirty="0"/>
           </a:p>
           <a:p>
@@ -12781,20 +12780,70 @@
             </a:r>
             <a:r>
               <a:rPr lang="en-US" altLang="ko-KR" dirty="0" smtClean="0"/>
-              <a:t>CLI Branch &amp; Conflict </a:t>
-            </a:r>
-            <a:r>
-              <a:rPr lang="en-US" altLang="ko-KR" dirty="0" smtClean="0"/>
-              <a:t>– reset vs checkout</a:t>
+              <a:t>CLI Branch &amp; Conflict –3 way merge</a:t>
             </a:r>
             <a:endParaRPr lang="ko-KR" altLang="en-US" dirty="0"/>
           </a:p>
         </p:txBody>
       </p:sp>
+      <p:pic>
+        <p:nvPicPr>
+          <p:cNvPr id="8194" name="Picture 2"/>
+          <p:cNvPicPr>
+            <a:picLocks noChangeAspect="1" noChangeArrowheads="1"/>
+          </p:cNvPicPr>
+          <p:nvPr/>
+        </p:nvPicPr>
+        <p:blipFill>
+          <a:blip r:embed="rId3">
+            <a:extLst>
+              <a:ext uri="{28A0092B-C50C-407E-A947-70E740481C1C}">
+                <a14:useLocalDpi xmlns:a14="http://schemas.microsoft.com/office/drawing/2010/main" val="0"/>
+              </a:ext>
+            </a:extLst>
+          </a:blip>
+          <a:srcRect/>
+          <a:stretch>
+            <a:fillRect/>
+          </a:stretch>
+        </p:blipFill>
+        <p:spPr bwMode="auto">
+          <a:xfrm>
+            <a:off x="1054646" y="3580335"/>
+            <a:ext cx="6408712" cy="1477438"/>
+          </a:xfrm>
+          <a:prstGeom prst="rect">
+            <a:avLst/>
+          </a:prstGeom>
+          <a:noFill/>
+          <a:ln>
+            <a:noFill/>
+          </a:ln>
+          <a:extLst>
+            <a:ext uri="{909E8E84-426E-40DD-AFC4-6F175D3DCCD1}">
+              <a14:hiddenFill xmlns:a14="http://schemas.microsoft.com/office/drawing/2010/main">
+                <a:solidFill>
+                  <a:schemeClr val="accent1"/>
+                </a:solidFill>
+              </a14:hiddenFill>
+            </a:ext>
+            <a:ext uri="{91240B29-F687-4F45-9708-019B960494DF}">
+              <a14:hiddenLine xmlns:a14="http://schemas.microsoft.com/office/drawing/2010/main" w="9525">
+                <a:solidFill>
+                  <a:schemeClr val="tx1"/>
+                </a:solidFill>
+                <a:miter lim="800000"/>
+                <a:headEnd/>
+                <a:tailEnd/>
+              </a14:hiddenLine>
+            </a:ext>
+          </a:extLst>
+        </p:spPr>
+      </p:pic>
     </p:spTree>
     <p:extLst>
       <p:ext uri="{BB962C8B-B14F-4D97-AF65-F5344CB8AC3E}">
-        <p14:creationId xmlns:p14="http://schemas.microsoft.com/office/powerpoint/2010/main" val="4027254267"/>
+        <p14:creationId xmlns:p14="http://schemas.microsoft.com/office/powerpoint/2010/main" val="1417285847"/>
       </p:ext>
     </p:extLst>
   </p:cSld>
@@ -12867,7 +12916,7 @@
             </a:r>
             <a:r>
               <a:rPr lang="en-US" altLang="ko-KR" dirty="0" smtClean="0"/>
-              <a:t>opentutorials.org/course/3841/23693</a:t>
+              <a:t>opentutorials.org/course/3840/23693</a:t>
             </a:r>
           </a:p>
           <a:p>
@@ -13026,11 +13075,7 @@
             </a:r>
             <a:r>
               <a:rPr lang="en-US" altLang="ko-KR" dirty="0" smtClean="0"/>
-              <a:t>CLI Backup</a:t>
-            </a:r>
-            <a:r>
-              <a:rPr lang="en-US" altLang="ko-KR" smtClean="0"/>
-              <a:t>– </a:t>
+              <a:t>CLI Branch &amp; Conflict – reset vs checkout</a:t>
             </a:r>
             <a:endParaRPr lang="ko-KR" altLang="en-US" dirty="0"/>
           </a:p>
@@ -13039,7 +13084,7 @@
     </p:spTree>
     <p:extLst>
       <p:ext uri="{BB962C8B-B14F-4D97-AF65-F5344CB8AC3E}">
-        <p14:creationId xmlns:p14="http://schemas.microsoft.com/office/powerpoint/2010/main" val="224324161"/>
+        <p14:creationId xmlns:p14="http://schemas.microsoft.com/office/powerpoint/2010/main" val="4027254267"/>
       </p:ext>
     </p:extLst>
   </p:cSld>
@@ -13099,12 +13144,26 @@
           <a:lstStyle/>
           <a:p>
             <a:r>
-              <a:rPr lang="en-US" altLang="ko-KR" dirty="0" smtClean="0"/>
-              <a:t>Revert </a:t>
-            </a:r>
-            <a:r>
-              <a:rPr lang="ko-KR" altLang="en-US" dirty="0" smtClean="0"/>
-              <a:t>유의사항</a:t>
+              <a:rPr lang="ko-KR" altLang="en-US" dirty="0" smtClean="0"/>
+              <a:t>강의자료주소 </a:t>
+            </a:r>
+            <a:r>
+              <a:rPr lang="en-US" altLang="ko-KR" dirty="0" smtClean="0"/>
+              <a:t>: https</a:t>
+            </a:r>
+            <a:r>
+              <a:rPr lang="en-US" altLang="ko-KR" dirty="0"/>
+              <a:t>://</a:t>
+            </a:r>
+            <a:r>
+              <a:rPr lang="en-US" altLang="ko-KR" dirty="0" smtClean="0"/>
+              <a:t>opentutorials.org/course/3841/22825</a:t>
+            </a:r>
+          </a:p>
+          <a:p>
+            <a:r>
+              <a:rPr lang="ko-KR" altLang="en-US" dirty="0" smtClean="0"/>
+              <a:t>원격저장소 연결</a:t>
             </a:r>
             <a:endParaRPr lang="en-US" altLang="ko-KR" dirty="0" smtClean="0"/>
           </a:p>
@@ -13112,50 +13171,39 @@
             <a:pPr lvl="1"/>
             <a:r>
               <a:rPr lang="ko-KR" altLang="en-US" dirty="0" smtClean="0"/>
-              <a:t>직전의 버전이 아닌 몇 단계 전의 버전으로 되돌아 가고자 할 때는 원하는 버전의 부모 </a:t>
-            </a:r>
-            <a:r>
-              <a:rPr lang="en-US" altLang="ko-KR" dirty="0" smtClean="0"/>
-              <a:t>commit id</a:t>
-            </a:r>
-            <a:r>
-              <a:rPr lang="ko-KR" altLang="en-US" dirty="0" smtClean="0"/>
-              <a:t>를 </a:t>
-            </a:r>
-            <a:r>
-              <a:rPr lang="en-US" altLang="ko-KR" dirty="0" smtClean="0"/>
-              <a:t>revert</a:t>
-            </a:r>
-            <a:r>
-              <a:rPr lang="ko-KR" altLang="en-US" dirty="0" smtClean="0"/>
-              <a:t>수행하면</a:t>
-            </a:r>
-            <a:r>
-              <a:rPr lang="en-US" altLang="ko-KR" dirty="0" smtClean="0"/>
-              <a:t/>
-            </a:r>
-            <a:br>
-              <a:rPr lang="en-US" altLang="ko-KR" dirty="0" smtClean="0"/>
-            </a:br>
-            <a:r>
-              <a:rPr lang="ko-KR" altLang="en-US" dirty="0" smtClean="0"/>
-              <a:t>충돌이 일어날 수 있다</a:t>
-            </a:r>
-            <a:r>
-              <a:rPr lang="en-US" altLang="ko-KR" dirty="0" smtClean="0"/>
-              <a:t>. </a:t>
-            </a:r>
-            <a:r>
-              <a:rPr lang="ko-KR" altLang="en-US" dirty="0" smtClean="0"/>
-              <a:t>그래서 몇 단계 전의 버전으로 되돌아 가기 위해선 역순으로 한번씩 </a:t>
-            </a:r>
-            <a:r>
-              <a:rPr lang="en-US" altLang="ko-KR" dirty="0" smtClean="0"/>
-              <a:t>revert</a:t>
-            </a:r>
-            <a:r>
-              <a:rPr lang="ko-KR" altLang="en-US" dirty="0" err="1" smtClean="0"/>
-              <a:t>시켜야한다</a:t>
+              <a:t>지역저장소와 원격저장소를 연결하기 위해선</a:t>
+            </a:r>
+            <a:r>
+              <a:rPr lang="en-US" altLang="ko-KR" dirty="0" smtClean="0"/>
+              <a:t>(</a:t>
+            </a:r>
+            <a:r>
+              <a:rPr lang="en-US" altLang="ko-KR" dirty="0" err="1" smtClean="0"/>
+              <a:t>github</a:t>
+            </a:r>
+            <a:r>
+              <a:rPr lang="ko-KR" altLang="en-US" dirty="0" smtClean="0"/>
+              <a:t>환</a:t>
+            </a:r>
+            <a:r>
+              <a:rPr lang="ko-KR" altLang="en-US" dirty="0"/>
+              <a:t>경</a:t>
+            </a:r>
+            <a:r>
+              <a:rPr lang="en-US" altLang="ko-KR" dirty="0" smtClean="0"/>
+              <a:t>) </a:t>
+            </a:r>
+            <a:r>
+              <a:rPr lang="en-US" altLang="ko-KR" dirty="0" err="1" smtClean="0"/>
+              <a:t>git</a:t>
+            </a:r>
+            <a:r>
+              <a:rPr lang="en-US" altLang="ko-KR" dirty="0" smtClean="0"/>
+              <a:t> remote add origin “repository address”</a:t>
+            </a:r>
+            <a:r>
+              <a:rPr lang="ko-KR" altLang="en-US" dirty="0" smtClean="0"/>
+              <a:t>로 연결한다</a:t>
             </a:r>
             <a:r>
               <a:rPr lang="en-US" altLang="ko-KR" dirty="0" smtClean="0"/>
@@ -13165,53 +13213,132 @@
           <a:p>
             <a:pPr lvl="1"/>
             <a:r>
-              <a:rPr lang="ko-KR" altLang="en-US" dirty="0" smtClean="0"/>
-              <a:t>예를 들어</a:t>
-            </a:r>
-            <a:r>
-              <a:rPr lang="en-US" altLang="ko-KR" dirty="0" smtClean="0"/>
-              <a:t>, R1-&gt;R2-&gt;R3-&gt;R4 </a:t>
-            </a:r>
-            <a:r>
-              <a:rPr lang="ko-KR" altLang="en-US" dirty="0" smtClean="0"/>
-              <a:t>순으로 </a:t>
-            </a:r>
-            <a:r>
-              <a:rPr lang="ko-KR" altLang="en-US" dirty="0" err="1" smtClean="0"/>
-              <a:t>커밋되었고</a:t>
-            </a:r>
-            <a:r>
-              <a:rPr lang="ko-KR" altLang="en-US" dirty="0" smtClean="0"/>
-              <a:t> </a:t>
-            </a:r>
-            <a:r>
-              <a:rPr lang="en-US" altLang="ko-KR" dirty="0" smtClean="0"/>
-              <a:t>R1</a:t>
-            </a:r>
-            <a:r>
-              <a:rPr lang="ko-KR" altLang="en-US" dirty="0" smtClean="0"/>
-              <a:t>으로 되돌아 가기 위해선</a:t>
-            </a:r>
-            <a:r>
-              <a:rPr lang="en-US" altLang="ko-KR" dirty="0" smtClean="0"/>
-              <a:t>, revert R4, revert R3, revert R2</a:t>
-            </a:r>
-            <a:r>
-              <a:rPr lang="ko-KR" altLang="en-US" dirty="0" smtClean="0"/>
-              <a:t>로 역순으로 </a:t>
-            </a:r>
-            <a:r>
-              <a:rPr lang="en-US" altLang="ko-KR" dirty="0" smtClean="0"/>
-              <a:t>revert </a:t>
-            </a:r>
-            <a:r>
-              <a:rPr lang="ko-KR" altLang="en-US" dirty="0" smtClean="0"/>
-              <a:t>해야 한다</a:t>
+              <a:rPr lang="en-US" altLang="ko-KR" dirty="0" err="1" smtClean="0"/>
+              <a:t>Git</a:t>
+            </a:r>
+            <a:r>
+              <a:rPr lang="en-US" altLang="ko-KR" dirty="0" smtClean="0"/>
+              <a:t> remote –v </a:t>
+            </a:r>
+            <a:r>
+              <a:rPr lang="ko-KR" altLang="en-US" dirty="0" smtClean="0"/>
+              <a:t>명령어로 현재 지역저장소에 연결된 원격저장소를 확</a:t>
+            </a:r>
+            <a:r>
+              <a:rPr lang="ko-KR" altLang="en-US" dirty="0"/>
+              <a:t>인</a:t>
+            </a:r>
+            <a:r>
+              <a:rPr lang="ko-KR" altLang="en-US" dirty="0" smtClean="0"/>
+              <a:t>할 수 있다</a:t>
+            </a:r>
+            <a:endParaRPr lang="en-US" altLang="ko-KR" dirty="0" smtClean="0"/>
+          </a:p>
+          <a:p>
+            <a:r>
+              <a:rPr lang="ko-KR" altLang="en-US" dirty="0" smtClean="0"/>
+              <a:t>업로</a:t>
+            </a:r>
+            <a:r>
+              <a:rPr lang="ko-KR" altLang="en-US" dirty="0"/>
+              <a:t>드</a:t>
+            </a:r>
+            <a:endParaRPr lang="en-US" altLang="ko-KR" dirty="0" smtClean="0"/>
+          </a:p>
+          <a:p>
+            <a:pPr lvl="1"/>
+            <a:r>
+              <a:rPr lang="en-US" altLang="ko-KR" dirty="0" err="1" smtClean="0"/>
+              <a:t>Git</a:t>
+            </a:r>
+            <a:r>
+              <a:rPr lang="en-US" altLang="ko-KR" dirty="0" smtClean="0"/>
+              <a:t> push </a:t>
+            </a:r>
+            <a:r>
+              <a:rPr lang="ko-KR" altLang="en-US" dirty="0" smtClean="0"/>
+              <a:t>를 명령하여 </a:t>
+            </a:r>
+            <a:r>
+              <a:rPr lang="ko-KR" altLang="en-US" dirty="0" smtClean="0"/>
+              <a:t>지역저장소에서 원격저장소로 파일을 백업시킨다</a:t>
             </a:r>
             <a:r>
               <a:rPr lang="en-US" altLang="ko-KR" dirty="0" smtClean="0"/>
               <a:t>.</a:t>
             </a:r>
+          </a:p>
+          <a:p>
+            <a:r>
+              <a:rPr lang="ko-KR" altLang="en-US" dirty="0" smtClean="0"/>
+              <a:t>원격저장소 복제</a:t>
+            </a:r>
+            <a:endParaRPr lang="en-US" altLang="ko-KR" dirty="0" smtClean="0"/>
+          </a:p>
+          <a:p>
+            <a:pPr lvl="1"/>
+            <a:r>
+              <a:rPr lang="en-US" altLang="ko-KR" dirty="0" err="1" smtClean="0"/>
+              <a:t>Git</a:t>
+            </a:r>
+            <a:r>
+              <a:rPr lang="en-US" altLang="ko-KR" dirty="0" smtClean="0"/>
+              <a:t> clone </a:t>
+            </a:r>
+            <a:r>
+              <a:rPr lang="ko-KR" altLang="en-US" dirty="0" smtClean="0"/>
+              <a:t>을 명령하여 원격저장소를 지역저장소에 복제한다</a:t>
+            </a:r>
+            <a:r>
+              <a:rPr lang="en-US" altLang="ko-KR" dirty="0" smtClean="0"/>
+              <a:t>.</a:t>
+            </a:r>
+          </a:p>
+          <a:p>
+            <a:r>
+              <a:rPr lang="ko-KR" altLang="en-US" dirty="0" smtClean="0"/>
+              <a:t>동기화</a:t>
+            </a:r>
+            <a:endParaRPr lang="en-US" altLang="ko-KR" dirty="0" smtClean="0"/>
+          </a:p>
+          <a:p>
+            <a:pPr lvl="1"/>
+            <a:r>
+              <a:rPr lang="en-US" altLang="ko-KR" dirty="0" smtClean="0"/>
+              <a:t>Clone</a:t>
+            </a:r>
+            <a:r>
+              <a:rPr lang="ko-KR" altLang="en-US" dirty="0" smtClean="0"/>
+              <a:t>이 된 상태에서 원격저장소로부터 지역저장소로 파일을 불러들일 때 </a:t>
+            </a:r>
+            <a:r>
+              <a:rPr lang="en-US" altLang="ko-KR" dirty="0" err="1" smtClean="0"/>
+              <a:t>git</a:t>
+            </a:r>
+            <a:r>
+              <a:rPr lang="en-US" altLang="ko-KR" dirty="0" smtClean="0"/>
+              <a:t> pull</a:t>
+            </a:r>
+            <a:r>
+              <a:rPr lang="ko-KR" altLang="en-US" dirty="0" smtClean="0"/>
+              <a:t>을 사용한다</a:t>
+            </a:r>
+            <a:r>
+              <a:rPr lang="en-US" altLang="ko-KR" dirty="0" smtClean="0"/>
+              <a:t>.</a:t>
+            </a:r>
+          </a:p>
+          <a:p>
+            <a:endParaRPr lang="en-US" altLang="ko-KR" dirty="0"/>
+          </a:p>
+          <a:p>
+            <a:pPr marL="455612" lvl="1" indent="0">
+              <a:buNone/>
+            </a:pPr>
+            <a:endParaRPr lang="en-US" altLang="ko-KR" dirty="0"/>
+          </a:p>
+          <a:p>
+            <a:pPr lvl="1"/>
             <a:endParaRPr lang="en-US" altLang="ko-KR" dirty="0"/>
           </a:p>
         </p:txBody>
@@ -13233,27 +13360,11 @@
           <a:p>
             <a:r>
               <a:rPr lang="en-US" altLang="ko-KR" dirty="0"/>
-              <a:t>GIT CLI </a:t>
-            </a:r>
-            <a:r>
-              <a:rPr lang="ko-KR" altLang="en-US" dirty="0"/>
-              <a:t>버전관리</a:t>
-            </a:r>
-            <a:r>
-              <a:rPr lang="en-US" altLang="ko-KR" dirty="0" smtClean="0"/>
-              <a:t>–</a:t>
-            </a:r>
-            <a:r>
-              <a:rPr lang="ko-KR" altLang="en-US" dirty="0" smtClean="0"/>
-              <a:t>버전 </a:t>
-            </a:r>
-            <a:r>
-              <a:rPr lang="ko-KR" altLang="en-US" dirty="0" smtClean="0"/>
-              <a:t>되돌리</a:t>
-            </a:r>
-            <a:r>
-              <a:rPr lang="ko-KR" altLang="en-US" dirty="0"/>
-              <a:t>기</a:t>
+              <a:t>GIT </a:t>
+            </a:r>
+            <a:r>
+              <a:rPr lang="en-US" altLang="ko-KR" dirty="0" smtClean="0"/>
+              <a:t>CLI Backup </a:t>
             </a:r>
             <a:endParaRPr lang="ko-KR" altLang="en-US" dirty="0"/>
           </a:p>
@@ -13262,7 +13373,305 @@
     </p:spTree>
     <p:extLst>
       <p:ext uri="{BB962C8B-B14F-4D97-AF65-F5344CB8AC3E}">
-        <p14:creationId xmlns:p14="http://schemas.microsoft.com/office/powerpoint/2010/main" val="2560662614"/>
+        <p14:creationId xmlns:p14="http://schemas.microsoft.com/office/powerpoint/2010/main" val="224324161"/>
+      </p:ext>
+    </p:extLst>
+  </p:cSld>
+  <p:clrMapOvr>
+    <a:masterClrMapping/>
+  </p:clrMapOvr>
+  <mc:AlternateContent xmlns:mc="http://schemas.openxmlformats.org/markup-compatibility/2006" xmlns:p14="http://schemas.microsoft.com/office/powerpoint/2010/main">
+    <mc:Choice Requires="p14">
+      <p:transition p14:dur="300">
+        <p:fade/>
+      </p:transition>
+    </mc:Choice>
+    <mc:Fallback xmlns="">
+      <p:transition>
+        <p:fade/>
+      </p:transition>
+    </mc:Fallback>
+  </mc:AlternateContent>
+</p:sld>
+</file>
+
+<file path=ppt/slides/slide19.xml><?xml version="1.0" encoding="utf-8"?>
+<p:sld xmlns:a="http://schemas.openxmlformats.org/drawingml/2006/main" xmlns:r="http://schemas.openxmlformats.org/officeDocument/2006/relationships" xmlns:p="http://schemas.openxmlformats.org/presentationml/2006/main">
+  <p:cSld>
+    <p:spTree>
+      <p:nvGrpSpPr>
+        <p:cNvPr id="1" name=""/>
+        <p:cNvGrpSpPr/>
+        <p:nvPr/>
+      </p:nvGrpSpPr>
+      <p:grpSpPr>
+        <a:xfrm>
+          <a:off x="0" y="0"/>
+          <a:ext cx="0" cy="0"/>
+          <a:chOff x="0" y="0"/>
+          <a:chExt cx="0" cy="0"/>
+        </a:xfrm>
+      </p:grpSpPr>
+      <p:sp>
+        <p:nvSpPr>
+          <p:cNvPr id="2" name="내용 개체 틀 1"/>
+          <p:cNvSpPr>
+            <a:spLocks noGrp="1"/>
+          </p:cNvSpPr>
+          <p:nvPr>
+            <p:ph sz="half" idx="10"/>
+          </p:nvPr>
+        </p:nvSpPr>
+        <p:spPr>
+          <a:xfrm>
+            <a:off x="239319" y="736600"/>
+            <a:ext cx="11308336" cy="5644727"/>
+          </a:xfrm>
+        </p:spPr>
+        <p:txBody>
+          <a:bodyPr/>
+          <a:lstStyle/>
+          <a:p>
+            <a:r>
+              <a:rPr lang="ko-KR" altLang="en-US" dirty="0" smtClean="0"/>
+              <a:t>강의자료주소 </a:t>
+            </a:r>
+            <a:r>
+              <a:rPr lang="en-US" altLang="ko-KR" dirty="0" smtClean="0"/>
+              <a:t>: https</a:t>
+            </a:r>
+            <a:r>
+              <a:rPr lang="en-US" altLang="ko-KR"/>
+              <a:t>://</a:t>
+            </a:r>
+            <a:r>
+              <a:rPr lang="en-US" altLang="ko-KR" smtClean="0"/>
+              <a:t>opentutorials.org/course/3842</a:t>
+            </a:r>
+            <a:endParaRPr lang="en-US" altLang="ko-KR" dirty="0" smtClean="0"/>
+          </a:p>
+          <a:p>
+            <a:r>
+              <a:rPr lang="ko-KR" altLang="en-US" dirty="0" smtClean="0"/>
+              <a:t>원격저장소 연결</a:t>
+            </a:r>
+            <a:endParaRPr lang="en-US" altLang="ko-KR" dirty="0" smtClean="0"/>
+          </a:p>
+          <a:p>
+            <a:pPr lvl="1"/>
+            <a:r>
+              <a:rPr lang="ko-KR" altLang="en-US" dirty="0" smtClean="0"/>
+              <a:t>지역저장소와 원격저장소를 연결하기 위해선</a:t>
+            </a:r>
+            <a:r>
+              <a:rPr lang="en-US" altLang="ko-KR" dirty="0" smtClean="0"/>
+              <a:t>(</a:t>
+            </a:r>
+            <a:r>
+              <a:rPr lang="en-US" altLang="ko-KR" dirty="0" err="1" smtClean="0"/>
+              <a:t>github</a:t>
+            </a:r>
+            <a:r>
+              <a:rPr lang="ko-KR" altLang="en-US" dirty="0" smtClean="0"/>
+              <a:t>환</a:t>
+            </a:r>
+            <a:r>
+              <a:rPr lang="ko-KR" altLang="en-US" dirty="0"/>
+              <a:t>경</a:t>
+            </a:r>
+            <a:r>
+              <a:rPr lang="en-US" altLang="ko-KR" dirty="0" smtClean="0"/>
+              <a:t>) </a:t>
+            </a:r>
+            <a:r>
+              <a:rPr lang="en-US" altLang="ko-KR" dirty="0" err="1" smtClean="0"/>
+              <a:t>git</a:t>
+            </a:r>
+            <a:r>
+              <a:rPr lang="en-US" altLang="ko-KR" dirty="0" smtClean="0"/>
+              <a:t> remote add origin “repository address”</a:t>
+            </a:r>
+            <a:r>
+              <a:rPr lang="ko-KR" altLang="en-US" dirty="0" smtClean="0"/>
+              <a:t>로 연결한다</a:t>
+            </a:r>
+            <a:r>
+              <a:rPr lang="en-US" altLang="ko-KR" dirty="0" smtClean="0"/>
+              <a:t>.</a:t>
+            </a:r>
+          </a:p>
+          <a:p>
+            <a:pPr lvl="1"/>
+            <a:r>
+              <a:rPr lang="en-US" altLang="ko-KR" dirty="0" err="1" smtClean="0"/>
+              <a:t>Git</a:t>
+            </a:r>
+            <a:r>
+              <a:rPr lang="en-US" altLang="ko-KR" dirty="0" smtClean="0"/>
+              <a:t> remote –v </a:t>
+            </a:r>
+            <a:r>
+              <a:rPr lang="ko-KR" altLang="en-US" dirty="0" smtClean="0"/>
+              <a:t>명령어로 현재 지역저장소에 연결된 원격저장소를 확</a:t>
+            </a:r>
+            <a:r>
+              <a:rPr lang="ko-KR" altLang="en-US" dirty="0"/>
+              <a:t>인</a:t>
+            </a:r>
+            <a:r>
+              <a:rPr lang="ko-KR" altLang="en-US" dirty="0" smtClean="0"/>
+              <a:t>할 수 있다</a:t>
+            </a:r>
+            <a:endParaRPr lang="en-US" altLang="ko-KR" dirty="0" smtClean="0"/>
+          </a:p>
+          <a:p>
+            <a:r>
+              <a:rPr lang="ko-KR" altLang="en-US" dirty="0" smtClean="0"/>
+              <a:t>업로</a:t>
+            </a:r>
+            <a:r>
+              <a:rPr lang="ko-KR" altLang="en-US" dirty="0"/>
+              <a:t>드</a:t>
+            </a:r>
+            <a:endParaRPr lang="en-US" altLang="ko-KR" dirty="0" smtClean="0"/>
+          </a:p>
+          <a:p>
+            <a:pPr lvl="1"/>
+            <a:r>
+              <a:rPr lang="en-US" altLang="ko-KR" dirty="0" err="1" smtClean="0"/>
+              <a:t>Git</a:t>
+            </a:r>
+            <a:r>
+              <a:rPr lang="en-US" altLang="ko-KR" dirty="0" smtClean="0"/>
+              <a:t> push </a:t>
+            </a:r>
+            <a:r>
+              <a:rPr lang="ko-KR" altLang="en-US" dirty="0" smtClean="0"/>
+              <a:t>를 명령하여 </a:t>
+            </a:r>
+            <a:r>
+              <a:rPr lang="ko-KR" altLang="en-US" dirty="0" smtClean="0"/>
+              <a:t>지역저장소에서 원격저장소로 파일을 백업시킨다</a:t>
+            </a:r>
+            <a:r>
+              <a:rPr lang="en-US" altLang="ko-KR" dirty="0" smtClean="0"/>
+              <a:t>.</a:t>
+            </a:r>
+          </a:p>
+          <a:p>
+            <a:r>
+              <a:rPr lang="ko-KR" altLang="en-US" dirty="0" smtClean="0"/>
+              <a:t>원격저장소 복제</a:t>
+            </a:r>
+            <a:endParaRPr lang="en-US" altLang="ko-KR" dirty="0" smtClean="0"/>
+          </a:p>
+          <a:p>
+            <a:pPr lvl="1"/>
+            <a:r>
+              <a:rPr lang="en-US" altLang="ko-KR" dirty="0" err="1" smtClean="0"/>
+              <a:t>Git</a:t>
+            </a:r>
+            <a:r>
+              <a:rPr lang="en-US" altLang="ko-KR" dirty="0" smtClean="0"/>
+              <a:t> clone </a:t>
+            </a:r>
+            <a:r>
+              <a:rPr lang="ko-KR" altLang="en-US" dirty="0" smtClean="0"/>
+              <a:t>을 명령하여 원격저장소를 지역저장소에 복제한다</a:t>
+            </a:r>
+            <a:r>
+              <a:rPr lang="en-US" altLang="ko-KR" dirty="0" smtClean="0"/>
+              <a:t>.</a:t>
+            </a:r>
+          </a:p>
+          <a:p>
+            <a:r>
+              <a:rPr lang="ko-KR" altLang="en-US" dirty="0" smtClean="0"/>
+              <a:t>동기화</a:t>
+            </a:r>
+            <a:endParaRPr lang="en-US" altLang="ko-KR" dirty="0" smtClean="0"/>
+          </a:p>
+          <a:p>
+            <a:pPr lvl="1"/>
+            <a:r>
+              <a:rPr lang="en-US" altLang="ko-KR" dirty="0" smtClean="0"/>
+              <a:t>Clone</a:t>
+            </a:r>
+            <a:r>
+              <a:rPr lang="ko-KR" altLang="en-US" dirty="0" smtClean="0"/>
+              <a:t>이 된 상태에서 원격저장소로부터 지역저장소로 파일을 불러들일 때 </a:t>
+            </a:r>
+            <a:r>
+              <a:rPr lang="en-US" altLang="ko-KR" dirty="0" err="1" smtClean="0"/>
+              <a:t>git</a:t>
+            </a:r>
+            <a:r>
+              <a:rPr lang="en-US" altLang="ko-KR" dirty="0" smtClean="0"/>
+              <a:t> pull</a:t>
+            </a:r>
+            <a:r>
+              <a:rPr lang="ko-KR" altLang="en-US" dirty="0" smtClean="0"/>
+              <a:t>을 사용한다</a:t>
+            </a:r>
+            <a:r>
+              <a:rPr lang="en-US" altLang="ko-KR" dirty="0" smtClean="0"/>
+              <a:t>.</a:t>
+            </a:r>
+          </a:p>
+          <a:p>
+            <a:endParaRPr lang="en-US" altLang="ko-KR" dirty="0"/>
+          </a:p>
+          <a:p>
+            <a:pPr marL="455612" lvl="1" indent="0">
+              <a:buNone/>
+            </a:pPr>
+            <a:endParaRPr lang="en-US" altLang="ko-KR" dirty="0"/>
+          </a:p>
+          <a:p>
+            <a:pPr lvl="1"/>
+            <a:endParaRPr lang="en-US" altLang="ko-KR" dirty="0"/>
+          </a:p>
+        </p:txBody>
+      </p:sp>
+      <p:sp>
+        <p:nvSpPr>
+          <p:cNvPr id="3" name="텍스트 개체 틀 2"/>
+          <p:cNvSpPr>
+            <a:spLocks noGrp="1"/>
+          </p:cNvSpPr>
+          <p:nvPr>
+            <p:ph type="body" sz="quarter" idx="12"/>
+          </p:nvPr>
+        </p:nvSpPr>
+        <p:spPr/>
+        <p:txBody>
+          <a:bodyPr/>
+          <a:lstStyle/>
+          <a:p>
+            <a:r>
+              <a:rPr lang="en-US" altLang="ko-KR" dirty="0"/>
+              <a:t>GIT </a:t>
+            </a:r>
+            <a:r>
+              <a:rPr lang="en-US" altLang="ko-KR" dirty="0" smtClean="0"/>
+              <a:t>CLI – </a:t>
+            </a:r>
+            <a:r>
+              <a:rPr lang="ko-KR" altLang="en-US" dirty="0" smtClean="0"/>
+              <a:t>협</a:t>
+            </a:r>
+            <a:r>
+              <a:rPr lang="ko-KR" altLang="en-US" dirty="0"/>
+              <a:t>업</a:t>
+            </a:r>
+            <a:endParaRPr lang="ko-KR" altLang="en-US" dirty="0"/>
+          </a:p>
+        </p:txBody>
+      </p:sp>
+    </p:spTree>
+    <p:extLst>
+      <p:ext uri="{BB962C8B-B14F-4D97-AF65-F5344CB8AC3E}">
+        <p14:creationId xmlns:p14="http://schemas.microsoft.com/office/powerpoint/2010/main" val="1328001335"/>
       </p:ext>
     </p:extLst>
   </p:cSld>
@@ -14067,7 +14476,6 @@
               <a:rPr lang="ko-KR" altLang="en-US" dirty="0"/>
               <a:t>치</a:t>
             </a:r>
-            <a:endParaRPr lang="ko-KR" altLang="en-US" dirty="0"/>
           </a:p>
         </p:txBody>
       </p:sp>
@@ -15035,11 +15443,7 @@
             </a:r>
             <a:r>
               <a:rPr lang="en-US" altLang="ko-KR" dirty="0" smtClean="0"/>
-              <a:t>working </a:t>
-            </a:r>
-            <a:r>
-              <a:rPr lang="en-US" altLang="ko-KR" dirty="0" smtClean="0"/>
-              <a:t>tree</a:t>
+              <a:t>working tree</a:t>
             </a:r>
             <a:r>
               <a:rPr lang="ko-KR" altLang="en-US" dirty="0" smtClean="0"/>
@@ -15585,11 +15989,7 @@
             </a:r>
             <a:r>
               <a:rPr lang="ko-KR" altLang="en-US" dirty="0" smtClean="0"/>
-              <a:t>내에 수정된 파일을 지우고 이전 버전으로 </a:t>
-            </a:r>
-            <a:r>
-              <a:rPr lang="ko-KR" altLang="en-US" dirty="0" smtClean="0"/>
-              <a:t>복원하는 기능 수행한다</a:t>
+              <a:t>내에 수정된 파일을 지우고 이전 버전으로 복원하는 기능 수행한다</a:t>
             </a:r>
             <a:r>
               <a:rPr lang="en-US" altLang="ko-KR" dirty="0" smtClean="0"/>

--- a/권우진 학생 자료.pptx
+++ b/권우진 학생 자료.pptx
@@ -6,10 +6,10 @@
     <p:sldMasterId id="2147483668" r:id="rId2"/>
   </p:sldMasterIdLst>
   <p:notesMasterIdLst>
-    <p:notesMasterId r:id="rId22"/>
+    <p:notesMasterId r:id="rId24"/>
   </p:notesMasterIdLst>
   <p:handoutMasterIdLst>
-    <p:handoutMasterId r:id="rId23"/>
+    <p:handoutMasterId r:id="rId25"/>
   </p:handoutMasterIdLst>
   <p:sldIdLst>
     <p:sldId id="256" r:id="rId3"/>
@@ -31,6 +31,8 @@
     <p:sldId id="320" r:id="rId19"/>
     <p:sldId id="321" r:id="rId20"/>
     <p:sldId id="322" r:id="rId21"/>
+    <p:sldId id="323" r:id="rId22"/>
+    <p:sldId id="324" r:id="rId23"/>
   </p:sldIdLst>
   <p:sldSz cx="12190413" cy="6858000"/>
   <p:notesSz cx="7104063" cy="10234613"/>
@@ -1351,6 +1353,182 @@
             <a:fld id="{4E025991-99C1-45BD-9B9C-EE77FBC27CD0}" type="slidenum">
               <a:rPr lang="ko-KR" altLang="en-US" smtClean="0"/>
               <a:t>18</a:t>
+            </a:fld>
+            <a:endParaRPr lang="ko-KR" altLang="en-US"/>
+          </a:p>
+        </p:txBody>
+      </p:sp>
+    </p:spTree>
+    <p:extLst>
+      <p:ext uri="{BB962C8B-B14F-4D97-AF65-F5344CB8AC3E}">
+        <p14:creationId xmlns:p14="http://schemas.microsoft.com/office/powerpoint/2010/main" val="1938258863"/>
+      </p:ext>
+    </p:extLst>
+  </p:cSld>
+  <p:clrMapOvr>
+    <a:masterClrMapping/>
+  </p:clrMapOvr>
+</p:notes>
+</file>
+
+<file path=ppt/notesSlides/notesSlide17.xml><?xml version="1.0" encoding="utf-8"?>
+<p:notes xmlns:a="http://schemas.openxmlformats.org/drawingml/2006/main" xmlns:r="http://schemas.openxmlformats.org/officeDocument/2006/relationships" xmlns:p="http://schemas.openxmlformats.org/presentationml/2006/main">
+  <p:cSld>
+    <p:spTree>
+      <p:nvGrpSpPr>
+        <p:cNvPr id="1" name=""/>
+        <p:cNvGrpSpPr/>
+        <p:nvPr/>
+      </p:nvGrpSpPr>
+      <p:grpSpPr>
+        <a:xfrm>
+          <a:off x="0" y="0"/>
+          <a:ext cx="0" cy="0"/>
+          <a:chOff x="0" y="0"/>
+          <a:chExt cx="0" cy="0"/>
+        </a:xfrm>
+      </p:grpSpPr>
+      <p:sp>
+        <p:nvSpPr>
+          <p:cNvPr id="2" name="슬라이드 이미지 개체 틀 1"/>
+          <p:cNvSpPr>
+            <a:spLocks noGrp="1" noRot="1" noChangeAspect="1"/>
+          </p:cNvSpPr>
+          <p:nvPr>
+            <p:ph type="sldImg"/>
+          </p:nvPr>
+        </p:nvSpPr>
+        <p:spPr/>
+      </p:sp>
+      <p:sp>
+        <p:nvSpPr>
+          <p:cNvPr id="3" name="슬라이드 노트 개체 틀 2"/>
+          <p:cNvSpPr>
+            <a:spLocks noGrp="1"/>
+          </p:cNvSpPr>
+          <p:nvPr>
+            <p:ph type="body" idx="1"/>
+          </p:nvPr>
+        </p:nvSpPr>
+        <p:spPr/>
+        <p:txBody>
+          <a:bodyPr/>
+          <a:lstStyle/>
+          <a:p>
+            <a:r>
+              <a:rPr lang="ko-KR" altLang="en-US" dirty="0" smtClean="0"/>
+              <a:t>강의 링크</a:t>
+            </a:r>
+            <a:endParaRPr lang="ko-KR" altLang="en-US" dirty="0"/>
+          </a:p>
+        </p:txBody>
+      </p:sp>
+      <p:sp>
+        <p:nvSpPr>
+          <p:cNvPr id="4" name="슬라이드 번호 개체 틀 3"/>
+          <p:cNvSpPr>
+            <a:spLocks noGrp="1"/>
+          </p:cNvSpPr>
+          <p:nvPr>
+            <p:ph type="sldNum" sz="quarter" idx="10"/>
+          </p:nvPr>
+        </p:nvSpPr>
+        <p:spPr/>
+        <p:txBody>
+          <a:bodyPr/>
+          <a:lstStyle/>
+          <a:p>
+            <a:fld id="{4E025991-99C1-45BD-9B9C-EE77FBC27CD0}" type="slidenum">
+              <a:rPr lang="ko-KR" altLang="en-US" smtClean="0"/>
+              <a:t>19</a:t>
+            </a:fld>
+            <a:endParaRPr lang="ko-KR" altLang="en-US"/>
+          </a:p>
+        </p:txBody>
+      </p:sp>
+    </p:spTree>
+    <p:extLst>
+      <p:ext uri="{BB962C8B-B14F-4D97-AF65-F5344CB8AC3E}">
+        <p14:creationId xmlns:p14="http://schemas.microsoft.com/office/powerpoint/2010/main" val="1938258863"/>
+      </p:ext>
+    </p:extLst>
+  </p:cSld>
+  <p:clrMapOvr>
+    <a:masterClrMapping/>
+  </p:clrMapOvr>
+</p:notes>
+</file>
+
+<file path=ppt/notesSlides/notesSlide18.xml><?xml version="1.0" encoding="utf-8"?>
+<p:notes xmlns:a="http://schemas.openxmlformats.org/drawingml/2006/main" xmlns:r="http://schemas.openxmlformats.org/officeDocument/2006/relationships" xmlns:p="http://schemas.openxmlformats.org/presentationml/2006/main">
+  <p:cSld>
+    <p:spTree>
+      <p:nvGrpSpPr>
+        <p:cNvPr id="1" name=""/>
+        <p:cNvGrpSpPr/>
+        <p:nvPr/>
+      </p:nvGrpSpPr>
+      <p:grpSpPr>
+        <a:xfrm>
+          <a:off x="0" y="0"/>
+          <a:ext cx="0" cy="0"/>
+          <a:chOff x="0" y="0"/>
+          <a:chExt cx="0" cy="0"/>
+        </a:xfrm>
+      </p:grpSpPr>
+      <p:sp>
+        <p:nvSpPr>
+          <p:cNvPr id="2" name="슬라이드 이미지 개체 틀 1"/>
+          <p:cNvSpPr>
+            <a:spLocks noGrp="1" noRot="1" noChangeAspect="1"/>
+          </p:cNvSpPr>
+          <p:nvPr>
+            <p:ph type="sldImg"/>
+          </p:nvPr>
+        </p:nvSpPr>
+        <p:spPr/>
+      </p:sp>
+      <p:sp>
+        <p:nvSpPr>
+          <p:cNvPr id="3" name="슬라이드 노트 개체 틀 2"/>
+          <p:cNvSpPr>
+            <a:spLocks noGrp="1"/>
+          </p:cNvSpPr>
+          <p:nvPr>
+            <p:ph type="body" idx="1"/>
+          </p:nvPr>
+        </p:nvSpPr>
+        <p:spPr/>
+        <p:txBody>
+          <a:bodyPr/>
+          <a:lstStyle/>
+          <a:p>
+            <a:r>
+              <a:rPr lang="ko-KR" altLang="en-US" dirty="0" smtClean="0"/>
+              <a:t>강의 링크</a:t>
+            </a:r>
+            <a:endParaRPr lang="ko-KR" altLang="en-US" dirty="0"/>
+          </a:p>
+        </p:txBody>
+      </p:sp>
+      <p:sp>
+        <p:nvSpPr>
+          <p:cNvPr id="4" name="슬라이드 번호 개체 틀 3"/>
+          <p:cNvSpPr>
+            <a:spLocks noGrp="1"/>
+          </p:cNvSpPr>
+          <p:nvPr>
+            <p:ph type="sldNum" sz="quarter" idx="10"/>
+          </p:nvPr>
+        </p:nvSpPr>
+        <p:spPr/>
+        <p:txBody>
+          <a:bodyPr/>
+          <a:lstStyle/>
+          <a:p>
+            <a:fld id="{4E025991-99C1-45BD-9B9C-EE77FBC27CD0}" type="slidenum">
+              <a:rPr lang="ko-KR" altLang="en-US" smtClean="0"/>
+              <a:t>20</a:t>
             </a:fld>
             <a:endParaRPr lang="ko-KR" altLang="en-US"/>
           </a:p>
@@ -12362,11 +12540,7 @@
             </a:r>
             <a:r>
               <a:rPr lang="ko-KR" altLang="en-US" dirty="0" smtClean="0"/>
-              <a:t>로 </a:t>
-            </a:r>
-            <a:r>
-              <a:rPr lang="ko-KR" altLang="en-US" dirty="0" smtClean="0"/>
-              <a:t>이동</a:t>
+              <a:t>로 이동</a:t>
             </a:r>
             <a:endParaRPr lang="en-US" altLang="ko-KR" dirty="0" smtClean="0"/>
           </a:p>
@@ -13257,11 +13431,7 @@
             </a:r>
             <a:r>
               <a:rPr lang="ko-KR" altLang="en-US" dirty="0" smtClean="0"/>
-              <a:t>를 명령하여 </a:t>
-            </a:r>
-            <a:r>
-              <a:rPr lang="ko-KR" altLang="en-US" dirty="0" smtClean="0"/>
-              <a:t>지역저장소에서 원격저장소로 파일을 백업시킨다</a:t>
+              <a:t>를 명령하여 지역저장소에서 원격저장소로 파일을 백업시킨다</a:t>
             </a:r>
             <a:r>
               <a:rPr lang="en-US" altLang="ko-KR" dirty="0" smtClean="0"/>
@@ -13438,62 +13608,72 @@
             </a:r>
             <a:r>
               <a:rPr lang="en-US" altLang="ko-KR" dirty="0" smtClean="0"/>
-              <a:t>: https</a:t>
-            </a:r>
-            <a:r>
-              <a:rPr lang="en-US" altLang="ko-KR"/>
+              <a:t>: </a:t>
+            </a:r>
+            <a:r>
+              <a:rPr lang="en-US" altLang="ko-KR" dirty="0" smtClean="0">
+                <a:hlinkClick r:id="rId3"/>
+              </a:rPr>
+              <a:t>https</a:t>
+            </a:r>
+            <a:r>
+              <a:rPr lang="en-US" altLang="ko-KR" dirty="0">
+                <a:hlinkClick r:id="rId3"/>
+              </a:rPr>
               <a:t>://</a:t>
             </a:r>
             <a:r>
-              <a:rPr lang="en-US" altLang="ko-KR" smtClean="0"/>
+              <a:rPr lang="en-US" altLang="ko-KR" dirty="0" smtClean="0">
+                <a:hlinkClick r:id="rId3"/>
+              </a:rPr>
               <a:t>opentutorials.org/course/3842</a:t>
             </a:r>
             <a:endParaRPr lang="en-US" altLang="ko-KR" dirty="0" smtClean="0"/>
           </a:p>
           <a:p>
             <a:r>
-              <a:rPr lang="ko-KR" altLang="en-US" dirty="0" smtClean="0"/>
-              <a:t>원격저장소 연결</a:t>
+              <a:rPr lang="en-US" altLang="ko-KR" dirty="0" smtClean="0"/>
+              <a:t>Collaborator </a:t>
+            </a:r>
+            <a:r>
+              <a:rPr lang="ko-KR" altLang="en-US" dirty="0" smtClean="0"/>
+              <a:t>등록</a:t>
             </a:r>
             <a:endParaRPr lang="en-US" altLang="ko-KR" dirty="0" smtClean="0"/>
           </a:p>
           <a:p>
             <a:pPr lvl="1"/>
             <a:r>
-              <a:rPr lang="ko-KR" altLang="en-US" dirty="0" smtClean="0"/>
-              <a:t>지역저장소와 원격저장소를 연결하기 위해선</a:t>
-            </a:r>
-            <a:r>
-              <a:rPr lang="en-US" altLang="ko-KR" dirty="0" smtClean="0"/>
-              <a:t>(</a:t>
-            </a:r>
-            <a:r>
               <a:rPr lang="en-US" altLang="ko-KR" dirty="0" err="1" smtClean="0"/>
-              <a:t>github</a:t>
-            </a:r>
-            <a:r>
-              <a:rPr lang="ko-KR" altLang="en-US" dirty="0" smtClean="0"/>
-              <a:t>환</a:t>
-            </a:r>
-            <a:r>
-              <a:rPr lang="ko-KR" altLang="en-US" dirty="0"/>
-              <a:t>경</a:t>
-            </a:r>
-            <a:r>
-              <a:rPr lang="en-US" altLang="ko-KR" dirty="0" smtClean="0"/>
-              <a:t>) </a:t>
-            </a:r>
-            <a:r>
-              <a:rPr lang="en-US" altLang="ko-KR" dirty="0" err="1" smtClean="0"/>
-              <a:t>git</a:t>
-            </a:r>
-            <a:r>
-              <a:rPr lang="en-US" altLang="ko-KR" dirty="0" smtClean="0"/>
-              <a:t> remote add origin “repository address”</a:t>
-            </a:r>
-            <a:r>
-              <a:rPr lang="ko-KR" altLang="en-US" dirty="0" smtClean="0"/>
-              <a:t>로 연결한다</a:t>
+              <a:t>Github</a:t>
+            </a:r>
+            <a:r>
+              <a:rPr lang="ko-KR" altLang="en-US" dirty="0" smtClean="0"/>
+              <a:t>는 </a:t>
+            </a:r>
+            <a:r>
+              <a:rPr lang="en-US" altLang="ko-KR" dirty="0" smtClean="0"/>
+              <a:t>private</a:t>
+            </a:r>
+            <a:r>
+              <a:rPr lang="ko-KR" altLang="en-US" dirty="0" smtClean="0"/>
+              <a:t>가 아닌 이상 원격저장소에 있는 파일을 다른 개발자가 자유롭게 다운로드 받을 수 있지만</a:t>
+            </a:r>
+            <a:r>
+              <a:rPr lang="en-US" altLang="ko-KR" dirty="0" smtClean="0"/>
+              <a:t>, push</a:t>
+            </a:r>
+            <a:r>
+              <a:rPr lang="ko-KR" altLang="en-US" dirty="0" smtClean="0"/>
+              <a:t>와 같은 </a:t>
+            </a:r>
+            <a:r>
+              <a:rPr lang="en-US" altLang="ko-KR" dirty="0" smtClean="0"/>
+              <a:t>write</a:t>
+            </a:r>
+            <a:r>
+              <a:rPr lang="ko-KR" altLang="en-US" dirty="0" smtClean="0"/>
+              <a:t>는 불가하다</a:t>
             </a:r>
             <a:r>
               <a:rPr lang="en-US" altLang="ko-KR" dirty="0" smtClean="0"/>
@@ -13502,123 +13682,196 @@
           </a:p>
           <a:p>
             <a:pPr lvl="1"/>
+            <a:r>
+              <a:rPr lang="en-US" altLang="ko-KR" dirty="0" smtClean="0"/>
+              <a:t>Collaborator</a:t>
+            </a:r>
+            <a:r>
+              <a:rPr lang="ko-KR" altLang="en-US" dirty="0" smtClean="0"/>
+              <a:t>를 등록함으로써</a:t>
+            </a:r>
+            <a:r>
+              <a:rPr lang="en-US" altLang="ko-KR" dirty="0" smtClean="0"/>
+              <a:t>, Admin, Write, Read </a:t>
+            </a:r>
+            <a:r>
+              <a:rPr lang="ko-KR" altLang="en-US" dirty="0" smtClean="0"/>
+              <a:t>권한을 부여할 수 있다</a:t>
+            </a:r>
+            <a:r>
+              <a:rPr lang="en-US" altLang="ko-KR" dirty="0" smtClean="0"/>
+              <a:t>.</a:t>
+            </a:r>
+            <a:endParaRPr lang="en-US" altLang="ko-KR" dirty="0" smtClean="0"/>
+          </a:p>
+          <a:p>
+            <a:r>
+              <a:rPr lang="ko-KR" altLang="en-US" dirty="0" smtClean="0"/>
+              <a:t>협업</a:t>
+            </a:r>
+            <a:r>
+              <a:rPr lang="en-US" altLang="ko-KR" dirty="0" smtClean="0"/>
+              <a:t> </a:t>
+            </a:r>
+            <a:r>
+              <a:rPr lang="ko-KR" altLang="en-US" dirty="0" smtClean="0"/>
+              <a:t>유의사항</a:t>
+            </a:r>
+            <a:endParaRPr lang="en-US" altLang="ko-KR" dirty="0" smtClean="0"/>
+          </a:p>
+          <a:p>
+            <a:pPr lvl="1"/>
+            <a:r>
+              <a:rPr lang="ko-KR" altLang="en-US" dirty="0" smtClean="0"/>
+              <a:t>최대한 작업을 빨리 끝내고 </a:t>
+            </a:r>
+            <a:r>
+              <a:rPr lang="en-US" altLang="ko-KR" dirty="0" smtClean="0"/>
+              <a:t>push</a:t>
+            </a:r>
+            <a:r>
+              <a:rPr lang="ko-KR" altLang="en-US" dirty="0" smtClean="0"/>
+              <a:t>를 해야 다른 작업자간의 충돌이 일어나지 않는다</a:t>
+            </a:r>
+            <a:r>
+              <a:rPr lang="en-US" altLang="ko-KR" dirty="0" smtClean="0"/>
+              <a:t>.</a:t>
+            </a:r>
+          </a:p>
+          <a:p>
+            <a:pPr lvl="1"/>
+            <a:r>
+              <a:rPr lang="ko-KR" altLang="en-US" dirty="0" smtClean="0"/>
+              <a:t>작업할 때 </a:t>
+            </a:r>
+            <a:r>
+              <a:rPr lang="en-US" altLang="ko-KR" dirty="0" smtClean="0"/>
+              <a:t>pull</a:t>
+            </a:r>
+            <a:r>
+              <a:rPr lang="ko-KR" altLang="en-US" dirty="0" smtClean="0"/>
+              <a:t>을 하여 다른 작업자가 수정한 사항을 </a:t>
+            </a:r>
+            <a:r>
+              <a:rPr lang="en-US" altLang="ko-KR" dirty="0" smtClean="0"/>
+              <a:t>update</a:t>
+            </a:r>
+            <a:r>
+              <a:rPr lang="ko-KR" altLang="en-US" dirty="0" smtClean="0"/>
+              <a:t>해야 한다</a:t>
+            </a:r>
+            <a:r>
+              <a:rPr lang="en-US" altLang="ko-KR" dirty="0" smtClean="0"/>
+              <a:t>.</a:t>
+            </a:r>
+          </a:p>
+          <a:p>
             <a:r>
               <a:rPr lang="en-US" altLang="ko-KR" dirty="0" err="1" smtClean="0"/>
               <a:t>Git</a:t>
             </a:r>
             <a:r>
               <a:rPr lang="en-US" altLang="ko-KR" dirty="0" smtClean="0"/>
-              <a:t> remote –v </a:t>
-            </a:r>
-            <a:r>
-              <a:rPr lang="ko-KR" altLang="en-US" dirty="0" smtClean="0"/>
-              <a:t>명령어로 현재 지역저장소에 연결된 원격저장소를 확</a:t>
+              <a:t> fetch</a:t>
+            </a:r>
+          </a:p>
+          <a:p>
+            <a:pPr lvl="1"/>
+            <a:r>
+              <a:rPr lang="en-US" altLang="ko-KR" dirty="0"/>
+              <a:t>Pull</a:t>
             </a:r>
             <a:r>
               <a:rPr lang="ko-KR" altLang="en-US" dirty="0"/>
-              <a:t>인</a:t>
-            </a:r>
-            <a:r>
-              <a:rPr lang="ko-KR" altLang="en-US" dirty="0" smtClean="0"/>
-              <a:t>할 수 있다</a:t>
-            </a:r>
-            <a:endParaRPr lang="en-US" altLang="ko-KR" dirty="0" smtClean="0"/>
-          </a:p>
-          <a:p>
-            <a:r>
-              <a:rPr lang="ko-KR" altLang="en-US" dirty="0" smtClean="0"/>
-              <a:t>업로</a:t>
+              <a:t>과는 다르게 지역저장소의 </a:t>
+            </a:r>
+            <a:r>
+              <a:rPr lang="en-US" altLang="ko-KR" dirty="0"/>
+              <a:t>master</a:t>
             </a:r>
             <a:r>
               <a:rPr lang="ko-KR" altLang="en-US" dirty="0"/>
-              <a:t>드</a:t>
-            </a:r>
-            <a:endParaRPr lang="en-US" altLang="ko-KR" dirty="0" smtClean="0"/>
+              <a:t>는 그대로 둔 상태로 원격저장소의 </a:t>
+            </a:r>
+            <a:r>
+              <a:rPr lang="ko-KR" altLang="en-US" dirty="0" smtClean="0"/>
+              <a:t>버전을 </a:t>
+            </a:r>
+            <a:r>
+              <a:rPr lang="ko-KR" altLang="en-US" dirty="0"/>
+              <a:t>불러온다</a:t>
+            </a:r>
+            <a:r>
+              <a:rPr lang="en-US" altLang="ko-KR" dirty="0"/>
+              <a:t>. </a:t>
+            </a:r>
+            <a:r>
+              <a:rPr lang="ko-KR" altLang="en-US" dirty="0"/>
+              <a:t>그 결과</a:t>
+            </a:r>
+            <a:r>
+              <a:rPr lang="en-US" altLang="ko-KR" dirty="0"/>
+              <a:t>, origin/master</a:t>
+            </a:r>
+            <a:r>
+              <a:rPr lang="ko-KR" altLang="en-US" dirty="0"/>
+              <a:t>가 </a:t>
+            </a:r>
+            <a:r>
+              <a:rPr lang="en-US" altLang="ko-KR" dirty="0"/>
+              <a:t>local master</a:t>
+            </a:r>
+            <a:r>
+              <a:rPr lang="ko-KR" altLang="en-US" dirty="0"/>
+              <a:t>보다 상위에 있게 된다</a:t>
+            </a:r>
+            <a:r>
+              <a:rPr lang="en-US" altLang="ko-KR" dirty="0"/>
+              <a:t>. </a:t>
+            </a:r>
+            <a:r>
+              <a:rPr lang="ko-KR" altLang="en-US" dirty="0"/>
+              <a:t>지역저장소의 </a:t>
+            </a:r>
+            <a:r>
+              <a:rPr lang="en-US" altLang="ko-KR" dirty="0"/>
+              <a:t>master</a:t>
+            </a:r>
+            <a:r>
+              <a:rPr lang="ko-KR" altLang="en-US" dirty="0"/>
+              <a:t>를 원격저장소의 </a:t>
+            </a:r>
+            <a:r>
+              <a:rPr lang="en-US" altLang="ko-KR" dirty="0"/>
+              <a:t>master</a:t>
+            </a:r>
+            <a:r>
+              <a:rPr lang="ko-KR" altLang="en-US" dirty="0"/>
+              <a:t>와 동기화시키기 위해선 </a:t>
+            </a:r>
+            <a:r>
+              <a:rPr lang="en-US" altLang="ko-KR" dirty="0"/>
+              <a:t>merge</a:t>
+            </a:r>
+            <a:r>
+              <a:rPr lang="ko-KR" altLang="en-US" dirty="0"/>
+              <a:t>를 사용해야 한다</a:t>
+            </a:r>
+            <a:r>
+              <a:rPr lang="en-US" altLang="ko-KR" dirty="0"/>
+              <a:t>.</a:t>
+            </a:r>
           </a:p>
           <a:p>
             <a:pPr lvl="1"/>
             <a:r>
-              <a:rPr lang="en-US" altLang="ko-KR" dirty="0" err="1" smtClean="0"/>
-              <a:t>Git</a:t>
-            </a:r>
-            <a:r>
-              <a:rPr lang="en-US" altLang="ko-KR" dirty="0" smtClean="0"/>
-              <a:t> push </a:t>
-            </a:r>
-            <a:r>
-              <a:rPr lang="ko-KR" altLang="en-US" dirty="0" smtClean="0"/>
-              <a:t>를 명령하여 </a:t>
-            </a:r>
-            <a:r>
-              <a:rPr lang="ko-KR" altLang="en-US" dirty="0" smtClean="0"/>
-              <a:t>지역저장소에서 원격저장소로 파일을 백업시킨다</a:t>
-            </a:r>
-            <a:r>
-              <a:rPr lang="en-US" altLang="ko-KR" dirty="0" smtClean="0"/>
-              <a:t>.</a:t>
-            </a:r>
-          </a:p>
-          <a:p>
-            <a:r>
-              <a:rPr lang="ko-KR" altLang="en-US" dirty="0" smtClean="0"/>
-              <a:t>원격저장소 복제</a:t>
-            </a:r>
-            <a:endParaRPr lang="en-US" altLang="ko-KR" dirty="0" smtClean="0"/>
-          </a:p>
-          <a:p>
-            <a:pPr lvl="1"/>
-            <a:r>
-              <a:rPr lang="en-US" altLang="ko-KR" dirty="0" err="1" smtClean="0"/>
-              <a:t>Git</a:t>
-            </a:r>
-            <a:r>
-              <a:rPr lang="en-US" altLang="ko-KR" dirty="0" smtClean="0"/>
-              <a:t> clone </a:t>
-            </a:r>
-            <a:r>
-              <a:rPr lang="ko-KR" altLang="en-US" dirty="0" smtClean="0"/>
-              <a:t>을 명령하여 원격저장소를 지역저장소에 복제한다</a:t>
-            </a:r>
-            <a:r>
-              <a:rPr lang="en-US" altLang="ko-KR" dirty="0" smtClean="0"/>
-              <a:t>.</a:t>
-            </a:r>
-          </a:p>
-          <a:p>
-            <a:r>
-              <a:rPr lang="ko-KR" altLang="en-US" dirty="0" smtClean="0"/>
-              <a:t>동기화</a:t>
-            </a:r>
-            <a:endParaRPr lang="en-US" altLang="ko-KR" dirty="0" smtClean="0"/>
-          </a:p>
-          <a:p>
-            <a:pPr lvl="1"/>
-            <a:r>
-              <a:rPr lang="en-US" altLang="ko-KR" dirty="0" smtClean="0"/>
-              <a:t>Clone</a:t>
-            </a:r>
-            <a:r>
-              <a:rPr lang="ko-KR" altLang="en-US" dirty="0" smtClean="0"/>
-              <a:t>이 된 상태에서 원격저장소로부터 지역저장소로 파일을 불러들일 때 </a:t>
-            </a:r>
-            <a:r>
-              <a:rPr lang="en-US" altLang="ko-KR" dirty="0" err="1" smtClean="0"/>
-              <a:t>git</a:t>
-            </a:r>
-            <a:r>
-              <a:rPr lang="en-US" altLang="ko-KR" dirty="0" smtClean="0"/>
-              <a:t> pull</a:t>
-            </a:r>
-            <a:r>
-              <a:rPr lang="ko-KR" altLang="en-US" dirty="0" smtClean="0"/>
-              <a:t>을 사용한다</a:t>
-            </a:r>
-            <a:r>
-              <a:rPr lang="en-US" altLang="ko-KR" dirty="0" smtClean="0"/>
-              <a:t>.</a:t>
-            </a:r>
-          </a:p>
-          <a:p>
+              <a:rPr lang="en-US" altLang="ko-KR" dirty="0" smtClean="0"/>
+              <a:t>Pull </a:t>
+            </a:r>
+            <a:r>
+              <a:rPr lang="en-US" altLang="ko-KR" dirty="0" smtClean="0"/>
+              <a:t>= fetch + merge origin/master</a:t>
+            </a:r>
             <a:endParaRPr lang="en-US" altLang="ko-KR" dirty="0"/>
           </a:p>
           <a:p>
@@ -13654,15 +13907,11 @@
             </a:r>
             <a:r>
               <a:rPr lang="en-US" altLang="ko-KR" dirty="0" smtClean="0"/>
-              <a:t>CLI – </a:t>
-            </a:r>
-            <a:r>
-              <a:rPr lang="ko-KR" altLang="en-US" dirty="0" smtClean="0"/>
-              <a:t>협</a:t>
-            </a:r>
-            <a:r>
-              <a:rPr lang="ko-KR" altLang="en-US" dirty="0"/>
-              <a:t>업</a:t>
+              <a:t>CLI </a:t>
+            </a:r>
+            <a:r>
+              <a:rPr lang="ko-KR" altLang="en-US" dirty="0" smtClean="0"/>
+              <a:t>협업</a:t>
             </a:r>
             <a:endParaRPr lang="ko-KR" altLang="en-US" dirty="0"/>
           </a:p>
@@ -13778,6 +14027,878 @@
     <p:extLst>
       <p:ext uri="{BB962C8B-B14F-4D97-AF65-F5344CB8AC3E}">
         <p14:creationId xmlns:p14="http://schemas.microsoft.com/office/powerpoint/2010/main" val="3368261808"/>
+      </p:ext>
+    </p:extLst>
+  </p:cSld>
+  <p:clrMapOvr>
+    <a:masterClrMapping/>
+  </p:clrMapOvr>
+  <mc:AlternateContent xmlns:mc="http://schemas.openxmlformats.org/markup-compatibility/2006" xmlns:p14="http://schemas.microsoft.com/office/powerpoint/2010/main">
+    <mc:Choice Requires="p14">
+      <p:transition p14:dur="300">
+        <p:fade/>
+      </p:transition>
+    </mc:Choice>
+    <mc:Fallback xmlns="">
+      <p:transition>
+        <p:fade/>
+      </p:transition>
+    </mc:Fallback>
+  </mc:AlternateContent>
+</p:sld>
+</file>
+
+<file path=ppt/slides/slide20.xml><?xml version="1.0" encoding="utf-8"?>
+<p:sld xmlns:a="http://schemas.openxmlformats.org/drawingml/2006/main" xmlns:r="http://schemas.openxmlformats.org/officeDocument/2006/relationships" xmlns:p="http://schemas.openxmlformats.org/presentationml/2006/main">
+  <p:cSld>
+    <p:spTree>
+      <p:nvGrpSpPr>
+        <p:cNvPr id="1" name=""/>
+        <p:cNvGrpSpPr/>
+        <p:nvPr/>
+      </p:nvGrpSpPr>
+      <p:grpSpPr>
+        <a:xfrm>
+          <a:off x="0" y="0"/>
+          <a:ext cx="0" cy="0"/>
+          <a:chOff x="0" y="0"/>
+          <a:chExt cx="0" cy="0"/>
+        </a:xfrm>
+      </p:grpSpPr>
+      <p:sp>
+        <p:nvSpPr>
+          <p:cNvPr id="2" name="내용 개체 틀 1"/>
+          <p:cNvSpPr>
+            <a:spLocks noGrp="1"/>
+          </p:cNvSpPr>
+          <p:nvPr>
+            <p:ph sz="half" idx="10"/>
+          </p:nvPr>
+        </p:nvSpPr>
+        <p:spPr>
+          <a:xfrm>
+            <a:off x="239319" y="736600"/>
+            <a:ext cx="11308336" cy="5644727"/>
+          </a:xfrm>
+        </p:spPr>
+        <p:txBody>
+          <a:bodyPr/>
+          <a:lstStyle/>
+          <a:p>
+            <a:r>
+              <a:rPr lang="ko-KR" altLang="en-US" dirty="0" smtClean="0"/>
+              <a:t>강의자료주소 </a:t>
+            </a:r>
+            <a:r>
+              <a:rPr lang="en-US" altLang="ko-KR" dirty="0" smtClean="0"/>
+              <a:t>: https</a:t>
+            </a:r>
+            <a:r>
+              <a:rPr lang="en-US" altLang="ko-KR" dirty="0"/>
+              <a:t>://</a:t>
+            </a:r>
+            <a:r>
+              <a:rPr lang="en-US" altLang="ko-KR" dirty="0" smtClean="0"/>
+              <a:t>opentutorials.org/course/3843/24443</a:t>
+            </a:r>
+          </a:p>
+          <a:p>
+            <a:r>
+              <a:rPr lang="en-US" altLang="ko-KR" dirty="0" smtClean="0"/>
+              <a:t>Cherry-pick</a:t>
+            </a:r>
+          </a:p>
+          <a:p>
+            <a:pPr lvl="1"/>
+            <a:r>
+              <a:rPr lang="ko-KR" altLang="en-US" dirty="0" smtClean="0"/>
+              <a:t>다른 </a:t>
+            </a:r>
+            <a:r>
+              <a:rPr lang="en-US" altLang="ko-KR" dirty="0" smtClean="0"/>
+              <a:t>branch</a:t>
+            </a:r>
+            <a:r>
+              <a:rPr lang="ko-KR" altLang="en-US" dirty="0" smtClean="0"/>
+              <a:t>에서 나타난 변화를 </a:t>
+            </a:r>
+            <a:r>
+              <a:rPr lang="en-US" altLang="ko-KR" dirty="0" smtClean="0"/>
+              <a:t>merge</a:t>
+            </a:r>
+            <a:r>
+              <a:rPr lang="ko-KR" altLang="en-US" dirty="0" smtClean="0"/>
+              <a:t>하고자 할 때 사용한다</a:t>
+            </a:r>
+            <a:r>
+              <a:rPr lang="en-US" altLang="ko-KR" dirty="0" smtClean="0"/>
+              <a:t>.</a:t>
+            </a:r>
+            <a:endParaRPr lang="en-US" altLang="ko-KR" dirty="0"/>
+          </a:p>
+          <a:p>
+            <a:pPr lvl="1"/>
+            <a:r>
+              <a:rPr lang="en-US" altLang="ko-KR" dirty="0" smtClean="0"/>
+              <a:t>                                       </a:t>
+            </a:r>
+            <a:r>
+              <a:rPr lang="ko-KR" altLang="en-US" dirty="0" smtClean="0"/>
+              <a:t>현재 </a:t>
+            </a:r>
+            <a:r>
+              <a:rPr lang="en-US" altLang="ko-KR" dirty="0" smtClean="0"/>
+              <a:t>head</a:t>
+            </a:r>
+            <a:r>
+              <a:rPr lang="ko-KR" altLang="en-US" dirty="0" smtClean="0"/>
+              <a:t>는 </a:t>
+            </a:r>
+            <a:r>
+              <a:rPr lang="en-US" altLang="ko-KR" dirty="0" smtClean="0"/>
+              <a:t>master branch</a:t>
+            </a:r>
+            <a:r>
+              <a:rPr lang="ko-KR" altLang="en-US" dirty="0" smtClean="0"/>
+              <a:t>를 가리키고 있고</a:t>
+            </a:r>
+            <a:r>
+              <a:rPr lang="en-US" altLang="ko-KR" dirty="0" smtClean="0"/>
+              <a:t>, topic branch</a:t>
+            </a:r>
+            <a:r>
+              <a:rPr lang="ko-KR" altLang="en-US" dirty="0" smtClean="0"/>
+              <a:t>내의 </a:t>
+            </a:r>
+            <a:r>
+              <a:rPr lang="en-US" altLang="ko-KR" dirty="0" smtClean="0"/>
+              <a:t>t2 commit</a:t>
+            </a:r>
+            <a:r>
+              <a:rPr lang="ko-KR" altLang="en-US" dirty="0" smtClean="0"/>
+              <a:t>에</a:t>
+            </a:r>
+            <a:r>
+              <a:rPr lang="en-US" altLang="ko-KR" dirty="0" smtClean="0"/>
+              <a:t/>
+            </a:r>
+            <a:br>
+              <a:rPr lang="en-US" altLang="ko-KR" dirty="0" smtClean="0"/>
+            </a:br>
+            <a:r>
+              <a:rPr lang="en-US" altLang="ko-KR" dirty="0" smtClean="0"/>
+              <a:t>                                        </a:t>
+            </a:r>
+            <a:r>
+              <a:rPr lang="ko-KR" altLang="en-US" dirty="0" smtClean="0"/>
+              <a:t>나타났던 변경 사항을 </a:t>
+            </a:r>
+            <a:r>
+              <a:rPr lang="en-US" altLang="ko-KR" dirty="0" smtClean="0"/>
+              <a:t>m2</a:t>
+            </a:r>
+            <a:r>
+              <a:rPr lang="ko-KR" altLang="en-US" dirty="0" smtClean="0"/>
+              <a:t>에도 적용시키고자 한다</a:t>
+            </a:r>
+            <a:r>
+              <a:rPr lang="en-US" altLang="ko-KR" dirty="0" smtClean="0"/>
+              <a:t>. </a:t>
+            </a:r>
+            <a:r>
+              <a:rPr lang="ko-KR" altLang="en-US" dirty="0" smtClean="0"/>
+              <a:t>이때 사용하는 것이 </a:t>
+            </a:r>
+            <a:r>
+              <a:rPr lang="en-US" altLang="ko-KR" dirty="0"/>
+              <a:t>cherry-pick</a:t>
+            </a:r>
+            <a:r>
+              <a:rPr lang="ko-KR" altLang="en-US" dirty="0"/>
+              <a:t>이다</a:t>
+            </a:r>
+            <a:r>
+              <a:rPr lang="en-US" altLang="ko-KR" dirty="0"/>
+              <a:t>.</a:t>
+            </a:r>
+          </a:p>
+          <a:p>
+            <a:pPr lvl="1"/>
+            <a:endParaRPr lang="en-US" altLang="ko-KR" dirty="0" smtClean="0"/>
+          </a:p>
+          <a:p>
+            <a:pPr lvl="1"/>
+            <a:r>
+              <a:rPr lang="en-US" altLang="ko-KR" dirty="0" smtClean="0"/>
+              <a:t>t2 </a:t>
+            </a:r>
+            <a:r>
+              <a:rPr lang="ko-KR" altLang="en-US" dirty="0" smtClean="0"/>
+              <a:t>버전이 생성될 때 </a:t>
+            </a:r>
+            <a:r>
+              <a:rPr lang="en-US" altLang="ko-KR" dirty="0" smtClean="0"/>
+              <a:t>working copy snapshot </a:t>
+            </a:r>
+            <a:r>
+              <a:rPr lang="ko-KR" altLang="en-US" dirty="0" smtClean="0"/>
+              <a:t>전체를 </a:t>
+            </a:r>
+            <a:r>
+              <a:rPr lang="en-US" altLang="ko-KR" dirty="0" smtClean="0"/>
+              <a:t>merge</a:t>
+            </a:r>
+            <a:r>
+              <a:rPr lang="ko-KR" altLang="en-US" dirty="0" smtClean="0"/>
+              <a:t>하는 것이 아니라 </a:t>
+            </a:r>
+            <a:r>
+              <a:rPr lang="en-US" altLang="ko-KR" dirty="0" smtClean="0"/>
+              <a:t>t2</a:t>
+            </a:r>
+            <a:r>
+              <a:rPr lang="ko-KR" altLang="en-US" dirty="0" smtClean="0"/>
+              <a:t>버전이 생성될 때 나타났던 변화만을 </a:t>
+            </a:r>
+            <a:r>
+              <a:rPr lang="en-US" altLang="ko-KR" dirty="0" smtClean="0"/>
+              <a:t>merge</a:t>
+            </a:r>
+            <a:r>
+              <a:rPr lang="ko-KR" altLang="en-US" dirty="0" smtClean="0"/>
+              <a:t>하는 것이다</a:t>
+            </a:r>
+            <a:r>
+              <a:rPr lang="en-US" altLang="ko-KR" dirty="0" smtClean="0"/>
+              <a:t>.</a:t>
+            </a:r>
+          </a:p>
+          <a:p>
+            <a:r>
+              <a:rPr lang="ko-KR" altLang="en-US" dirty="0" smtClean="0"/>
+              <a:t>충돌</a:t>
+            </a:r>
+            <a:endParaRPr lang="en-US" altLang="ko-KR" dirty="0" smtClean="0"/>
+          </a:p>
+          <a:p>
+            <a:pPr lvl="1"/>
+            <a:r>
+              <a:rPr lang="ko-KR" altLang="en-US" dirty="0" smtClean="0"/>
+              <a:t>위의 예시에서는 서로 다른 파일들이 </a:t>
+            </a:r>
+            <a:r>
+              <a:rPr lang="en-US" altLang="ko-KR" dirty="0" smtClean="0"/>
+              <a:t>commit</a:t>
+            </a:r>
+            <a:r>
+              <a:rPr lang="ko-KR" altLang="en-US" dirty="0" smtClean="0"/>
+              <a:t>마다 추가되므로 충돌이 일어나지 않지만</a:t>
+            </a:r>
+            <a:r>
+              <a:rPr lang="en-US" altLang="ko-KR" dirty="0" smtClean="0"/>
+              <a:t>, </a:t>
+            </a:r>
+            <a:r>
+              <a:rPr lang="ko-KR" altLang="en-US" dirty="0" smtClean="0"/>
+              <a:t>하나의 파일을 수정하는 과정에서 </a:t>
+            </a:r>
+            <a:r>
+              <a:rPr lang="en-US" altLang="ko-KR" dirty="0" smtClean="0"/>
+              <a:t>cherry-pick</a:t>
+            </a:r>
+            <a:r>
+              <a:rPr lang="ko-KR" altLang="en-US" dirty="0" smtClean="0"/>
+              <a:t>이 수행되면 충돌이 일어날 수 있다</a:t>
+            </a:r>
+            <a:r>
+              <a:rPr lang="en-US" altLang="ko-KR" dirty="0" smtClean="0"/>
+              <a:t>.</a:t>
+            </a:r>
+          </a:p>
+          <a:p>
+            <a:pPr lvl="1"/>
+            <a:r>
+              <a:rPr lang="ko-KR" altLang="en-US" dirty="0" smtClean="0"/>
+              <a:t>다른 </a:t>
+            </a:r>
+            <a:r>
+              <a:rPr lang="en-US" altLang="ko-KR" dirty="0" smtClean="0"/>
+              <a:t>branch</a:t>
+            </a:r>
+            <a:r>
+              <a:rPr lang="ko-KR" altLang="en-US" dirty="0" smtClean="0"/>
+              <a:t>에 있는 버전을 </a:t>
+            </a:r>
+            <a:r>
+              <a:rPr lang="en-US" altLang="ko-KR" dirty="0" smtClean="0"/>
+              <a:t>cherry-pick</a:t>
+            </a:r>
+            <a:r>
+              <a:rPr lang="ko-KR" altLang="en-US" dirty="0"/>
+              <a:t> </a:t>
+            </a:r>
+            <a:r>
+              <a:rPr lang="ko-KR" altLang="en-US" dirty="0" smtClean="0"/>
+              <a:t>할 때</a:t>
+            </a:r>
+            <a:r>
+              <a:rPr lang="en-US" altLang="ko-KR" dirty="0" smtClean="0"/>
+              <a:t>, </a:t>
+            </a:r>
+            <a:r>
+              <a:rPr lang="ko-KR" altLang="en-US" dirty="0" smtClean="0"/>
+              <a:t>그 수정사항의 위치가 현재 </a:t>
+            </a:r>
+            <a:r>
+              <a:rPr lang="en-US" altLang="ko-KR" dirty="0" smtClean="0"/>
+              <a:t>branch</a:t>
+            </a:r>
+            <a:r>
+              <a:rPr lang="ko-KR" altLang="en-US" dirty="0" smtClean="0"/>
+              <a:t>에서 수정된 사항의 위치가 동일하여 다른 내용이 겹친다면 충돌이 일어나고 개발자가 수동적으로 수정해야 한다</a:t>
+            </a:r>
+            <a:r>
+              <a:rPr lang="en-US" altLang="ko-KR" dirty="0" smtClean="0"/>
+              <a:t>.</a:t>
+            </a:r>
+          </a:p>
+          <a:p>
+            <a:pPr marL="0" indent="0">
+              <a:buNone/>
+            </a:pPr>
+            <a:endParaRPr lang="en-US" altLang="ko-KR" dirty="0" smtClean="0"/>
+          </a:p>
+          <a:p>
+            <a:pPr marL="455612" lvl="1" indent="0">
+              <a:buNone/>
+            </a:pPr>
+            <a:endParaRPr lang="en-US" altLang="ko-KR" dirty="0"/>
+          </a:p>
+          <a:p>
+            <a:pPr lvl="1"/>
+            <a:endParaRPr lang="en-US" altLang="ko-KR" dirty="0"/>
+          </a:p>
+        </p:txBody>
+      </p:sp>
+      <p:sp>
+        <p:nvSpPr>
+          <p:cNvPr id="3" name="텍스트 개체 틀 2"/>
+          <p:cNvSpPr>
+            <a:spLocks noGrp="1"/>
+          </p:cNvSpPr>
+          <p:nvPr>
+            <p:ph type="body" sz="quarter" idx="12"/>
+          </p:nvPr>
+        </p:nvSpPr>
+        <p:spPr/>
+        <p:txBody>
+          <a:bodyPr/>
+          <a:lstStyle/>
+          <a:p>
+            <a:r>
+              <a:rPr lang="en-US" altLang="ko-KR" dirty="0"/>
+              <a:t>GIT </a:t>
+            </a:r>
+            <a:r>
+              <a:rPr lang="en-US" altLang="ko-KR" dirty="0" smtClean="0"/>
+              <a:t>CLI </a:t>
+            </a:r>
+            <a:r>
+              <a:rPr lang="en-US" altLang="ko-KR" dirty="0" smtClean="0"/>
+              <a:t>Cherry-pick &amp; Rebase – Cherry-pick</a:t>
+            </a:r>
+            <a:r>
+              <a:rPr lang="ko-KR" altLang="en-US" dirty="0" smtClean="0"/>
+              <a:t>의 개념</a:t>
+            </a:r>
+            <a:endParaRPr lang="ko-KR" altLang="en-US" dirty="0"/>
+          </a:p>
+        </p:txBody>
+      </p:sp>
+      <p:pic>
+        <p:nvPicPr>
+          <p:cNvPr id="1026" name="Picture 2"/>
+          <p:cNvPicPr>
+            <a:picLocks noChangeAspect="1" noChangeArrowheads="1"/>
+          </p:cNvPicPr>
+          <p:nvPr/>
+        </p:nvPicPr>
+        <p:blipFill>
+          <a:blip r:embed="rId3">
+            <a:extLst>
+              <a:ext uri="{28A0092B-C50C-407E-A947-70E740481C1C}">
+                <a14:useLocalDpi xmlns:a14="http://schemas.microsoft.com/office/drawing/2010/main" val="0"/>
+              </a:ext>
+            </a:extLst>
+          </a:blip>
+          <a:srcRect/>
+          <a:stretch>
+            <a:fillRect/>
+          </a:stretch>
+        </p:blipFill>
+        <p:spPr bwMode="auto">
+          <a:xfrm>
+            <a:off x="262558" y="2276872"/>
+            <a:ext cx="2955237" cy="1224136"/>
+          </a:xfrm>
+          <a:prstGeom prst="rect">
+            <a:avLst/>
+          </a:prstGeom>
+          <a:noFill/>
+          <a:ln>
+            <a:noFill/>
+          </a:ln>
+          <a:extLst>
+            <a:ext uri="{909E8E84-426E-40DD-AFC4-6F175D3DCCD1}">
+              <a14:hiddenFill xmlns:a14="http://schemas.microsoft.com/office/drawing/2010/main">
+                <a:solidFill>
+                  <a:schemeClr val="accent1"/>
+                </a:solidFill>
+              </a14:hiddenFill>
+            </a:ext>
+            <a:ext uri="{91240B29-F687-4F45-9708-019B960494DF}">
+              <a14:hiddenLine xmlns:a14="http://schemas.microsoft.com/office/drawing/2010/main" w="9525">
+                <a:solidFill>
+                  <a:schemeClr val="tx1"/>
+                </a:solidFill>
+                <a:miter lim="800000"/>
+                <a:headEnd/>
+                <a:tailEnd/>
+              </a14:hiddenLine>
+            </a:ext>
+          </a:extLst>
+        </p:spPr>
+      </p:pic>
+    </p:spTree>
+    <p:extLst>
+      <p:ext uri="{BB962C8B-B14F-4D97-AF65-F5344CB8AC3E}">
+        <p14:creationId xmlns:p14="http://schemas.microsoft.com/office/powerpoint/2010/main" val="536073393"/>
+      </p:ext>
+    </p:extLst>
+  </p:cSld>
+  <p:clrMapOvr>
+    <a:masterClrMapping/>
+  </p:clrMapOvr>
+  <mc:AlternateContent xmlns:mc="http://schemas.openxmlformats.org/markup-compatibility/2006" xmlns:p14="http://schemas.microsoft.com/office/powerpoint/2010/main">
+    <mc:Choice Requires="p14">
+      <p:transition p14:dur="300">
+        <p:fade/>
+      </p:transition>
+    </mc:Choice>
+    <mc:Fallback xmlns="">
+      <p:transition>
+        <p:fade/>
+      </p:transition>
+    </mc:Fallback>
+  </mc:AlternateContent>
+</p:sld>
+</file>
+
+<file path=ppt/slides/slide21.xml><?xml version="1.0" encoding="utf-8"?>
+<p:sld xmlns:a="http://schemas.openxmlformats.org/drawingml/2006/main" xmlns:r="http://schemas.openxmlformats.org/officeDocument/2006/relationships" xmlns:p="http://schemas.openxmlformats.org/presentationml/2006/main">
+  <p:cSld>
+    <p:spTree>
+      <p:nvGrpSpPr>
+        <p:cNvPr id="1" name=""/>
+        <p:cNvGrpSpPr/>
+        <p:nvPr/>
+      </p:nvGrpSpPr>
+      <p:grpSpPr>
+        <a:xfrm>
+          <a:off x="0" y="0"/>
+          <a:ext cx="0" cy="0"/>
+          <a:chOff x="0" y="0"/>
+          <a:chExt cx="0" cy="0"/>
+        </a:xfrm>
+      </p:grpSpPr>
+      <p:sp>
+        <p:nvSpPr>
+          <p:cNvPr id="2" name="내용 개체 틀 1"/>
+          <p:cNvSpPr>
+            <a:spLocks noGrp="1"/>
+          </p:cNvSpPr>
+          <p:nvPr>
+            <p:ph sz="half" idx="10"/>
+          </p:nvPr>
+        </p:nvSpPr>
+        <p:spPr>
+          <a:xfrm>
+            <a:off x="239319" y="736600"/>
+            <a:ext cx="11308336" cy="5644727"/>
+          </a:xfrm>
+        </p:spPr>
+        <p:txBody>
+          <a:bodyPr/>
+          <a:lstStyle/>
+          <a:p>
+            <a:r>
+              <a:rPr lang="ko-KR" altLang="en-US" dirty="0" smtClean="0"/>
+              <a:t>강의자료주소 </a:t>
+            </a:r>
+            <a:r>
+              <a:rPr lang="en-US" altLang="ko-KR" dirty="0" smtClean="0"/>
+              <a:t>: https</a:t>
+            </a:r>
+            <a:r>
+              <a:rPr lang="en-US" altLang="ko-KR" dirty="0"/>
+              <a:t>://</a:t>
+            </a:r>
+            <a:r>
+              <a:rPr lang="en-US" altLang="ko-KR" dirty="0" smtClean="0"/>
+              <a:t>opentutorials.org/course/3843/24444</a:t>
+            </a:r>
+          </a:p>
+          <a:p>
+            <a:r>
+              <a:rPr lang="en-US" altLang="ko-KR" dirty="0" smtClean="0"/>
+              <a:t>Rebase</a:t>
+            </a:r>
+            <a:endParaRPr lang="en-US" altLang="ko-KR" dirty="0"/>
+          </a:p>
+          <a:p>
+            <a:pPr lvl="1"/>
+            <a:r>
+              <a:rPr lang="ko-KR" altLang="en-US" dirty="0" smtClean="0"/>
+              <a:t>한</a:t>
+            </a:r>
+            <a:r>
+              <a:rPr lang="en-US" altLang="ko-KR" dirty="0" smtClean="0"/>
+              <a:t> branch</a:t>
+            </a:r>
+            <a:r>
+              <a:rPr lang="ko-KR" altLang="en-US" dirty="0" smtClean="0"/>
+              <a:t>의 </a:t>
+            </a:r>
+            <a:r>
+              <a:rPr lang="en-US" altLang="ko-KR" dirty="0" smtClean="0"/>
+              <a:t>base</a:t>
+            </a:r>
+            <a:r>
+              <a:rPr lang="ko-KR" altLang="en-US" dirty="0" smtClean="0"/>
+              <a:t>를 바꾸는 과정이다</a:t>
+            </a:r>
+            <a:r>
+              <a:rPr lang="en-US" altLang="ko-KR" dirty="0" smtClean="0"/>
+              <a:t>. Branch</a:t>
+            </a:r>
+            <a:r>
+              <a:rPr lang="ko-KR" altLang="en-US" dirty="0" smtClean="0"/>
+              <a:t>를 생성하고 분기해서 진행한 후</a:t>
+            </a:r>
+            <a:r>
+              <a:rPr lang="en-US" altLang="ko-KR" dirty="0" smtClean="0"/>
+              <a:t>, </a:t>
+            </a:r>
+            <a:r>
+              <a:rPr lang="ko-KR" altLang="en-US" dirty="0" smtClean="0"/>
+              <a:t>분기된 </a:t>
+            </a:r>
+            <a:r>
+              <a:rPr lang="en-US" altLang="ko-KR" dirty="0" smtClean="0"/>
+              <a:t>branch</a:t>
+            </a:r>
+            <a:r>
+              <a:rPr lang="ko-KR" altLang="en-US" dirty="0" smtClean="0"/>
+              <a:t>를 서로 이을 때 사용한다</a:t>
+            </a:r>
+            <a:r>
+              <a:rPr lang="en-US" altLang="ko-KR" dirty="0" smtClean="0"/>
+              <a:t>.</a:t>
+            </a:r>
+          </a:p>
+          <a:p>
+            <a:pPr lvl="1"/>
+            <a:r>
+              <a:rPr lang="en-US" altLang="ko-KR" dirty="0" smtClean="0"/>
+              <a:t>Topic branch</a:t>
+            </a:r>
+            <a:r>
+              <a:rPr lang="ko-KR" altLang="en-US" dirty="0" smtClean="0"/>
+              <a:t>뒤에 </a:t>
+            </a:r>
+            <a:r>
+              <a:rPr lang="en-US" altLang="ko-KR" dirty="0" smtClean="0"/>
+              <a:t>master branch</a:t>
+            </a:r>
+            <a:r>
+              <a:rPr lang="ko-KR" altLang="en-US" dirty="0" smtClean="0"/>
+              <a:t>를 연결하고자 한다</a:t>
+            </a:r>
+            <a:r>
+              <a:rPr lang="en-US" altLang="ko-KR" dirty="0" smtClean="0"/>
+              <a:t>. </a:t>
+            </a:r>
+            <a:r>
+              <a:rPr lang="ko-KR" altLang="en-US" dirty="0" smtClean="0"/>
+              <a:t>옮길 </a:t>
+            </a:r>
+            <a:r>
+              <a:rPr lang="en-US" altLang="ko-KR" dirty="0" smtClean="0"/>
+              <a:t>branch</a:t>
+            </a:r>
+            <a:r>
+              <a:rPr lang="ko-KR" altLang="en-US" dirty="0" smtClean="0"/>
+              <a:t>인</a:t>
+            </a:r>
+            <a:r>
+              <a:rPr lang="en-US" altLang="ko-KR" dirty="0" smtClean="0"/>
+              <a:t/>
+            </a:r>
+            <a:br>
+              <a:rPr lang="en-US" altLang="ko-KR" dirty="0" smtClean="0"/>
+            </a:br>
+            <a:r>
+              <a:rPr lang="en-US" altLang="ko-KR" dirty="0" smtClean="0"/>
+              <a:t>master</a:t>
+            </a:r>
+            <a:r>
+              <a:rPr lang="ko-KR" altLang="en-US" dirty="0" smtClean="0"/>
+              <a:t>에서 </a:t>
+            </a:r>
+            <a:r>
+              <a:rPr lang="en-US" altLang="ko-KR" dirty="0" smtClean="0"/>
+              <a:t>rebase topic</a:t>
+            </a:r>
+            <a:r>
+              <a:rPr lang="ko-KR" altLang="en-US" dirty="0" smtClean="0"/>
+              <a:t>을 명령하면 오른쪽과 같이 </a:t>
+            </a:r>
+            <a:r>
+              <a:rPr lang="en-US" altLang="ko-KR" dirty="0" smtClean="0"/>
+              <a:t>base</a:t>
+            </a:r>
+            <a:r>
+              <a:rPr lang="ko-KR" altLang="en-US" dirty="0" smtClean="0"/>
+              <a:t>가 바뀌어</a:t>
+            </a:r>
+            <a:r>
+              <a:rPr lang="en-US" altLang="ko-KR" dirty="0" smtClean="0"/>
+              <a:t/>
+            </a:r>
+            <a:br>
+              <a:rPr lang="en-US" altLang="ko-KR" dirty="0" smtClean="0"/>
+            </a:br>
+            <a:r>
+              <a:rPr lang="ko-KR" altLang="en-US" dirty="0" smtClean="0"/>
+              <a:t>분기되었던 </a:t>
+            </a:r>
+            <a:r>
+              <a:rPr lang="en-US" altLang="ko-KR" dirty="0" smtClean="0"/>
+              <a:t>branch</a:t>
+            </a:r>
+            <a:r>
+              <a:rPr lang="ko-KR" altLang="en-US" dirty="0" smtClean="0"/>
+              <a:t>가 합쳐진다</a:t>
+            </a:r>
+            <a:r>
+              <a:rPr lang="en-US" altLang="ko-KR" dirty="0" smtClean="0"/>
+              <a:t>. </a:t>
+            </a:r>
+            <a:r>
+              <a:rPr lang="ko-KR" altLang="en-US" dirty="0" smtClean="0"/>
+              <a:t>내부적으로 </a:t>
+            </a:r>
+            <a:r>
+              <a:rPr lang="en-US" altLang="ko-KR" dirty="0" smtClean="0"/>
+              <a:t>m1</a:t>
+            </a:r>
+            <a:r>
+              <a:rPr lang="ko-KR" altLang="en-US" dirty="0" smtClean="0"/>
+              <a:t>을 </a:t>
+            </a:r>
+            <a:r>
+              <a:rPr lang="en-US" altLang="ko-KR" dirty="0" smtClean="0"/>
+              <a:t>topic</a:t>
+            </a:r>
+            <a:r>
+              <a:rPr lang="ko-KR" altLang="en-US" dirty="0" smtClean="0"/>
+              <a:t>에 </a:t>
+            </a:r>
+            <a:r>
+              <a:rPr lang="en-US" altLang="ko-KR" dirty="0" smtClean="0"/>
+              <a:t>merge</a:t>
+            </a:r>
+            <a:r>
+              <a:rPr lang="ko-KR" altLang="en-US" dirty="0" smtClean="0"/>
+              <a:t>하여 새</a:t>
+            </a:r>
+            <a:r>
+              <a:rPr lang="en-US" altLang="ko-KR" dirty="0"/>
+              <a:t/>
+            </a:r>
+            <a:br>
+              <a:rPr lang="en-US" altLang="ko-KR" dirty="0"/>
+            </a:br>
+            <a:r>
+              <a:rPr lang="ko-KR" altLang="en-US" dirty="0" smtClean="0"/>
+              <a:t>버전을 만들고 그 버전에 </a:t>
+            </a:r>
+            <a:r>
+              <a:rPr lang="en-US" altLang="ko-KR" dirty="0" smtClean="0"/>
+              <a:t>m2</a:t>
+            </a:r>
+            <a:r>
+              <a:rPr lang="ko-KR" altLang="en-US" dirty="0" smtClean="0"/>
+              <a:t>를 </a:t>
+            </a:r>
+            <a:r>
+              <a:rPr lang="en-US" altLang="ko-KR" dirty="0" smtClean="0"/>
+              <a:t>merge</a:t>
+            </a:r>
+            <a:r>
+              <a:rPr lang="ko-KR" altLang="en-US" dirty="0" smtClean="0"/>
+              <a:t>하는 동작을 한다</a:t>
+            </a:r>
+            <a:r>
+              <a:rPr lang="en-US" altLang="ko-KR" dirty="0" smtClean="0"/>
+              <a:t>.</a:t>
+            </a:r>
+          </a:p>
+          <a:p>
+            <a:r>
+              <a:rPr lang="ko-KR" altLang="en-US" dirty="0" smtClean="0"/>
+              <a:t>유의사항</a:t>
+            </a:r>
+            <a:endParaRPr lang="en-US" altLang="ko-KR" dirty="0" smtClean="0"/>
+          </a:p>
+          <a:p>
+            <a:pPr lvl="1"/>
+            <a:r>
+              <a:rPr lang="ko-KR" altLang="en-US" dirty="0" smtClean="0"/>
+              <a:t>다른 개발자와 이미 공유를 한 버전을 </a:t>
+            </a:r>
+            <a:r>
+              <a:rPr lang="en-US" altLang="ko-KR" dirty="0" smtClean="0"/>
+              <a:t>rebase</a:t>
+            </a:r>
+            <a:r>
+              <a:rPr lang="ko-KR" altLang="en-US" dirty="0" smtClean="0"/>
+              <a:t>하면 충돌이 일어나므로</a:t>
+            </a:r>
+            <a:r>
+              <a:rPr lang="en-US" altLang="ko-KR" dirty="0" smtClean="0"/>
+              <a:t/>
+            </a:r>
+            <a:br>
+              <a:rPr lang="en-US" altLang="ko-KR" dirty="0" smtClean="0"/>
+            </a:br>
+            <a:r>
+              <a:rPr lang="ko-KR" altLang="en-US" dirty="0" smtClean="0"/>
+              <a:t>공유를 하기 전에 </a:t>
+            </a:r>
+            <a:r>
+              <a:rPr lang="en-US" altLang="ko-KR" dirty="0" smtClean="0"/>
+              <a:t>rebase</a:t>
+            </a:r>
+            <a:r>
+              <a:rPr lang="ko-KR" altLang="en-US" dirty="0" smtClean="0"/>
+              <a:t>를 하는 것이 좋다</a:t>
+            </a:r>
+            <a:r>
+              <a:rPr lang="en-US" altLang="ko-KR" smtClean="0"/>
+              <a:t>.</a:t>
+            </a:r>
+            <a:endParaRPr lang="en-US" altLang="ko-KR" dirty="0"/>
+          </a:p>
+          <a:p>
+            <a:pPr lvl="1"/>
+            <a:endParaRPr lang="en-US" altLang="ko-KR" dirty="0"/>
+          </a:p>
+        </p:txBody>
+      </p:sp>
+      <p:sp>
+        <p:nvSpPr>
+          <p:cNvPr id="3" name="텍스트 개체 틀 2"/>
+          <p:cNvSpPr>
+            <a:spLocks noGrp="1"/>
+          </p:cNvSpPr>
+          <p:nvPr>
+            <p:ph type="body" sz="quarter" idx="12"/>
+          </p:nvPr>
+        </p:nvSpPr>
+        <p:spPr/>
+        <p:txBody>
+          <a:bodyPr/>
+          <a:lstStyle/>
+          <a:p>
+            <a:r>
+              <a:rPr lang="en-US" altLang="ko-KR" dirty="0"/>
+              <a:t>GIT </a:t>
+            </a:r>
+            <a:r>
+              <a:rPr lang="en-US" altLang="ko-KR" dirty="0" smtClean="0"/>
+              <a:t>CLI </a:t>
+            </a:r>
+            <a:r>
+              <a:rPr lang="en-US" altLang="ko-KR" dirty="0" smtClean="0"/>
+              <a:t>Cherry-pick &amp; Rebase – Rebase</a:t>
+            </a:r>
+            <a:r>
+              <a:rPr lang="ko-KR" altLang="en-US" dirty="0" smtClean="0"/>
+              <a:t>의 개념</a:t>
+            </a:r>
+            <a:endParaRPr lang="ko-KR" altLang="en-US" dirty="0"/>
+          </a:p>
+        </p:txBody>
+      </p:sp>
+      <p:pic>
+        <p:nvPicPr>
+          <p:cNvPr id="2050" name="Picture 2"/>
+          <p:cNvPicPr>
+            <a:picLocks noChangeAspect="1" noChangeArrowheads="1"/>
+          </p:cNvPicPr>
+          <p:nvPr/>
+        </p:nvPicPr>
+        <p:blipFill>
+          <a:blip r:embed="rId3">
+            <a:extLst>
+              <a:ext uri="{28A0092B-C50C-407E-A947-70E740481C1C}">
+                <a14:useLocalDpi xmlns:a14="http://schemas.microsoft.com/office/drawing/2010/main" val="0"/>
+              </a:ext>
+            </a:extLst>
+          </a:blip>
+          <a:srcRect/>
+          <a:stretch>
+            <a:fillRect/>
+          </a:stretch>
+        </p:blipFill>
+        <p:spPr bwMode="auto">
+          <a:xfrm>
+            <a:off x="7463358" y="2420888"/>
+            <a:ext cx="3876675" cy="3143250"/>
+          </a:xfrm>
+          <a:prstGeom prst="rect">
+            <a:avLst/>
+          </a:prstGeom>
+          <a:noFill/>
+          <a:ln>
+            <a:noFill/>
+          </a:ln>
+          <a:extLst>
+            <a:ext uri="{909E8E84-426E-40DD-AFC4-6F175D3DCCD1}">
+              <a14:hiddenFill xmlns:a14="http://schemas.microsoft.com/office/drawing/2010/main">
+                <a:solidFill>
+                  <a:schemeClr val="accent1"/>
+                </a:solidFill>
+              </a14:hiddenFill>
+            </a:ext>
+            <a:ext uri="{91240B29-F687-4F45-9708-019B960494DF}">
+              <a14:hiddenLine xmlns:a14="http://schemas.microsoft.com/office/drawing/2010/main" w="9525">
+                <a:solidFill>
+                  <a:schemeClr val="tx1"/>
+                </a:solidFill>
+                <a:miter lim="800000"/>
+                <a:headEnd/>
+                <a:tailEnd/>
+              </a14:hiddenLine>
+            </a:ext>
+          </a:extLst>
+        </p:spPr>
+      </p:pic>
+    </p:spTree>
+    <p:extLst>
+      <p:ext uri="{BB962C8B-B14F-4D97-AF65-F5344CB8AC3E}">
+        <p14:creationId xmlns:p14="http://schemas.microsoft.com/office/powerpoint/2010/main" val="3236596719"/>
       </p:ext>
     </p:extLst>
   </p:cSld>

--- a/권우진 학생 자료.pptx
+++ b/권우진 학생 자료.pptx
@@ -133,7 +133,7 @@
   </p:defaultTextStyle>
   <p:extLst>
     <p:ext uri="{EFAFB233-063F-42B5-8137-9DF3F51BA10A}">
-      <p15:sldGuideLst xmlns:p15="http://schemas.microsoft.com/office/powerpoint/2012/main" xmlns="">
+      <p15:sldGuideLst xmlns="" xmlns:p15="http://schemas.microsoft.com/office/powerpoint/2012/main">
         <p15:guide id="1" orient="horz" pos="2160">
           <p15:clr>
             <a:srgbClr val="A4A3A4"/>
@@ -11851,11 +11851,35 @@
             </a:r>
             <a:r>
               <a:rPr lang="ko-KR" altLang="en-US" dirty="0" smtClean="0"/>
-              <a:t>과 달리 이전 버전으로 되돌리고</a:t>
+              <a:t>과 </a:t>
+            </a:r>
+            <a:r>
+              <a:rPr lang="ko-KR" altLang="en-US" dirty="0" smtClean="0"/>
+              <a:t>달리</a:t>
             </a:r>
             <a:r>
               <a:rPr lang="en-US" altLang="ko-KR" dirty="0" smtClean="0"/>
               <a:t>, </a:t>
+            </a:r>
+            <a:r>
+              <a:rPr lang="ko-KR" altLang="en-US" dirty="0" smtClean="0"/>
+              <a:t>이전 </a:t>
+            </a:r>
+            <a:r>
+              <a:rPr lang="ko-KR" altLang="en-US" dirty="0" smtClean="0"/>
+              <a:t>버전으로 </a:t>
+            </a:r>
+            <a:r>
+              <a:rPr lang="ko-KR" altLang="en-US" dirty="0" smtClean="0"/>
+              <a:t>되</a:t>
+            </a:r>
+            <a:r>
+              <a:rPr lang="ko-KR" altLang="en-US" dirty="0" smtClean="0"/>
+              <a:t>돌릴 때</a:t>
+            </a:r>
+            <a:r>
+              <a:rPr lang="en-US" altLang="ko-KR" dirty="0" smtClean="0"/>
+              <a:t> </a:t>
             </a:r>
             <a:r>
               <a:rPr lang="ko-KR" altLang="en-US" dirty="0" smtClean="0"/>
@@ -11946,7 +11970,15 @@
             </a:r>
             <a:r>
               <a:rPr lang="en-US" altLang="ko-KR" dirty="0" smtClean="0"/>
-              <a:t> revert &lt;R4 id&gt;</a:t>
+              <a:t> revert &lt;</a:t>
+            </a:r>
+            <a:r>
+              <a:rPr lang="en-US" altLang="ko-KR" dirty="0" smtClean="0"/>
+              <a:t>R5 </a:t>
+            </a:r>
+            <a:r>
+              <a:rPr lang="en-US" altLang="ko-KR" dirty="0" smtClean="0"/>
+              <a:t>id&gt;</a:t>
             </a:r>
             <a:r>
               <a:rPr lang="ko-KR" altLang="en-US" dirty="0" smtClean="0"/>
@@ -13702,7 +13734,6 @@
               <a:rPr lang="en-US" altLang="ko-KR" dirty="0" smtClean="0"/>
               <a:t>.</a:t>
             </a:r>
-            <a:endParaRPr lang="en-US" altLang="ko-KR" dirty="0" smtClean="0"/>
           </a:p>
           <a:p>
             <a:r>
@@ -13866,11 +13897,7 @@
             <a:pPr lvl="1"/>
             <a:r>
               <a:rPr lang="en-US" altLang="ko-KR" dirty="0" smtClean="0"/>
-              <a:t>Pull </a:t>
-            </a:r>
-            <a:r>
-              <a:rPr lang="en-US" altLang="ko-KR" dirty="0" smtClean="0"/>
-              <a:t>= fetch + merge origin/master</a:t>
+              <a:t>Pull = fetch + merge origin/master</a:t>
             </a:r>
             <a:endParaRPr lang="en-US" altLang="ko-KR" dirty="0"/>
           </a:p>
@@ -14401,11 +14428,7 @@
             </a:r>
             <a:r>
               <a:rPr lang="en-US" altLang="ko-KR" dirty="0" smtClean="0"/>
-              <a:t>CLI </a:t>
-            </a:r>
-            <a:r>
-              <a:rPr lang="en-US" altLang="ko-KR" dirty="0" smtClean="0"/>
-              <a:t>Cherry-pick &amp; Rebase – Cherry-pick</a:t>
+              <a:t>CLI Cherry-pick &amp; Rebase – Cherry-pick</a:t>
             </a:r>
             <a:r>
               <a:rPr lang="ko-KR" altLang="en-US" dirty="0" smtClean="0"/>
@@ -14599,7 +14622,19 @@
             </a:r>
             <a:r>
               <a:rPr lang="ko-KR" altLang="en-US" dirty="0" smtClean="0"/>
-              <a:t>를 서로 이을 때 사용한다</a:t>
+              <a:t>를 </a:t>
+            </a:r>
+            <a:r>
+              <a:rPr lang="ko-KR" altLang="en-US" dirty="0" smtClean="0"/>
+              <a:t>일렬로 연결할</a:t>
+            </a:r>
+            <a:r>
+              <a:rPr lang="ko-KR" altLang="en-US" dirty="0" smtClean="0"/>
+              <a:t> </a:t>
+            </a:r>
+            <a:r>
+              <a:rPr lang="ko-KR" altLang="en-US" dirty="0" smtClean="0"/>
+              <a:t>때 사용한다</a:t>
             </a:r>
             <a:r>
               <a:rPr lang="en-US" altLang="ko-KR" dirty="0" smtClean="0"/>
@@ -14795,7 +14830,7 @@
               <a:t>를 하는 것이 좋다</a:t>
             </a:r>
             <a:r>
-              <a:rPr lang="en-US" altLang="ko-KR" smtClean="0"/>
+              <a:rPr lang="en-US" altLang="ko-KR" dirty="0" smtClean="0"/>
               <a:t>.</a:t>
             </a:r>
             <a:endParaRPr lang="en-US" altLang="ko-KR" dirty="0"/>
@@ -14827,11 +14862,7 @@
             </a:r>
             <a:r>
               <a:rPr lang="en-US" altLang="ko-KR" dirty="0" smtClean="0"/>
-              <a:t>CLI </a:t>
-            </a:r>
-            <a:r>
-              <a:rPr lang="en-US" altLang="ko-KR" dirty="0" smtClean="0"/>
-              <a:t>Cherry-pick &amp; Rebase – Rebase</a:t>
+              <a:t>CLI Cherry-pick &amp; Rebase – Rebase</a:t>
             </a:r>
             <a:r>
               <a:rPr lang="ko-KR" altLang="en-US" dirty="0" smtClean="0"/>

--- a/권우진 학생 자료.pptx
+++ b/권우진 학생 자료.pptx
@@ -6,10 +6,10 @@
     <p:sldMasterId id="2147483668" r:id="rId2"/>
   </p:sldMasterIdLst>
   <p:notesMasterIdLst>
-    <p:notesMasterId r:id="rId22"/>
+    <p:notesMasterId r:id="rId24"/>
   </p:notesMasterIdLst>
   <p:handoutMasterIdLst>
-    <p:handoutMasterId r:id="rId23"/>
+    <p:handoutMasterId r:id="rId25"/>
   </p:handoutMasterIdLst>
   <p:sldIdLst>
     <p:sldId id="256" r:id="rId3"/>
@@ -31,6 +31,8 @@
     <p:sldId id="320" r:id="rId19"/>
     <p:sldId id="321" r:id="rId20"/>
     <p:sldId id="322" r:id="rId21"/>
+    <p:sldId id="323" r:id="rId22"/>
+    <p:sldId id="324" r:id="rId23"/>
   </p:sldIdLst>
   <p:sldSz cx="12190413" cy="6858000"/>
   <p:notesSz cx="7104063" cy="10234613"/>
@@ -1351,6 +1353,182 @@
             <a:fld id="{4E025991-99C1-45BD-9B9C-EE77FBC27CD0}" type="slidenum">
               <a:rPr lang="ko-KR" altLang="en-US" smtClean="0"/>
               <a:t>18</a:t>
+            </a:fld>
+            <a:endParaRPr lang="ko-KR" altLang="en-US"/>
+          </a:p>
+        </p:txBody>
+      </p:sp>
+    </p:spTree>
+    <p:extLst>
+      <p:ext uri="{BB962C8B-B14F-4D97-AF65-F5344CB8AC3E}">
+        <p14:creationId xmlns:p14="http://schemas.microsoft.com/office/powerpoint/2010/main" val="1938258863"/>
+      </p:ext>
+    </p:extLst>
+  </p:cSld>
+  <p:clrMapOvr>
+    <a:masterClrMapping/>
+  </p:clrMapOvr>
+</p:notes>
+</file>
+
+<file path=ppt/notesSlides/notesSlide17.xml><?xml version="1.0" encoding="utf-8"?>
+<p:notes xmlns:a="http://schemas.openxmlformats.org/drawingml/2006/main" xmlns:r="http://schemas.openxmlformats.org/officeDocument/2006/relationships" xmlns:p="http://schemas.openxmlformats.org/presentationml/2006/main">
+  <p:cSld>
+    <p:spTree>
+      <p:nvGrpSpPr>
+        <p:cNvPr id="1" name=""/>
+        <p:cNvGrpSpPr/>
+        <p:nvPr/>
+      </p:nvGrpSpPr>
+      <p:grpSpPr>
+        <a:xfrm>
+          <a:off x="0" y="0"/>
+          <a:ext cx="0" cy="0"/>
+          <a:chOff x="0" y="0"/>
+          <a:chExt cx="0" cy="0"/>
+        </a:xfrm>
+      </p:grpSpPr>
+      <p:sp>
+        <p:nvSpPr>
+          <p:cNvPr id="2" name="슬라이드 이미지 개체 틀 1"/>
+          <p:cNvSpPr>
+            <a:spLocks noGrp="1" noRot="1" noChangeAspect="1"/>
+          </p:cNvSpPr>
+          <p:nvPr>
+            <p:ph type="sldImg"/>
+          </p:nvPr>
+        </p:nvSpPr>
+        <p:spPr/>
+      </p:sp>
+      <p:sp>
+        <p:nvSpPr>
+          <p:cNvPr id="3" name="슬라이드 노트 개체 틀 2"/>
+          <p:cNvSpPr>
+            <a:spLocks noGrp="1"/>
+          </p:cNvSpPr>
+          <p:nvPr>
+            <p:ph type="body" idx="1"/>
+          </p:nvPr>
+        </p:nvSpPr>
+        <p:spPr/>
+        <p:txBody>
+          <a:bodyPr/>
+          <a:lstStyle/>
+          <a:p>
+            <a:r>
+              <a:rPr lang="ko-KR" altLang="en-US" dirty="0" smtClean="0"/>
+              <a:t>강의 링크</a:t>
+            </a:r>
+            <a:endParaRPr lang="ko-KR" altLang="en-US" dirty="0"/>
+          </a:p>
+        </p:txBody>
+      </p:sp>
+      <p:sp>
+        <p:nvSpPr>
+          <p:cNvPr id="4" name="슬라이드 번호 개체 틀 3"/>
+          <p:cNvSpPr>
+            <a:spLocks noGrp="1"/>
+          </p:cNvSpPr>
+          <p:nvPr>
+            <p:ph type="sldNum" sz="quarter" idx="10"/>
+          </p:nvPr>
+        </p:nvSpPr>
+        <p:spPr/>
+        <p:txBody>
+          <a:bodyPr/>
+          <a:lstStyle/>
+          <a:p>
+            <a:fld id="{4E025991-99C1-45BD-9B9C-EE77FBC27CD0}" type="slidenum">
+              <a:rPr lang="ko-KR" altLang="en-US" smtClean="0"/>
+              <a:t>19</a:t>
+            </a:fld>
+            <a:endParaRPr lang="ko-KR" altLang="en-US"/>
+          </a:p>
+        </p:txBody>
+      </p:sp>
+    </p:spTree>
+    <p:extLst>
+      <p:ext uri="{BB962C8B-B14F-4D97-AF65-F5344CB8AC3E}">
+        <p14:creationId xmlns:p14="http://schemas.microsoft.com/office/powerpoint/2010/main" val="1938258863"/>
+      </p:ext>
+    </p:extLst>
+  </p:cSld>
+  <p:clrMapOvr>
+    <a:masterClrMapping/>
+  </p:clrMapOvr>
+</p:notes>
+</file>
+
+<file path=ppt/notesSlides/notesSlide18.xml><?xml version="1.0" encoding="utf-8"?>
+<p:notes xmlns:a="http://schemas.openxmlformats.org/drawingml/2006/main" xmlns:r="http://schemas.openxmlformats.org/officeDocument/2006/relationships" xmlns:p="http://schemas.openxmlformats.org/presentationml/2006/main">
+  <p:cSld>
+    <p:spTree>
+      <p:nvGrpSpPr>
+        <p:cNvPr id="1" name=""/>
+        <p:cNvGrpSpPr/>
+        <p:nvPr/>
+      </p:nvGrpSpPr>
+      <p:grpSpPr>
+        <a:xfrm>
+          <a:off x="0" y="0"/>
+          <a:ext cx="0" cy="0"/>
+          <a:chOff x="0" y="0"/>
+          <a:chExt cx="0" cy="0"/>
+        </a:xfrm>
+      </p:grpSpPr>
+      <p:sp>
+        <p:nvSpPr>
+          <p:cNvPr id="2" name="슬라이드 이미지 개체 틀 1"/>
+          <p:cNvSpPr>
+            <a:spLocks noGrp="1" noRot="1" noChangeAspect="1"/>
+          </p:cNvSpPr>
+          <p:nvPr>
+            <p:ph type="sldImg"/>
+          </p:nvPr>
+        </p:nvSpPr>
+        <p:spPr/>
+      </p:sp>
+      <p:sp>
+        <p:nvSpPr>
+          <p:cNvPr id="3" name="슬라이드 노트 개체 틀 2"/>
+          <p:cNvSpPr>
+            <a:spLocks noGrp="1"/>
+          </p:cNvSpPr>
+          <p:nvPr>
+            <p:ph type="body" idx="1"/>
+          </p:nvPr>
+        </p:nvSpPr>
+        <p:spPr/>
+        <p:txBody>
+          <a:bodyPr/>
+          <a:lstStyle/>
+          <a:p>
+            <a:r>
+              <a:rPr lang="ko-KR" altLang="en-US" dirty="0" smtClean="0"/>
+              <a:t>강의 링크</a:t>
+            </a:r>
+            <a:endParaRPr lang="ko-KR" altLang="en-US" dirty="0"/>
+          </a:p>
+        </p:txBody>
+      </p:sp>
+      <p:sp>
+        <p:nvSpPr>
+          <p:cNvPr id="4" name="슬라이드 번호 개체 틀 3"/>
+          <p:cNvSpPr>
+            <a:spLocks noGrp="1"/>
+          </p:cNvSpPr>
+          <p:nvPr>
+            <p:ph type="sldNum" sz="quarter" idx="10"/>
+          </p:nvPr>
+        </p:nvSpPr>
+        <p:spPr/>
+        <p:txBody>
+          <a:bodyPr/>
+          <a:lstStyle/>
+          <a:p>
+            <a:fld id="{4E025991-99C1-45BD-9B9C-EE77FBC27CD0}" type="slidenum">
+              <a:rPr lang="ko-KR" altLang="en-US" smtClean="0"/>
+              <a:t>20</a:t>
             </a:fld>
             <a:endParaRPr lang="ko-KR" altLang="en-US"/>
           </a:p>
@@ -11166,7 +11344,19 @@
             </a:r>
             <a:r>
               <a:rPr lang="ko-KR" altLang="en-US" dirty="0" smtClean="0"/>
-              <a:t>을 동시에 수행</a:t>
+              <a:t>을 동시에 </a:t>
+            </a:r>
+            <a:r>
+              <a:rPr lang="ko-KR" altLang="en-US" dirty="0" smtClean="0"/>
+              <a:t>수행</a:t>
+            </a:r>
+            <a:r>
+              <a:rPr lang="ko-KR" altLang="en-US" dirty="0" smtClean="0"/>
+              <a:t>한다</a:t>
+            </a:r>
+            <a:r>
+              <a:rPr lang="en-US" altLang="ko-KR" dirty="0" smtClean="0"/>
+              <a:t>.</a:t>
             </a:r>
             <a:endParaRPr lang="en-US" altLang="ko-KR" dirty="0" smtClean="0"/>
           </a:p>
@@ -11186,7 +11376,15 @@
             </a:r>
             <a:r>
               <a:rPr lang="ko-KR" altLang="en-US" dirty="0" smtClean="0"/>
-              <a:t>오류가 발생</a:t>
+              <a:t>오류가 </a:t>
+            </a:r>
+            <a:r>
+              <a:rPr lang="ko-KR" altLang="en-US" dirty="0" smtClean="0"/>
+              <a:t>발생한다</a:t>
+            </a:r>
+            <a:r>
+              <a:rPr lang="en-US" altLang="ko-KR" dirty="0" smtClean="0"/>
+              <a:t>.</a:t>
             </a:r>
             <a:endParaRPr lang="en-US" altLang="ko-KR" dirty="0" smtClean="0"/>
           </a:p>
@@ -11673,11 +11871,19 @@
             </a:r>
             <a:r>
               <a:rPr lang="ko-KR" altLang="en-US" dirty="0" smtClean="0"/>
-              <a:t>과 달리 이전 버전으로 되돌리고</a:t>
+              <a:t>과 달리</a:t>
             </a:r>
             <a:r>
               <a:rPr lang="en-US" altLang="ko-KR" dirty="0" smtClean="0"/>
               <a:t>, </a:t>
+            </a:r>
+            <a:r>
+              <a:rPr lang="ko-KR" altLang="en-US" dirty="0" smtClean="0"/>
+              <a:t>이전 버전으로 되돌릴 때</a:t>
+            </a:r>
+            <a:r>
+              <a:rPr lang="en-US" altLang="ko-KR" dirty="0" smtClean="0"/>
+              <a:t> </a:t>
             </a:r>
             <a:r>
               <a:rPr lang="ko-KR" altLang="en-US" dirty="0" smtClean="0"/>
@@ -11768,7 +11974,7 @@
             </a:r>
             <a:r>
               <a:rPr lang="en-US" altLang="ko-KR" dirty="0" smtClean="0"/>
-              <a:t> revert &lt;R4 id&gt;</a:t>
+              <a:t> revert &lt;R5 id&gt;</a:t>
             </a:r>
             <a:r>
               <a:rPr lang="ko-KR" altLang="en-US" dirty="0" smtClean="0"/>
@@ -12362,11 +12568,7 @@
             </a:r>
             <a:r>
               <a:rPr lang="ko-KR" altLang="en-US" dirty="0" smtClean="0"/>
-              <a:t>로 </a:t>
-            </a:r>
-            <a:r>
-              <a:rPr lang="ko-KR" altLang="en-US" dirty="0" smtClean="0"/>
-              <a:t>이동</a:t>
+              <a:t>로 이동</a:t>
             </a:r>
             <a:endParaRPr lang="en-US" altLang="ko-KR" dirty="0" smtClean="0"/>
           </a:p>
@@ -12664,11 +12866,15 @@
             </a:r>
             <a:r>
               <a:rPr lang="en-US" altLang="ko-KR" dirty="0" smtClean="0"/>
-              <a:t>master branch</a:t>
-            </a:r>
-            <a:r>
-              <a:rPr lang="ko-KR" altLang="en-US" dirty="0" smtClean="0"/>
-              <a:t>와도 다른 </a:t>
+              <a:t>base</a:t>
+            </a:r>
+            <a:r>
+              <a:rPr lang="ko-KR" altLang="en-US" dirty="0" smtClean="0"/>
+              <a:t>와도 </a:t>
+            </a:r>
+            <a:r>
+              <a:rPr lang="ko-KR" altLang="en-US" dirty="0" smtClean="0"/>
+              <a:t>다른 </a:t>
             </a:r>
             <a:r>
               <a:rPr lang="en-US" altLang="ko-KR" dirty="0" smtClean="0"/>
@@ -13257,11 +13463,7 @@
             </a:r>
             <a:r>
               <a:rPr lang="ko-KR" altLang="en-US" dirty="0" smtClean="0"/>
-              <a:t>를 명령하여 </a:t>
-            </a:r>
-            <a:r>
-              <a:rPr lang="ko-KR" altLang="en-US" dirty="0" smtClean="0"/>
-              <a:t>지역저장소에서 원격저장소로 파일을 백업시킨다</a:t>
+              <a:t>를 명령하여 지역저장소에서 원격저장소로 파일을 백업시킨다</a:t>
             </a:r>
             <a:r>
               <a:rPr lang="en-US" altLang="ko-KR" dirty="0" smtClean="0"/>
@@ -13438,62 +13640,72 @@
             </a:r>
             <a:r>
               <a:rPr lang="en-US" altLang="ko-KR" dirty="0" smtClean="0"/>
-              <a:t>: https</a:t>
-            </a:r>
-            <a:r>
-              <a:rPr lang="en-US" altLang="ko-KR"/>
+              <a:t>: </a:t>
+            </a:r>
+            <a:r>
+              <a:rPr lang="en-US" altLang="ko-KR" dirty="0" smtClean="0">
+                <a:hlinkClick r:id="rId3"/>
+              </a:rPr>
+              <a:t>https</a:t>
+            </a:r>
+            <a:r>
+              <a:rPr lang="en-US" altLang="ko-KR" dirty="0">
+                <a:hlinkClick r:id="rId3"/>
+              </a:rPr>
               <a:t>://</a:t>
             </a:r>
             <a:r>
-              <a:rPr lang="en-US" altLang="ko-KR" smtClean="0"/>
+              <a:rPr lang="en-US" altLang="ko-KR" dirty="0" smtClean="0">
+                <a:hlinkClick r:id="rId3"/>
+              </a:rPr>
               <a:t>opentutorials.org/course/3842</a:t>
             </a:r>
             <a:endParaRPr lang="en-US" altLang="ko-KR" dirty="0" smtClean="0"/>
           </a:p>
           <a:p>
             <a:r>
-              <a:rPr lang="ko-KR" altLang="en-US" dirty="0" smtClean="0"/>
-              <a:t>원격저장소 연결</a:t>
+              <a:rPr lang="en-US" altLang="ko-KR" dirty="0" smtClean="0"/>
+              <a:t>Collaborator </a:t>
+            </a:r>
+            <a:r>
+              <a:rPr lang="ko-KR" altLang="en-US" dirty="0" smtClean="0"/>
+              <a:t>등록</a:t>
             </a:r>
             <a:endParaRPr lang="en-US" altLang="ko-KR" dirty="0" smtClean="0"/>
           </a:p>
           <a:p>
             <a:pPr lvl="1"/>
             <a:r>
-              <a:rPr lang="ko-KR" altLang="en-US" dirty="0" smtClean="0"/>
-              <a:t>지역저장소와 원격저장소를 연결하기 위해선</a:t>
-            </a:r>
-            <a:r>
-              <a:rPr lang="en-US" altLang="ko-KR" dirty="0" smtClean="0"/>
-              <a:t>(</a:t>
-            </a:r>
-            <a:r>
               <a:rPr lang="en-US" altLang="ko-KR" dirty="0" err="1" smtClean="0"/>
-              <a:t>github</a:t>
-            </a:r>
-            <a:r>
-              <a:rPr lang="ko-KR" altLang="en-US" dirty="0" smtClean="0"/>
-              <a:t>환</a:t>
-            </a:r>
-            <a:r>
-              <a:rPr lang="ko-KR" altLang="en-US" dirty="0"/>
-              <a:t>경</a:t>
-            </a:r>
-            <a:r>
-              <a:rPr lang="en-US" altLang="ko-KR" dirty="0" smtClean="0"/>
-              <a:t>) </a:t>
-            </a:r>
-            <a:r>
-              <a:rPr lang="en-US" altLang="ko-KR" dirty="0" err="1" smtClean="0"/>
-              <a:t>git</a:t>
-            </a:r>
-            <a:r>
-              <a:rPr lang="en-US" altLang="ko-KR" dirty="0" smtClean="0"/>
-              <a:t> remote add origin “repository address”</a:t>
-            </a:r>
-            <a:r>
-              <a:rPr lang="ko-KR" altLang="en-US" dirty="0" smtClean="0"/>
-              <a:t>로 연결한다</a:t>
+              <a:t>Github</a:t>
+            </a:r>
+            <a:r>
+              <a:rPr lang="ko-KR" altLang="en-US" dirty="0" smtClean="0"/>
+              <a:t>는 </a:t>
+            </a:r>
+            <a:r>
+              <a:rPr lang="en-US" altLang="ko-KR" dirty="0" smtClean="0"/>
+              <a:t>private</a:t>
+            </a:r>
+            <a:r>
+              <a:rPr lang="ko-KR" altLang="en-US" dirty="0" smtClean="0"/>
+              <a:t>가 아닌 이상 원격저장소에 있는 파일을 다른 개발자가 자유롭게 다운로드 받을 수 있지만</a:t>
+            </a:r>
+            <a:r>
+              <a:rPr lang="en-US" altLang="ko-KR" dirty="0" smtClean="0"/>
+              <a:t>, push</a:t>
+            </a:r>
+            <a:r>
+              <a:rPr lang="ko-KR" altLang="en-US" dirty="0" smtClean="0"/>
+              <a:t>와 같은 </a:t>
+            </a:r>
+            <a:r>
+              <a:rPr lang="en-US" altLang="ko-KR" dirty="0" smtClean="0"/>
+              <a:t>write</a:t>
+            </a:r>
+            <a:r>
+              <a:rPr lang="ko-KR" altLang="en-US" dirty="0" smtClean="0"/>
+              <a:t>는 불가하다</a:t>
             </a:r>
             <a:r>
               <a:rPr lang="en-US" altLang="ko-KR" dirty="0" smtClean="0"/>
@@ -13502,123 +13714,207 @@
           </a:p>
           <a:p>
             <a:pPr lvl="1"/>
+            <a:r>
+              <a:rPr lang="en-US" altLang="ko-KR" dirty="0" smtClean="0"/>
+              <a:t>Collaborator</a:t>
+            </a:r>
+            <a:r>
+              <a:rPr lang="ko-KR" altLang="en-US" dirty="0" smtClean="0"/>
+              <a:t>를 등록함으로써</a:t>
+            </a:r>
+            <a:r>
+              <a:rPr lang="en-US" altLang="ko-KR" dirty="0" smtClean="0"/>
+              <a:t>, Admin, Write, Read </a:t>
+            </a:r>
+            <a:r>
+              <a:rPr lang="ko-KR" altLang="en-US" dirty="0" smtClean="0"/>
+              <a:t>권한을 부여할 수 있다</a:t>
+            </a:r>
+            <a:r>
+              <a:rPr lang="en-US" altLang="ko-KR" dirty="0" smtClean="0"/>
+              <a:t>.</a:t>
+            </a:r>
+          </a:p>
+          <a:p>
+            <a:r>
+              <a:rPr lang="ko-KR" altLang="en-US" dirty="0" smtClean="0"/>
+              <a:t>협업</a:t>
+            </a:r>
+            <a:r>
+              <a:rPr lang="en-US" altLang="ko-KR" dirty="0" smtClean="0"/>
+              <a:t> </a:t>
+            </a:r>
+            <a:r>
+              <a:rPr lang="ko-KR" altLang="en-US" dirty="0" smtClean="0"/>
+              <a:t>유의사항</a:t>
+            </a:r>
+            <a:endParaRPr lang="en-US" altLang="ko-KR" dirty="0" smtClean="0"/>
+          </a:p>
+          <a:p>
+            <a:pPr lvl="1"/>
+            <a:r>
+              <a:rPr lang="ko-KR" altLang="en-US" dirty="0" smtClean="0"/>
+              <a:t>최대한 작업을 빨리 끝내고 </a:t>
+            </a:r>
+            <a:r>
+              <a:rPr lang="en-US" altLang="ko-KR" dirty="0" smtClean="0"/>
+              <a:t>push</a:t>
+            </a:r>
+            <a:r>
+              <a:rPr lang="ko-KR" altLang="en-US" dirty="0" smtClean="0"/>
+              <a:t>를 해야 다른 작업자간의 충돌이 일어나지 않는다</a:t>
+            </a:r>
+            <a:r>
+              <a:rPr lang="en-US" altLang="ko-KR" dirty="0" smtClean="0"/>
+              <a:t>.</a:t>
+            </a:r>
+          </a:p>
+          <a:p>
+            <a:pPr lvl="1"/>
+            <a:r>
+              <a:rPr lang="ko-KR" altLang="en-US" dirty="0" smtClean="0"/>
+              <a:t>작업할 때 </a:t>
+            </a:r>
+            <a:r>
+              <a:rPr lang="en-US" altLang="ko-KR" dirty="0" smtClean="0"/>
+              <a:t>pull</a:t>
+            </a:r>
+            <a:r>
+              <a:rPr lang="ko-KR" altLang="en-US" dirty="0" smtClean="0"/>
+              <a:t>을 하여 다른 작업자가 수정한 사항을 </a:t>
+            </a:r>
+            <a:r>
+              <a:rPr lang="en-US" altLang="ko-KR" dirty="0" smtClean="0"/>
+              <a:t>update</a:t>
+            </a:r>
+            <a:r>
+              <a:rPr lang="ko-KR" altLang="en-US" dirty="0" smtClean="0"/>
+              <a:t>해야 한다</a:t>
+            </a:r>
+            <a:r>
+              <a:rPr lang="en-US" altLang="ko-KR" dirty="0" smtClean="0"/>
+              <a:t>.</a:t>
+            </a:r>
+          </a:p>
+          <a:p>
             <a:r>
               <a:rPr lang="en-US" altLang="ko-KR" dirty="0" err="1" smtClean="0"/>
               <a:t>Git</a:t>
             </a:r>
             <a:r>
               <a:rPr lang="en-US" altLang="ko-KR" dirty="0" smtClean="0"/>
-              <a:t> remote –v </a:t>
-            </a:r>
-            <a:r>
-              <a:rPr lang="ko-KR" altLang="en-US" dirty="0" smtClean="0"/>
-              <a:t>명령어로 현재 지역저장소에 연결된 원격저장소를 확</a:t>
+              <a:t> fetch</a:t>
+            </a:r>
+          </a:p>
+          <a:p>
+            <a:pPr lvl="1"/>
+            <a:r>
+              <a:rPr lang="en-US" altLang="ko-KR" dirty="0"/>
+              <a:t>Pull</a:t>
             </a:r>
             <a:r>
               <a:rPr lang="ko-KR" altLang="en-US" dirty="0"/>
-              <a:t>인</a:t>
-            </a:r>
-            <a:r>
-              <a:rPr lang="ko-KR" altLang="en-US" dirty="0" smtClean="0"/>
-              <a:t>할 수 있다</a:t>
-            </a:r>
-            <a:endParaRPr lang="en-US" altLang="ko-KR" dirty="0" smtClean="0"/>
-          </a:p>
-          <a:p>
-            <a:r>
-              <a:rPr lang="ko-KR" altLang="en-US" dirty="0" smtClean="0"/>
-              <a:t>업로</a:t>
+              <a:t>과는 다르게 지역저장소의 </a:t>
+            </a:r>
+            <a:r>
+              <a:rPr lang="en-US" altLang="ko-KR" dirty="0"/>
+              <a:t>master</a:t>
             </a:r>
             <a:r>
               <a:rPr lang="ko-KR" altLang="en-US" dirty="0"/>
-              <a:t>드</a:t>
-            </a:r>
-            <a:endParaRPr lang="en-US" altLang="ko-KR" dirty="0" smtClean="0"/>
+              <a:t>는 그대로 둔 상태로 원격저장소의 </a:t>
+            </a:r>
+            <a:r>
+              <a:rPr lang="ko-KR" altLang="en-US" dirty="0" smtClean="0"/>
+              <a:t>버전을 </a:t>
+            </a:r>
+            <a:r>
+              <a:rPr lang="ko-KR" altLang="en-US" dirty="0"/>
+              <a:t>불러온다</a:t>
+            </a:r>
+            <a:r>
+              <a:rPr lang="en-US" altLang="ko-KR" dirty="0"/>
+              <a:t>. </a:t>
+            </a:r>
+            <a:r>
+              <a:rPr lang="ko-KR" altLang="en-US" dirty="0"/>
+              <a:t>그 결과</a:t>
+            </a:r>
+            <a:r>
+              <a:rPr lang="en-US" altLang="ko-KR" dirty="0"/>
+              <a:t>, origin/master</a:t>
+            </a:r>
+            <a:r>
+              <a:rPr lang="ko-KR" altLang="en-US" dirty="0"/>
+              <a:t>가 </a:t>
+            </a:r>
+            <a:r>
+              <a:rPr lang="en-US" altLang="ko-KR" dirty="0"/>
+              <a:t>local master</a:t>
+            </a:r>
+            <a:r>
+              <a:rPr lang="ko-KR" altLang="en-US" dirty="0"/>
+              <a:t>보다 상위에 있게 된다</a:t>
+            </a:r>
+            <a:r>
+              <a:rPr lang="en-US" altLang="ko-KR" dirty="0"/>
+              <a:t>. </a:t>
+            </a:r>
+            <a:r>
+              <a:rPr lang="ko-KR" altLang="en-US" dirty="0"/>
+              <a:t>지역저장소의 </a:t>
+            </a:r>
+            <a:r>
+              <a:rPr lang="en-US" altLang="ko-KR" dirty="0"/>
+              <a:t>master</a:t>
+            </a:r>
+            <a:r>
+              <a:rPr lang="ko-KR" altLang="en-US" dirty="0"/>
+              <a:t>를 원격저장소의 </a:t>
+            </a:r>
+            <a:r>
+              <a:rPr lang="en-US" altLang="ko-KR" dirty="0"/>
+              <a:t>master</a:t>
+            </a:r>
+            <a:r>
+              <a:rPr lang="ko-KR" altLang="en-US" dirty="0"/>
+              <a:t>와 동기화시키기 위해선 </a:t>
+            </a:r>
+            <a:r>
+              <a:rPr lang="en-US" altLang="ko-KR" dirty="0"/>
+              <a:t>merge</a:t>
+            </a:r>
+            <a:r>
+              <a:rPr lang="ko-KR" altLang="en-US" dirty="0"/>
+              <a:t>를 사용해야 한다</a:t>
+            </a:r>
+            <a:r>
+              <a:rPr lang="en-US" altLang="ko-KR" dirty="0" smtClean="0"/>
+              <a:t>. Pull </a:t>
+            </a:r>
+            <a:r>
+              <a:rPr lang="en-US" altLang="ko-KR" dirty="0"/>
+              <a:t>= fetch + merge </a:t>
+            </a:r>
+            <a:r>
+              <a:rPr lang="en-US" altLang="ko-KR" dirty="0" smtClean="0"/>
+              <a:t>origin/master</a:t>
+            </a:r>
           </a:p>
           <a:p>
             <a:pPr lvl="1"/>
             <a:r>
-              <a:rPr lang="en-US" altLang="ko-KR" dirty="0" err="1" smtClean="0"/>
-              <a:t>Git</a:t>
-            </a:r>
-            <a:r>
-              <a:rPr lang="en-US" altLang="ko-KR" dirty="0" smtClean="0"/>
-              <a:t> push </a:t>
-            </a:r>
-            <a:r>
-              <a:rPr lang="ko-KR" altLang="en-US" dirty="0" smtClean="0"/>
-              <a:t>를 명령하여 </a:t>
-            </a:r>
-            <a:r>
-              <a:rPr lang="ko-KR" altLang="en-US" dirty="0" smtClean="0"/>
-              <a:t>지역저장소에서 원격저장소로 파일을 백업시킨다</a:t>
-            </a:r>
-            <a:r>
-              <a:rPr lang="en-US" altLang="ko-KR" dirty="0" smtClean="0"/>
+              <a:rPr lang="ko-KR" altLang="en-US" dirty="0" smtClean="0"/>
+              <a:t>원격저장소의 내용을 병합하지 않고 최신이력을 단순 확인하고 싶을 때 사용한다</a:t>
+            </a:r>
+            <a:r>
+              <a:rPr lang="en-US" altLang="ko-KR" smtClean="0"/>
               <a:t>.</a:t>
             </a:r>
-          </a:p>
-          <a:p>
-            <a:r>
-              <a:rPr lang="ko-KR" altLang="en-US" dirty="0" smtClean="0"/>
-              <a:t>원격저장소 복제</a:t>
-            </a:r>
-            <a:endParaRPr lang="en-US" altLang="ko-KR" dirty="0" smtClean="0"/>
+            <a:endParaRPr lang="en-US" altLang="ko-KR" dirty="0"/>
           </a:p>
           <a:p>
             <a:pPr lvl="1"/>
-            <a:r>
-              <a:rPr lang="en-US" altLang="ko-KR" dirty="0" err="1" smtClean="0"/>
-              <a:t>Git</a:t>
-            </a:r>
-            <a:r>
-              <a:rPr lang="en-US" altLang="ko-KR" dirty="0" smtClean="0"/>
-              <a:t> clone </a:t>
-            </a:r>
-            <a:r>
-              <a:rPr lang="ko-KR" altLang="en-US" dirty="0" smtClean="0"/>
-              <a:t>을 명령하여 원격저장소를 지역저장소에 복제한다</a:t>
-            </a:r>
-            <a:r>
-              <a:rPr lang="en-US" altLang="ko-KR" dirty="0" smtClean="0"/>
-              <a:t>.</a:t>
-            </a:r>
-          </a:p>
-          <a:p>
-            <a:r>
-              <a:rPr lang="ko-KR" altLang="en-US" dirty="0" smtClean="0"/>
-              <a:t>동기화</a:t>
-            </a:r>
-            <a:endParaRPr lang="en-US" altLang="ko-KR" dirty="0" smtClean="0"/>
-          </a:p>
-          <a:p>
-            <a:pPr lvl="1"/>
-            <a:r>
-              <a:rPr lang="en-US" altLang="ko-KR" dirty="0" smtClean="0"/>
-              <a:t>Clone</a:t>
-            </a:r>
-            <a:r>
-              <a:rPr lang="ko-KR" altLang="en-US" dirty="0" smtClean="0"/>
-              <a:t>이 된 상태에서 원격저장소로부터 지역저장소로 파일을 불러들일 때 </a:t>
-            </a:r>
-            <a:r>
-              <a:rPr lang="en-US" altLang="ko-KR" dirty="0" err="1" smtClean="0"/>
-              <a:t>git</a:t>
-            </a:r>
-            <a:r>
-              <a:rPr lang="en-US" altLang="ko-KR" dirty="0" smtClean="0"/>
-              <a:t> pull</a:t>
-            </a:r>
-            <a:r>
-              <a:rPr lang="ko-KR" altLang="en-US" dirty="0" smtClean="0"/>
-              <a:t>을 사용한다</a:t>
-            </a:r>
-            <a:r>
-              <a:rPr lang="en-US" altLang="ko-KR" dirty="0" smtClean="0"/>
-              <a:t>.</a:t>
-            </a:r>
-          </a:p>
-          <a:p>
             <a:endParaRPr lang="en-US" altLang="ko-KR" dirty="0"/>
           </a:p>
           <a:p>
@@ -13654,15 +13950,11 @@
             </a:r>
             <a:r>
               <a:rPr lang="en-US" altLang="ko-KR" dirty="0" smtClean="0"/>
-              <a:t>CLI – </a:t>
-            </a:r>
-            <a:r>
-              <a:rPr lang="ko-KR" altLang="en-US" dirty="0" smtClean="0"/>
-              <a:t>협</a:t>
-            </a:r>
-            <a:r>
-              <a:rPr lang="ko-KR" altLang="en-US" dirty="0"/>
-              <a:t>업</a:t>
+              <a:t>CLI </a:t>
+            </a:r>
+            <a:r>
+              <a:rPr lang="ko-KR" altLang="en-US" dirty="0" smtClean="0"/>
+              <a:t>협업</a:t>
             </a:r>
             <a:endParaRPr lang="ko-KR" altLang="en-US" dirty="0"/>
           </a:p>
@@ -13778,6 +14070,870 @@
     <p:extLst>
       <p:ext uri="{BB962C8B-B14F-4D97-AF65-F5344CB8AC3E}">
         <p14:creationId xmlns:p14="http://schemas.microsoft.com/office/powerpoint/2010/main" val="3368261808"/>
+      </p:ext>
+    </p:extLst>
+  </p:cSld>
+  <p:clrMapOvr>
+    <a:masterClrMapping/>
+  </p:clrMapOvr>
+  <mc:AlternateContent xmlns:mc="http://schemas.openxmlformats.org/markup-compatibility/2006" xmlns:p14="http://schemas.microsoft.com/office/powerpoint/2010/main">
+    <mc:Choice Requires="p14">
+      <p:transition p14:dur="300">
+        <p:fade/>
+      </p:transition>
+    </mc:Choice>
+    <mc:Fallback xmlns="">
+      <p:transition>
+        <p:fade/>
+      </p:transition>
+    </mc:Fallback>
+  </mc:AlternateContent>
+</p:sld>
+</file>
+
+<file path=ppt/slides/slide20.xml><?xml version="1.0" encoding="utf-8"?>
+<p:sld xmlns:a="http://schemas.openxmlformats.org/drawingml/2006/main" xmlns:r="http://schemas.openxmlformats.org/officeDocument/2006/relationships" xmlns:p="http://schemas.openxmlformats.org/presentationml/2006/main">
+  <p:cSld>
+    <p:spTree>
+      <p:nvGrpSpPr>
+        <p:cNvPr id="1" name=""/>
+        <p:cNvGrpSpPr/>
+        <p:nvPr/>
+      </p:nvGrpSpPr>
+      <p:grpSpPr>
+        <a:xfrm>
+          <a:off x="0" y="0"/>
+          <a:ext cx="0" cy="0"/>
+          <a:chOff x="0" y="0"/>
+          <a:chExt cx="0" cy="0"/>
+        </a:xfrm>
+      </p:grpSpPr>
+      <p:sp>
+        <p:nvSpPr>
+          <p:cNvPr id="2" name="내용 개체 틀 1"/>
+          <p:cNvSpPr>
+            <a:spLocks noGrp="1"/>
+          </p:cNvSpPr>
+          <p:nvPr>
+            <p:ph sz="half" idx="10"/>
+          </p:nvPr>
+        </p:nvSpPr>
+        <p:spPr>
+          <a:xfrm>
+            <a:off x="239319" y="736600"/>
+            <a:ext cx="11308336" cy="5644727"/>
+          </a:xfrm>
+        </p:spPr>
+        <p:txBody>
+          <a:bodyPr/>
+          <a:lstStyle/>
+          <a:p>
+            <a:r>
+              <a:rPr lang="ko-KR" altLang="en-US" dirty="0" smtClean="0"/>
+              <a:t>강의자료주소 </a:t>
+            </a:r>
+            <a:r>
+              <a:rPr lang="en-US" altLang="ko-KR" dirty="0" smtClean="0"/>
+              <a:t>: https</a:t>
+            </a:r>
+            <a:r>
+              <a:rPr lang="en-US" altLang="ko-KR" dirty="0"/>
+              <a:t>://</a:t>
+            </a:r>
+            <a:r>
+              <a:rPr lang="en-US" altLang="ko-KR" dirty="0" smtClean="0"/>
+              <a:t>opentutorials.org/course/3843/24443</a:t>
+            </a:r>
+          </a:p>
+          <a:p>
+            <a:r>
+              <a:rPr lang="en-US" altLang="ko-KR" dirty="0" smtClean="0"/>
+              <a:t>Cherry-pick</a:t>
+            </a:r>
+          </a:p>
+          <a:p>
+            <a:pPr lvl="1"/>
+            <a:r>
+              <a:rPr lang="ko-KR" altLang="en-US" dirty="0" smtClean="0"/>
+              <a:t>다른 </a:t>
+            </a:r>
+            <a:r>
+              <a:rPr lang="en-US" altLang="ko-KR" dirty="0" smtClean="0"/>
+              <a:t>branch</a:t>
+            </a:r>
+            <a:r>
+              <a:rPr lang="ko-KR" altLang="en-US" dirty="0" smtClean="0"/>
+              <a:t>에서 나타난 변화를 </a:t>
+            </a:r>
+            <a:r>
+              <a:rPr lang="en-US" altLang="ko-KR" dirty="0" smtClean="0"/>
+              <a:t>merge</a:t>
+            </a:r>
+            <a:r>
+              <a:rPr lang="ko-KR" altLang="en-US" dirty="0" smtClean="0"/>
+              <a:t>하고자 할 때 사용한다</a:t>
+            </a:r>
+            <a:r>
+              <a:rPr lang="en-US" altLang="ko-KR" dirty="0" smtClean="0"/>
+              <a:t>.</a:t>
+            </a:r>
+            <a:endParaRPr lang="en-US" altLang="ko-KR" dirty="0"/>
+          </a:p>
+          <a:p>
+            <a:pPr lvl="1"/>
+            <a:r>
+              <a:rPr lang="en-US" altLang="ko-KR" dirty="0" smtClean="0"/>
+              <a:t>                                       </a:t>
+            </a:r>
+            <a:r>
+              <a:rPr lang="ko-KR" altLang="en-US" dirty="0" smtClean="0"/>
+              <a:t>현재 </a:t>
+            </a:r>
+            <a:r>
+              <a:rPr lang="en-US" altLang="ko-KR" dirty="0" smtClean="0"/>
+              <a:t>head</a:t>
+            </a:r>
+            <a:r>
+              <a:rPr lang="ko-KR" altLang="en-US" dirty="0" smtClean="0"/>
+              <a:t>는 </a:t>
+            </a:r>
+            <a:r>
+              <a:rPr lang="en-US" altLang="ko-KR" dirty="0" smtClean="0"/>
+              <a:t>master branch</a:t>
+            </a:r>
+            <a:r>
+              <a:rPr lang="ko-KR" altLang="en-US" dirty="0" smtClean="0"/>
+              <a:t>를 가리키고 있고</a:t>
+            </a:r>
+            <a:r>
+              <a:rPr lang="en-US" altLang="ko-KR" dirty="0" smtClean="0"/>
+              <a:t>, topic branch</a:t>
+            </a:r>
+            <a:r>
+              <a:rPr lang="ko-KR" altLang="en-US" dirty="0" smtClean="0"/>
+              <a:t>내의 </a:t>
+            </a:r>
+            <a:r>
+              <a:rPr lang="en-US" altLang="ko-KR" dirty="0" smtClean="0"/>
+              <a:t>t2 commit</a:t>
+            </a:r>
+            <a:r>
+              <a:rPr lang="ko-KR" altLang="en-US" dirty="0" smtClean="0"/>
+              <a:t>에</a:t>
+            </a:r>
+            <a:r>
+              <a:rPr lang="en-US" altLang="ko-KR" dirty="0" smtClean="0"/>
+              <a:t/>
+            </a:r>
+            <a:br>
+              <a:rPr lang="en-US" altLang="ko-KR" dirty="0" smtClean="0"/>
+            </a:br>
+            <a:r>
+              <a:rPr lang="en-US" altLang="ko-KR" dirty="0" smtClean="0"/>
+              <a:t>                                        </a:t>
+            </a:r>
+            <a:r>
+              <a:rPr lang="ko-KR" altLang="en-US" dirty="0" smtClean="0"/>
+              <a:t>나타났던 변경 사항을 </a:t>
+            </a:r>
+            <a:r>
+              <a:rPr lang="en-US" altLang="ko-KR" dirty="0" smtClean="0"/>
+              <a:t>m2</a:t>
+            </a:r>
+            <a:r>
+              <a:rPr lang="ko-KR" altLang="en-US" dirty="0" smtClean="0"/>
+              <a:t>에도 적용시키고자 한다</a:t>
+            </a:r>
+            <a:r>
+              <a:rPr lang="en-US" altLang="ko-KR" dirty="0" smtClean="0"/>
+              <a:t>. </a:t>
+            </a:r>
+            <a:r>
+              <a:rPr lang="ko-KR" altLang="en-US" dirty="0" smtClean="0"/>
+              <a:t>이때 사용하는 것이 </a:t>
+            </a:r>
+            <a:r>
+              <a:rPr lang="en-US" altLang="ko-KR" dirty="0"/>
+              <a:t>cherry-pick</a:t>
+            </a:r>
+            <a:r>
+              <a:rPr lang="ko-KR" altLang="en-US" dirty="0"/>
+              <a:t>이다</a:t>
+            </a:r>
+            <a:r>
+              <a:rPr lang="en-US" altLang="ko-KR" dirty="0"/>
+              <a:t>.</a:t>
+            </a:r>
+          </a:p>
+          <a:p>
+            <a:pPr lvl="1"/>
+            <a:endParaRPr lang="en-US" altLang="ko-KR" dirty="0" smtClean="0"/>
+          </a:p>
+          <a:p>
+            <a:pPr lvl="1"/>
+            <a:r>
+              <a:rPr lang="en-US" altLang="ko-KR" dirty="0" smtClean="0"/>
+              <a:t>t2 </a:t>
+            </a:r>
+            <a:r>
+              <a:rPr lang="ko-KR" altLang="en-US" dirty="0" smtClean="0"/>
+              <a:t>버전이 생성될 때 </a:t>
+            </a:r>
+            <a:r>
+              <a:rPr lang="en-US" altLang="ko-KR" dirty="0" smtClean="0"/>
+              <a:t>working copy snapshot </a:t>
+            </a:r>
+            <a:r>
+              <a:rPr lang="ko-KR" altLang="en-US" dirty="0" smtClean="0"/>
+              <a:t>전체를 </a:t>
+            </a:r>
+            <a:r>
+              <a:rPr lang="en-US" altLang="ko-KR" dirty="0" smtClean="0"/>
+              <a:t>merge</a:t>
+            </a:r>
+            <a:r>
+              <a:rPr lang="ko-KR" altLang="en-US" dirty="0" smtClean="0"/>
+              <a:t>하는 것이 아니라 </a:t>
+            </a:r>
+            <a:r>
+              <a:rPr lang="en-US" altLang="ko-KR" dirty="0" smtClean="0"/>
+              <a:t>t2</a:t>
+            </a:r>
+            <a:r>
+              <a:rPr lang="ko-KR" altLang="en-US" dirty="0" smtClean="0"/>
+              <a:t>버전이 생성될 때 나타났던 변화만을 </a:t>
+            </a:r>
+            <a:r>
+              <a:rPr lang="en-US" altLang="ko-KR" dirty="0" smtClean="0"/>
+              <a:t>merge</a:t>
+            </a:r>
+            <a:r>
+              <a:rPr lang="ko-KR" altLang="en-US" dirty="0" smtClean="0"/>
+              <a:t>하는 것이다</a:t>
+            </a:r>
+            <a:r>
+              <a:rPr lang="en-US" altLang="ko-KR" dirty="0" smtClean="0"/>
+              <a:t>.</a:t>
+            </a:r>
+          </a:p>
+          <a:p>
+            <a:r>
+              <a:rPr lang="ko-KR" altLang="en-US" dirty="0" smtClean="0"/>
+              <a:t>충돌</a:t>
+            </a:r>
+            <a:endParaRPr lang="en-US" altLang="ko-KR" dirty="0" smtClean="0"/>
+          </a:p>
+          <a:p>
+            <a:pPr lvl="1"/>
+            <a:r>
+              <a:rPr lang="ko-KR" altLang="en-US" dirty="0" smtClean="0"/>
+              <a:t>위의 예시에서는 서로 다른 파일들이 </a:t>
+            </a:r>
+            <a:r>
+              <a:rPr lang="en-US" altLang="ko-KR" dirty="0" smtClean="0"/>
+              <a:t>commit</a:t>
+            </a:r>
+            <a:r>
+              <a:rPr lang="ko-KR" altLang="en-US" dirty="0" smtClean="0"/>
+              <a:t>마다 추가되므로 충돌이 일어나지 않지만</a:t>
+            </a:r>
+            <a:r>
+              <a:rPr lang="en-US" altLang="ko-KR" dirty="0" smtClean="0"/>
+              <a:t>, </a:t>
+            </a:r>
+            <a:r>
+              <a:rPr lang="ko-KR" altLang="en-US" dirty="0" smtClean="0"/>
+              <a:t>하나의 파일을 수정하는 과정에서 </a:t>
+            </a:r>
+            <a:r>
+              <a:rPr lang="en-US" altLang="ko-KR" dirty="0" smtClean="0"/>
+              <a:t>cherry-pick</a:t>
+            </a:r>
+            <a:r>
+              <a:rPr lang="ko-KR" altLang="en-US" dirty="0" smtClean="0"/>
+              <a:t>이 수행되면 충돌이 일어날 수 있다</a:t>
+            </a:r>
+            <a:r>
+              <a:rPr lang="en-US" altLang="ko-KR" dirty="0" smtClean="0"/>
+              <a:t>.</a:t>
+            </a:r>
+          </a:p>
+          <a:p>
+            <a:pPr lvl="1"/>
+            <a:r>
+              <a:rPr lang="ko-KR" altLang="en-US" dirty="0" smtClean="0"/>
+              <a:t>다른 </a:t>
+            </a:r>
+            <a:r>
+              <a:rPr lang="en-US" altLang="ko-KR" dirty="0" smtClean="0"/>
+              <a:t>branch</a:t>
+            </a:r>
+            <a:r>
+              <a:rPr lang="ko-KR" altLang="en-US" dirty="0" smtClean="0"/>
+              <a:t>에 있는 버전을 </a:t>
+            </a:r>
+            <a:r>
+              <a:rPr lang="en-US" altLang="ko-KR" dirty="0" smtClean="0"/>
+              <a:t>cherry-pick</a:t>
+            </a:r>
+            <a:r>
+              <a:rPr lang="ko-KR" altLang="en-US" dirty="0"/>
+              <a:t> </a:t>
+            </a:r>
+            <a:r>
+              <a:rPr lang="ko-KR" altLang="en-US" dirty="0" smtClean="0"/>
+              <a:t>할 때</a:t>
+            </a:r>
+            <a:r>
+              <a:rPr lang="en-US" altLang="ko-KR" dirty="0" smtClean="0"/>
+              <a:t>, </a:t>
+            </a:r>
+            <a:r>
+              <a:rPr lang="ko-KR" altLang="en-US" dirty="0" smtClean="0"/>
+              <a:t>그 수정사항의 위치가 현재 </a:t>
+            </a:r>
+            <a:r>
+              <a:rPr lang="en-US" altLang="ko-KR" dirty="0" smtClean="0"/>
+              <a:t>branch</a:t>
+            </a:r>
+            <a:r>
+              <a:rPr lang="ko-KR" altLang="en-US" dirty="0" smtClean="0"/>
+              <a:t>에서 수정된 사항의 위치가 동일하여 다른 내용이 겹친다면 충돌이 일어나고 개발자가 수동적으로 수정해야 한다</a:t>
+            </a:r>
+            <a:r>
+              <a:rPr lang="en-US" altLang="ko-KR" dirty="0" smtClean="0"/>
+              <a:t>.</a:t>
+            </a:r>
+          </a:p>
+          <a:p>
+            <a:pPr marL="0" indent="0">
+              <a:buNone/>
+            </a:pPr>
+            <a:endParaRPr lang="en-US" altLang="ko-KR" dirty="0" smtClean="0"/>
+          </a:p>
+          <a:p>
+            <a:pPr marL="455612" lvl="1" indent="0">
+              <a:buNone/>
+            </a:pPr>
+            <a:endParaRPr lang="en-US" altLang="ko-KR" dirty="0"/>
+          </a:p>
+          <a:p>
+            <a:pPr lvl="1"/>
+            <a:endParaRPr lang="en-US" altLang="ko-KR" dirty="0"/>
+          </a:p>
+        </p:txBody>
+      </p:sp>
+      <p:sp>
+        <p:nvSpPr>
+          <p:cNvPr id="3" name="텍스트 개체 틀 2"/>
+          <p:cNvSpPr>
+            <a:spLocks noGrp="1"/>
+          </p:cNvSpPr>
+          <p:nvPr>
+            <p:ph type="body" sz="quarter" idx="12"/>
+          </p:nvPr>
+        </p:nvSpPr>
+        <p:spPr/>
+        <p:txBody>
+          <a:bodyPr/>
+          <a:lstStyle/>
+          <a:p>
+            <a:r>
+              <a:rPr lang="en-US" altLang="ko-KR" dirty="0"/>
+              <a:t>GIT </a:t>
+            </a:r>
+            <a:r>
+              <a:rPr lang="en-US" altLang="ko-KR" dirty="0" smtClean="0"/>
+              <a:t>CLI Cherry-pick &amp; Rebase – Cherry-pick</a:t>
+            </a:r>
+            <a:r>
+              <a:rPr lang="ko-KR" altLang="en-US" dirty="0" smtClean="0"/>
+              <a:t>의 개념</a:t>
+            </a:r>
+            <a:endParaRPr lang="ko-KR" altLang="en-US" dirty="0"/>
+          </a:p>
+        </p:txBody>
+      </p:sp>
+      <p:pic>
+        <p:nvPicPr>
+          <p:cNvPr id="1026" name="Picture 2"/>
+          <p:cNvPicPr>
+            <a:picLocks noChangeAspect="1" noChangeArrowheads="1"/>
+          </p:cNvPicPr>
+          <p:nvPr/>
+        </p:nvPicPr>
+        <p:blipFill>
+          <a:blip r:embed="rId3">
+            <a:extLst>
+              <a:ext uri="{28A0092B-C50C-407E-A947-70E740481C1C}">
+                <a14:useLocalDpi xmlns:a14="http://schemas.microsoft.com/office/drawing/2010/main" val="0"/>
+              </a:ext>
+            </a:extLst>
+          </a:blip>
+          <a:srcRect/>
+          <a:stretch>
+            <a:fillRect/>
+          </a:stretch>
+        </p:blipFill>
+        <p:spPr bwMode="auto">
+          <a:xfrm>
+            <a:off x="262558" y="2276872"/>
+            <a:ext cx="2955237" cy="1224136"/>
+          </a:xfrm>
+          <a:prstGeom prst="rect">
+            <a:avLst/>
+          </a:prstGeom>
+          <a:noFill/>
+          <a:ln>
+            <a:noFill/>
+          </a:ln>
+          <a:extLst>
+            <a:ext uri="{909E8E84-426E-40DD-AFC4-6F175D3DCCD1}">
+              <a14:hiddenFill xmlns:a14="http://schemas.microsoft.com/office/drawing/2010/main">
+                <a:solidFill>
+                  <a:schemeClr val="accent1"/>
+                </a:solidFill>
+              </a14:hiddenFill>
+            </a:ext>
+            <a:ext uri="{91240B29-F687-4F45-9708-019B960494DF}">
+              <a14:hiddenLine xmlns:a14="http://schemas.microsoft.com/office/drawing/2010/main" w="9525">
+                <a:solidFill>
+                  <a:schemeClr val="tx1"/>
+                </a:solidFill>
+                <a:miter lim="800000"/>
+                <a:headEnd/>
+                <a:tailEnd/>
+              </a14:hiddenLine>
+            </a:ext>
+          </a:extLst>
+        </p:spPr>
+      </p:pic>
+    </p:spTree>
+    <p:extLst>
+      <p:ext uri="{BB962C8B-B14F-4D97-AF65-F5344CB8AC3E}">
+        <p14:creationId xmlns:p14="http://schemas.microsoft.com/office/powerpoint/2010/main" val="536073393"/>
+      </p:ext>
+    </p:extLst>
+  </p:cSld>
+  <p:clrMapOvr>
+    <a:masterClrMapping/>
+  </p:clrMapOvr>
+  <mc:AlternateContent xmlns:mc="http://schemas.openxmlformats.org/markup-compatibility/2006" xmlns:p14="http://schemas.microsoft.com/office/powerpoint/2010/main">
+    <mc:Choice Requires="p14">
+      <p:transition p14:dur="300">
+        <p:fade/>
+      </p:transition>
+    </mc:Choice>
+    <mc:Fallback xmlns="">
+      <p:transition>
+        <p:fade/>
+      </p:transition>
+    </mc:Fallback>
+  </mc:AlternateContent>
+</p:sld>
+</file>
+
+<file path=ppt/slides/slide21.xml><?xml version="1.0" encoding="utf-8"?>
+<p:sld xmlns:a="http://schemas.openxmlformats.org/drawingml/2006/main" xmlns:r="http://schemas.openxmlformats.org/officeDocument/2006/relationships" xmlns:p="http://schemas.openxmlformats.org/presentationml/2006/main">
+  <p:cSld>
+    <p:spTree>
+      <p:nvGrpSpPr>
+        <p:cNvPr id="1" name=""/>
+        <p:cNvGrpSpPr/>
+        <p:nvPr/>
+      </p:nvGrpSpPr>
+      <p:grpSpPr>
+        <a:xfrm>
+          <a:off x="0" y="0"/>
+          <a:ext cx="0" cy="0"/>
+          <a:chOff x="0" y="0"/>
+          <a:chExt cx="0" cy="0"/>
+        </a:xfrm>
+      </p:grpSpPr>
+      <p:sp>
+        <p:nvSpPr>
+          <p:cNvPr id="2" name="내용 개체 틀 1"/>
+          <p:cNvSpPr>
+            <a:spLocks noGrp="1"/>
+          </p:cNvSpPr>
+          <p:nvPr>
+            <p:ph sz="half" idx="10"/>
+          </p:nvPr>
+        </p:nvSpPr>
+        <p:spPr>
+          <a:xfrm>
+            <a:off x="239319" y="736600"/>
+            <a:ext cx="11308336" cy="5644727"/>
+          </a:xfrm>
+        </p:spPr>
+        <p:txBody>
+          <a:bodyPr/>
+          <a:lstStyle/>
+          <a:p>
+            <a:r>
+              <a:rPr lang="ko-KR" altLang="en-US" dirty="0" smtClean="0"/>
+              <a:t>강의자료주소 </a:t>
+            </a:r>
+            <a:r>
+              <a:rPr lang="en-US" altLang="ko-KR" dirty="0" smtClean="0"/>
+              <a:t>: https</a:t>
+            </a:r>
+            <a:r>
+              <a:rPr lang="en-US" altLang="ko-KR" dirty="0"/>
+              <a:t>://</a:t>
+            </a:r>
+            <a:r>
+              <a:rPr lang="en-US" altLang="ko-KR" dirty="0" smtClean="0"/>
+              <a:t>opentutorials.org/course/3843/24444</a:t>
+            </a:r>
+          </a:p>
+          <a:p>
+            <a:r>
+              <a:rPr lang="en-US" altLang="ko-KR" dirty="0" smtClean="0"/>
+              <a:t>Rebase</a:t>
+            </a:r>
+            <a:endParaRPr lang="en-US" altLang="ko-KR" dirty="0"/>
+          </a:p>
+          <a:p>
+            <a:pPr lvl="1"/>
+            <a:r>
+              <a:rPr lang="ko-KR" altLang="en-US" dirty="0" smtClean="0"/>
+              <a:t>한</a:t>
+            </a:r>
+            <a:r>
+              <a:rPr lang="en-US" altLang="ko-KR" dirty="0" smtClean="0"/>
+              <a:t> branch</a:t>
+            </a:r>
+            <a:r>
+              <a:rPr lang="ko-KR" altLang="en-US" dirty="0" smtClean="0"/>
+              <a:t>의 </a:t>
+            </a:r>
+            <a:r>
+              <a:rPr lang="en-US" altLang="ko-KR" dirty="0" smtClean="0"/>
+              <a:t>base</a:t>
+            </a:r>
+            <a:r>
+              <a:rPr lang="ko-KR" altLang="en-US" dirty="0" smtClean="0"/>
+              <a:t>를 바꾸는 과정이다</a:t>
+            </a:r>
+            <a:r>
+              <a:rPr lang="en-US" altLang="ko-KR" dirty="0" smtClean="0"/>
+              <a:t>. Branch</a:t>
+            </a:r>
+            <a:r>
+              <a:rPr lang="ko-KR" altLang="en-US" dirty="0" smtClean="0"/>
+              <a:t>를 생성하고 분기해서 진행한 후</a:t>
+            </a:r>
+            <a:r>
+              <a:rPr lang="en-US" altLang="ko-KR" dirty="0" smtClean="0"/>
+              <a:t>, </a:t>
+            </a:r>
+            <a:r>
+              <a:rPr lang="ko-KR" altLang="en-US" dirty="0" smtClean="0"/>
+              <a:t>분기된 </a:t>
+            </a:r>
+            <a:r>
+              <a:rPr lang="en-US" altLang="ko-KR" dirty="0" smtClean="0"/>
+              <a:t>branch</a:t>
+            </a:r>
+            <a:r>
+              <a:rPr lang="ko-KR" altLang="en-US" dirty="0" smtClean="0"/>
+              <a:t>를 일렬로 연결할 때 사용한다</a:t>
+            </a:r>
+            <a:r>
+              <a:rPr lang="en-US" altLang="ko-KR" dirty="0" smtClean="0"/>
+              <a:t>.</a:t>
+            </a:r>
+          </a:p>
+          <a:p>
+            <a:pPr lvl="1"/>
+            <a:r>
+              <a:rPr lang="en-US" altLang="ko-KR" dirty="0" smtClean="0"/>
+              <a:t>Topic branch</a:t>
+            </a:r>
+            <a:r>
+              <a:rPr lang="ko-KR" altLang="en-US" dirty="0" smtClean="0"/>
+              <a:t>뒤에 </a:t>
+            </a:r>
+            <a:r>
+              <a:rPr lang="en-US" altLang="ko-KR" dirty="0" smtClean="0"/>
+              <a:t>master branch</a:t>
+            </a:r>
+            <a:r>
+              <a:rPr lang="ko-KR" altLang="en-US" dirty="0" smtClean="0"/>
+              <a:t>를 연결하고자 한다</a:t>
+            </a:r>
+            <a:r>
+              <a:rPr lang="en-US" altLang="ko-KR" dirty="0" smtClean="0"/>
+              <a:t>. </a:t>
+            </a:r>
+            <a:r>
+              <a:rPr lang="ko-KR" altLang="en-US" dirty="0" smtClean="0"/>
+              <a:t>옮길 </a:t>
+            </a:r>
+            <a:r>
+              <a:rPr lang="en-US" altLang="ko-KR" dirty="0" smtClean="0"/>
+              <a:t>branch</a:t>
+            </a:r>
+            <a:r>
+              <a:rPr lang="ko-KR" altLang="en-US" dirty="0" smtClean="0"/>
+              <a:t>인</a:t>
+            </a:r>
+            <a:r>
+              <a:rPr lang="en-US" altLang="ko-KR" dirty="0" smtClean="0"/>
+              <a:t/>
+            </a:r>
+            <a:br>
+              <a:rPr lang="en-US" altLang="ko-KR" dirty="0" smtClean="0"/>
+            </a:br>
+            <a:r>
+              <a:rPr lang="en-US" altLang="ko-KR" dirty="0" smtClean="0"/>
+              <a:t>master</a:t>
+            </a:r>
+            <a:r>
+              <a:rPr lang="ko-KR" altLang="en-US" dirty="0" smtClean="0"/>
+              <a:t>에서 </a:t>
+            </a:r>
+            <a:r>
+              <a:rPr lang="en-US" altLang="ko-KR" dirty="0" smtClean="0"/>
+              <a:t>rebase topic</a:t>
+            </a:r>
+            <a:r>
+              <a:rPr lang="ko-KR" altLang="en-US" dirty="0" smtClean="0"/>
+              <a:t>을 명령하면 오른쪽과 같이 </a:t>
+            </a:r>
+            <a:r>
+              <a:rPr lang="en-US" altLang="ko-KR" dirty="0" smtClean="0"/>
+              <a:t>base</a:t>
+            </a:r>
+            <a:r>
+              <a:rPr lang="ko-KR" altLang="en-US" dirty="0" smtClean="0"/>
+              <a:t>가 바뀌어</a:t>
+            </a:r>
+            <a:r>
+              <a:rPr lang="en-US" altLang="ko-KR" dirty="0" smtClean="0"/>
+              <a:t/>
+            </a:r>
+            <a:br>
+              <a:rPr lang="en-US" altLang="ko-KR" dirty="0" smtClean="0"/>
+            </a:br>
+            <a:r>
+              <a:rPr lang="ko-KR" altLang="en-US" dirty="0" smtClean="0"/>
+              <a:t>분기되었던 </a:t>
+            </a:r>
+            <a:r>
+              <a:rPr lang="en-US" altLang="ko-KR" dirty="0" smtClean="0"/>
+              <a:t>branch</a:t>
+            </a:r>
+            <a:r>
+              <a:rPr lang="ko-KR" altLang="en-US" dirty="0" smtClean="0"/>
+              <a:t>가 합쳐진다</a:t>
+            </a:r>
+            <a:r>
+              <a:rPr lang="en-US" altLang="ko-KR" dirty="0" smtClean="0"/>
+              <a:t>. </a:t>
+            </a:r>
+            <a:r>
+              <a:rPr lang="ko-KR" altLang="en-US" dirty="0" smtClean="0"/>
+              <a:t>내부적으로 </a:t>
+            </a:r>
+            <a:r>
+              <a:rPr lang="en-US" altLang="ko-KR" dirty="0" smtClean="0"/>
+              <a:t>m1</a:t>
+            </a:r>
+            <a:r>
+              <a:rPr lang="ko-KR" altLang="en-US" dirty="0" smtClean="0"/>
+              <a:t>을 </a:t>
+            </a:r>
+            <a:r>
+              <a:rPr lang="en-US" altLang="ko-KR" dirty="0" smtClean="0"/>
+              <a:t>topic</a:t>
+            </a:r>
+            <a:r>
+              <a:rPr lang="ko-KR" altLang="en-US" dirty="0" smtClean="0"/>
+              <a:t>에 </a:t>
+            </a:r>
+            <a:r>
+              <a:rPr lang="en-US" altLang="ko-KR" dirty="0" smtClean="0"/>
+              <a:t>merge</a:t>
+            </a:r>
+            <a:r>
+              <a:rPr lang="ko-KR" altLang="en-US" dirty="0" smtClean="0"/>
+              <a:t>하여 새</a:t>
+            </a:r>
+            <a:r>
+              <a:rPr lang="en-US" altLang="ko-KR" dirty="0"/>
+              <a:t/>
+            </a:r>
+            <a:br>
+              <a:rPr lang="en-US" altLang="ko-KR" dirty="0"/>
+            </a:br>
+            <a:r>
+              <a:rPr lang="ko-KR" altLang="en-US" dirty="0" smtClean="0"/>
+              <a:t>버전을 만들고 그 버전에 </a:t>
+            </a:r>
+            <a:r>
+              <a:rPr lang="en-US" altLang="ko-KR" dirty="0" smtClean="0"/>
+              <a:t>m2</a:t>
+            </a:r>
+            <a:r>
+              <a:rPr lang="ko-KR" altLang="en-US" dirty="0" smtClean="0"/>
+              <a:t>를 </a:t>
+            </a:r>
+            <a:r>
+              <a:rPr lang="en-US" altLang="ko-KR" dirty="0" smtClean="0"/>
+              <a:t>merge</a:t>
+            </a:r>
+            <a:r>
+              <a:rPr lang="ko-KR" altLang="en-US" dirty="0" smtClean="0"/>
+              <a:t>하는 동작을 한다</a:t>
+            </a:r>
+            <a:r>
+              <a:rPr lang="en-US" altLang="ko-KR" dirty="0" smtClean="0"/>
+              <a:t>.</a:t>
+            </a:r>
+          </a:p>
+          <a:p>
+            <a:r>
+              <a:rPr lang="ko-KR" altLang="en-US" dirty="0" smtClean="0"/>
+              <a:t>유의사항</a:t>
+            </a:r>
+            <a:endParaRPr lang="en-US" altLang="ko-KR" dirty="0" smtClean="0"/>
+          </a:p>
+          <a:p>
+            <a:pPr lvl="1"/>
+            <a:r>
+              <a:rPr lang="ko-KR" altLang="en-US" dirty="0" smtClean="0"/>
+              <a:t>다른 개발자와 이미 공유를 한 버전을 </a:t>
+            </a:r>
+            <a:r>
+              <a:rPr lang="en-US" altLang="ko-KR" dirty="0" smtClean="0"/>
+              <a:t>rebase</a:t>
+            </a:r>
+            <a:r>
+              <a:rPr lang="ko-KR" altLang="en-US" dirty="0" smtClean="0"/>
+              <a:t>하면 충돌이 일어나므로</a:t>
+            </a:r>
+            <a:r>
+              <a:rPr lang="en-US" altLang="ko-KR" dirty="0" smtClean="0"/>
+              <a:t/>
+            </a:r>
+            <a:br>
+              <a:rPr lang="en-US" altLang="ko-KR" dirty="0" smtClean="0"/>
+            </a:br>
+            <a:r>
+              <a:rPr lang="ko-KR" altLang="en-US" dirty="0" smtClean="0"/>
+              <a:t>공유를 하기 전에 </a:t>
+            </a:r>
+            <a:r>
+              <a:rPr lang="en-US" altLang="ko-KR" dirty="0" smtClean="0"/>
+              <a:t>rebase</a:t>
+            </a:r>
+            <a:r>
+              <a:rPr lang="ko-KR" altLang="en-US" dirty="0" smtClean="0"/>
+              <a:t>를 하는 것이 좋다</a:t>
+            </a:r>
+            <a:r>
+              <a:rPr lang="en-US" altLang="ko-KR" dirty="0" smtClean="0"/>
+              <a:t>.</a:t>
+            </a:r>
+            <a:endParaRPr lang="en-US" altLang="ko-KR" dirty="0"/>
+          </a:p>
+          <a:p>
+            <a:pPr lvl="1"/>
+            <a:endParaRPr lang="en-US" altLang="ko-KR" dirty="0"/>
+          </a:p>
+        </p:txBody>
+      </p:sp>
+      <p:sp>
+        <p:nvSpPr>
+          <p:cNvPr id="3" name="텍스트 개체 틀 2"/>
+          <p:cNvSpPr>
+            <a:spLocks noGrp="1"/>
+          </p:cNvSpPr>
+          <p:nvPr>
+            <p:ph type="body" sz="quarter" idx="12"/>
+          </p:nvPr>
+        </p:nvSpPr>
+        <p:spPr/>
+        <p:txBody>
+          <a:bodyPr/>
+          <a:lstStyle/>
+          <a:p>
+            <a:r>
+              <a:rPr lang="en-US" altLang="ko-KR" dirty="0"/>
+              <a:t>GIT </a:t>
+            </a:r>
+            <a:r>
+              <a:rPr lang="en-US" altLang="ko-KR" dirty="0" smtClean="0"/>
+              <a:t>CLI Cherry-pick &amp; Rebase – Rebase</a:t>
+            </a:r>
+            <a:r>
+              <a:rPr lang="ko-KR" altLang="en-US" dirty="0" smtClean="0"/>
+              <a:t>의 개념</a:t>
+            </a:r>
+            <a:endParaRPr lang="ko-KR" altLang="en-US" dirty="0"/>
+          </a:p>
+        </p:txBody>
+      </p:sp>
+      <p:pic>
+        <p:nvPicPr>
+          <p:cNvPr id="2050" name="Picture 2"/>
+          <p:cNvPicPr>
+            <a:picLocks noChangeAspect="1" noChangeArrowheads="1"/>
+          </p:cNvPicPr>
+          <p:nvPr/>
+        </p:nvPicPr>
+        <p:blipFill>
+          <a:blip r:embed="rId3">
+            <a:extLst>
+              <a:ext uri="{28A0092B-C50C-407E-A947-70E740481C1C}">
+                <a14:useLocalDpi xmlns:a14="http://schemas.microsoft.com/office/drawing/2010/main" val="0"/>
+              </a:ext>
+            </a:extLst>
+          </a:blip>
+          <a:srcRect/>
+          <a:stretch>
+            <a:fillRect/>
+          </a:stretch>
+        </p:blipFill>
+        <p:spPr bwMode="auto">
+          <a:xfrm>
+            <a:off x="7463358" y="2420888"/>
+            <a:ext cx="3876675" cy="3143250"/>
+          </a:xfrm>
+          <a:prstGeom prst="rect">
+            <a:avLst/>
+          </a:prstGeom>
+          <a:noFill/>
+          <a:ln>
+            <a:noFill/>
+          </a:ln>
+          <a:extLst>
+            <a:ext uri="{909E8E84-426E-40DD-AFC4-6F175D3DCCD1}">
+              <a14:hiddenFill xmlns:a14="http://schemas.microsoft.com/office/drawing/2010/main">
+                <a:solidFill>
+                  <a:schemeClr val="accent1"/>
+                </a:solidFill>
+              </a14:hiddenFill>
+            </a:ext>
+            <a:ext uri="{91240B29-F687-4F45-9708-019B960494DF}">
+              <a14:hiddenLine xmlns:a14="http://schemas.microsoft.com/office/drawing/2010/main" w="9525">
+                <a:solidFill>
+                  <a:schemeClr val="tx1"/>
+                </a:solidFill>
+                <a:miter lim="800000"/>
+                <a:headEnd/>
+                <a:tailEnd/>
+              </a14:hiddenLine>
+            </a:ext>
+          </a:extLst>
+        </p:spPr>
+      </p:pic>
+    </p:spTree>
+    <p:extLst>
+      <p:ext uri="{BB962C8B-B14F-4D97-AF65-F5344CB8AC3E}">
+        <p14:creationId xmlns:p14="http://schemas.microsoft.com/office/powerpoint/2010/main" val="3236596719"/>
       </p:ext>
     </p:extLst>
   </p:cSld>
